--- a/docs/DAD/EPSI_DAD.pptx
+++ b/docs/DAD/EPSI_DAD.pptx
@@ -245,7 +245,7 @@
           <a:p>
             <a:fld id="{1527CDBA-5BDD-3449-9014-C0EF9D85A69E}" type="datetimeFigureOut">
               <a:rPr lang="en-US" smtClean="0"/>
-              <a:t>2/13/18</a:t>
+              <a:t>3/11/18</a:t>
             </a:fld>
             <a:endParaRPr lang="en-US"/>
           </a:p>
@@ -415,7 +415,7 @@
           <a:p>
             <a:fld id="{1527CDBA-5BDD-3449-9014-C0EF9D85A69E}" type="datetimeFigureOut">
               <a:rPr lang="en-US" smtClean="0"/>
-              <a:t>2/13/18</a:t>
+              <a:t>3/11/18</a:t>
             </a:fld>
             <a:endParaRPr lang="en-US"/>
           </a:p>
@@ -595,7 +595,7 @@
           <a:p>
             <a:fld id="{1527CDBA-5BDD-3449-9014-C0EF9D85A69E}" type="datetimeFigureOut">
               <a:rPr lang="en-US" smtClean="0"/>
-              <a:t>2/13/18</a:t>
+              <a:t>3/11/18</a:t>
             </a:fld>
             <a:endParaRPr lang="en-US"/>
           </a:p>
@@ -765,7 +765,7 @@
           <a:p>
             <a:fld id="{1527CDBA-5BDD-3449-9014-C0EF9D85A69E}" type="datetimeFigureOut">
               <a:rPr lang="en-US" smtClean="0"/>
-              <a:t>2/13/18</a:t>
+              <a:t>3/11/18</a:t>
             </a:fld>
             <a:endParaRPr lang="en-US"/>
           </a:p>
@@ -1011,7 +1011,7 @@
           <a:p>
             <a:fld id="{1527CDBA-5BDD-3449-9014-C0EF9D85A69E}" type="datetimeFigureOut">
               <a:rPr lang="en-US" smtClean="0"/>
-              <a:t>2/13/18</a:t>
+              <a:t>3/11/18</a:t>
             </a:fld>
             <a:endParaRPr lang="en-US"/>
           </a:p>
@@ -1243,7 +1243,7 @@
           <a:p>
             <a:fld id="{1527CDBA-5BDD-3449-9014-C0EF9D85A69E}" type="datetimeFigureOut">
               <a:rPr lang="en-US" smtClean="0"/>
-              <a:t>2/13/18</a:t>
+              <a:t>3/11/18</a:t>
             </a:fld>
             <a:endParaRPr lang="en-US"/>
           </a:p>
@@ -1610,7 +1610,7 @@
           <a:p>
             <a:fld id="{1527CDBA-5BDD-3449-9014-C0EF9D85A69E}" type="datetimeFigureOut">
               <a:rPr lang="en-US" smtClean="0"/>
-              <a:t>2/13/18</a:t>
+              <a:t>3/11/18</a:t>
             </a:fld>
             <a:endParaRPr lang="en-US"/>
           </a:p>
@@ -1728,7 +1728,7 @@
           <a:p>
             <a:fld id="{1527CDBA-5BDD-3449-9014-C0EF9D85A69E}" type="datetimeFigureOut">
               <a:rPr lang="en-US" smtClean="0"/>
-              <a:t>2/13/18</a:t>
+              <a:t>3/11/18</a:t>
             </a:fld>
             <a:endParaRPr lang="en-US"/>
           </a:p>
@@ -1823,7 +1823,7 @@
           <a:p>
             <a:fld id="{1527CDBA-5BDD-3449-9014-C0EF9D85A69E}" type="datetimeFigureOut">
               <a:rPr lang="en-US" smtClean="0"/>
-              <a:t>2/13/18</a:t>
+              <a:t>3/11/18</a:t>
             </a:fld>
             <a:endParaRPr lang="en-US"/>
           </a:p>
@@ -2100,7 +2100,7 @@
           <a:p>
             <a:fld id="{1527CDBA-5BDD-3449-9014-C0EF9D85A69E}" type="datetimeFigureOut">
               <a:rPr lang="en-US" smtClean="0"/>
-              <a:t>2/13/18</a:t>
+              <a:t>3/11/18</a:t>
             </a:fld>
             <a:endParaRPr lang="en-US"/>
           </a:p>
@@ -2353,7 +2353,7 @@
           <a:p>
             <a:fld id="{1527CDBA-5BDD-3449-9014-C0EF9D85A69E}" type="datetimeFigureOut">
               <a:rPr lang="en-US" smtClean="0"/>
-              <a:t>2/13/18</a:t>
+              <a:t>3/11/18</a:t>
             </a:fld>
             <a:endParaRPr lang="en-US"/>
           </a:p>
@@ -2566,7 +2566,7 @@
           <a:p>
             <a:fld id="{1527CDBA-5BDD-3449-9014-C0EF9D85A69E}" type="datetimeFigureOut">
               <a:rPr lang="en-US" smtClean="0"/>
-              <a:t>2/13/18</a:t>
+              <a:t>3/11/18</a:t>
             </a:fld>
             <a:endParaRPr lang="en-US"/>
           </a:p>
@@ -2979,8 +2979,8 @@
         </p:nvSpPr>
         <p:spPr>
           <a:xfrm>
-            <a:off x="3917954" y="149602"/>
-            <a:ext cx="4741939" cy="369332"/>
+            <a:off x="3563132" y="68686"/>
+            <a:ext cx="4765884" cy="646331"/>
           </a:xfrm>
           <a:prstGeom prst="rect">
             <a:avLst/>
@@ -2988,14 +2988,34 @@
           <a:noFill/>
         </p:spPr>
         <p:txBody>
-          <a:bodyPr wrap="none" rtlCol="0">
+          <a:bodyPr wrap="square" rtlCol="0">
             <a:spAutoFit/>
           </a:bodyPr>
           <a:lstStyle/>
           <a:p>
+            <a:pPr algn="ctr"/>
             <a:r>
               <a:rPr lang="en-US" b="1" dirty="0" smtClean="0"/>
-              <a:t>EPSI Gradient Waveform Parameters (</a:t>
+              <a:t>DAD </a:t>
+            </a:r>
+            <a:r>
+              <a:rPr lang="mr-IN" b="1" dirty="0" smtClean="0"/>
+              <a:t>–</a:t>
+            </a:r>
+            <a:r>
+              <a:rPr lang="en-US" b="1" dirty="0" smtClean="0"/>
+              <a:t> Data Acquisition Descriptor </a:t>
+            </a:r>
+          </a:p>
+          <a:p>
+            <a:pPr algn="ctr"/>
+            <a:r>
+              <a:rPr lang="en-US" b="1" dirty="0" smtClean="0"/>
+              <a:t>EPSI </a:t>
+            </a:r>
+            <a:r>
+              <a:rPr lang="en-US" b="1" dirty="0" smtClean="0"/>
+              <a:t>Gradient Waveform Parameters (</a:t>
             </a:r>
             <a:r>
               <a:rPr lang="en-US" b="1" dirty="0" err="1" smtClean="0"/>
@@ -3008,468 +3028,791 @@
           </a:p>
         </p:txBody>
       </p:sp>
-      <p:cxnSp>
-        <p:nvCxnSpPr>
-          <p:cNvPr id="19" name="Straight Connector 18"/>
-          <p:cNvCxnSpPr/>
-          <p:nvPr/>
-        </p:nvCxnSpPr>
-        <p:spPr>
-          <a:xfrm flipV="1">
-            <a:off x="2298819" y="2518869"/>
-            <a:ext cx="192024" cy="603504"/>
-          </a:xfrm>
-          <a:prstGeom prst="line">
-            <a:avLst/>
-          </a:prstGeom>
-          <a:ln w="3175">
-            <a:solidFill>
-              <a:schemeClr val="accent1">
-                <a:alpha val="27000"/>
-              </a:schemeClr>
-            </a:solidFill>
-            <a:prstDash val="sysDot"/>
-          </a:ln>
-        </p:spPr>
-        <p:style>
-          <a:lnRef idx="1">
-            <a:schemeClr val="accent1"/>
-          </a:lnRef>
-          <a:fillRef idx="0">
-            <a:schemeClr val="accent1"/>
-          </a:fillRef>
-          <a:effectRef idx="0">
-            <a:schemeClr val="accent1"/>
-          </a:effectRef>
-          <a:fontRef idx="minor">
-            <a:schemeClr val="tx1"/>
-          </a:fontRef>
-        </p:style>
-      </p:cxnSp>
-      <p:cxnSp>
-        <p:nvCxnSpPr>
-          <p:cNvPr id="21" name="Straight Connector 20"/>
-          <p:cNvCxnSpPr/>
-          <p:nvPr/>
-        </p:nvCxnSpPr>
-        <p:spPr>
-          <a:xfrm>
-            <a:off x="2496939" y="2518869"/>
-            <a:ext cx="975360" cy="0"/>
-          </a:xfrm>
-          <a:prstGeom prst="line">
-            <a:avLst/>
-          </a:prstGeom>
-        </p:spPr>
-        <p:style>
-          <a:lnRef idx="1">
-            <a:schemeClr val="accent1"/>
-          </a:lnRef>
-          <a:fillRef idx="0">
-            <a:schemeClr val="accent1"/>
-          </a:fillRef>
-          <a:effectRef idx="0">
-            <a:schemeClr val="accent1"/>
-          </a:effectRef>
-          <a:fontRef idx="minor">
-            <a:schemeClr val="tx1"/>
-          </a:fontRef>
-        </p:style>
-      </p:cxnSp>
-      <p:cxnSp>
-        <p:nvCxnSpPr>
-          <p:cNvPr id="29" name="Straight Connector 28"/>
-          <p:cNvCxnSpPr/>
-          <p:nvPr/>
-        </p:nvCxnSpPr>
-        <p:spPr>
-          <a:xfrm flipV="1">
-            <a:off x="3858768" y="2518869"/>
-            <a:ext cx="381000" cy="1219200"/>
-          </a:xfrm>
-          <a:prstGeom prst="line">
-            <a:avLst/>
-          </a:prstGeom>
-        </p:spPr>
-        <p:style>
-          <a:lnRef idx="1">
-            <a:schemeClr val="accent1"/>
-          </a:lnRef>
-          <a:fillRef idx="0">
-            <a:schemeClr val="accent1"/>
-          </a:fillRef>
-          <a:effectRef idx="0">
-            <a:schemeClr val="accent1"/>
-          </a:effectRef>
-          <a:fontRef idx="minor">
-            <a:schemeClr val="tx1"/>
-          </a:fontRef>
-        </p:style>
-      </p:cxnSp>
-      <p:cxnSp>
-        <p:nvCxnSpPr>
-          <p:cNvPr id="30" name="Straight Connector 29"/>
-          <p:cNvCxnSpPr/>
-          <p:nvPr/>
-        </p:nvCxnSpPr>
-        <p:spPr>
-          <a:xfrm flipH="1" flipV="1">
-            <a:off x="3474720" y="2518869"/>
-            <a:ext cx="384048" cy="1219200"/>
-          </a:xfrm>
-          <a:prstGeom prst="line">
-            <a:avLst/>
-          </a:prstGeom>
-        </p:spPr>
-        <p:style>
-          <a:lnRef idx="1">
-            <a:schemeClr val="accent1"/>
-          </a:lnRef>
-          <a:fillRef idx="0">
-            <a:schemeClr val="accent1"/>
-          </a:fillRef>
-          <a:effectRef idx="0">
-            <a:schemeClr val="accent1"/>
-          </a:effectRef>
-          <a:fontRef idx="minor">
-            <a:schemeClr val="tx1"/>
-          </a:fontRef>
-        </p:style>
-      </p:cxnSp>
-      <p:cxnSp>
-        <p:nvCxnSpPr>
-          <p:cNvPr id="31" name="Straight Connector 30"/>
-          <p:cNvCxnSpPr/>
-          <p:nvPr/>
-        </p:nvCxnSpPr>
-        <p:spPr>
-          <a:xfrm>
-            <a:off x="4239768" y="2518869"/>
-            <a:ext cx="975360" cy="0"/>
-          </a:xfrm>
-          <a:prstGeom prst="line">
-            <a:avLst/>
-          </a:prstGeom>
-        </p:spPr>
-        <p:style>
-          <a:lnRef idx="1">
-            <a:schemeClr val="accent1"/>
-          </a:lnRef>
-          <a:fillRef idx="0">
-            <a:schemeClr val="accent1"/>
-          </a:fillRef>
-          <a:effectRef idx="0">
-            <a:schemeClr val="accent1"/>
-          </a:effectRef>
-          <a:fontRef idx="minor">
-            <a:schemeClr val="tx1"/>
-          </a:fontRef>
-        </p:style>
-      </p:cxnSp>
-      <p:cxnSp>
-        <p:nvCxnSpPr>
-          <p:cNvPr id="32" name="Straight Connector 31"/>
-          <p:cNvCxnSpPr/>
-          <p:nvPr/>
-        </p:nvCxnSpPr>
-        <p:spPr>
-          <a:xfrm flipV="1">
-            <a:off x="6824513" y="2518869"/>
-            <a:ext cx="381000" cy="1219200"/>
-          </a:xfrm>
-          <a:prstGeom prst="line">
-            <a:avLst/>
-          </a:prstGeom>
-        </p:spPr>
-        <p:style>
-          <a:lnRef idx="1">
-            <a:schemeClr val="accent1"/>
-          </a:lnRef>
-          <a:fillRef idx="0">
-            <a:schemeClr val="accent1"/>
-          </a:fillRef>
-          <a:effectRef idx="0">
-            <a:schemeClr val="accent1"/>
-          </a:effectRef>
-          <a:fontRef idx="minor">
-            <a:schemeClr val="tx1"/>
-          </a:fontRef>
-        </p:style>
-      </p:cxnSp>
-      <p:cxnSp>
-        <p:nvCxnSpPr>
-          <p:cNvPr id="33" name="Straight Connector 32"/>
-          <p:cNvCxnSpPr/>
-          <p:nvPr/>
-        </p:nvCxnSpPr>
-        <p:spPr>
-          <a:xfrm flipH="1" flipV="1">
-            <a:off x="5221822" y="2518869"/>
-            <a:ext cx="192024" cy="603504"/>
-          </a:xfrm>
-          <a:prstGeom prst="line">
-            <a:avLst/>
-          </a:prstGeom>
-        </p:spPr>
-        <p:style>
-          <a:lnRef idx="1">
-            <a:schemeClr val="accent1"/>
-          </a:lnRef>
-          <a:fillRef idx="0">
-            <a:schemeClr val="accent1"/>
-          </a:fillRef>
-          <a:effectRef idx="0">
-            <a:schemeClr val="accent1"/>
-          </a:effectRef>
-          <a:fontRef idx="minor">
-            <a:schemeClr val="tx1"/>
-          </a:fontRef>
-        </p:style>
-      </p:cxnSp>
-      <p:cxnSp>
-        <p:nvCxnSpPr>
-          <p:cNvPr id="34" name="Straight Connector 33"/>
-          <p:cNvCxnSpPr/>
-          <p:nvPr/>
-        </p:nvCxnSpPr>
-        <p:spPr>
-          <a:xfrm>
-            <a:off x="7199417" y="2518869"/>
-            <a:ext cx="975360" cy="0"/>
-          </a:xfrm>
-          <a:prstGeom prst="line">
-            <a:avLst/>
-          </a:prstGeom>
-        </p:spPr>
-        <p:style>
-          <a:lnRef idx="1">
-            <a:schemeClr val="accent1"/>
-          </a:lnRef>
-          <a:fillRef idx="0">
-            <a:schemeClr val="accent1"/>
-          </a:fillRef>
-          <a:effectRef idx="0">
-            <a:schemeClr val="accent1"/>
-          </a:effectRef>
-          <a:fontRef idx="minor">
-            <a:schemeClr val="tx1"/>
-          </a:fontRef>
-        </p:style>
-      </p:cxnSp>
-      <p:cxnSp>
-        <p:nvCxnSpPr>
-          <p:cNvPr id="35" name="Straight Connector 34"/>
-          <p:cNvCxnSpPr/>
-          <p:nvPr/>
-        </p:nvCxnSpPr>
-        <p:spPr>
-          <a:xfrm flipV="1">
-            <a:off x="8567928" y="2518869"/>
-            <a:ext cx="381000" cy="1219200"/>
-          </a:xfrm>
-          <a:prstGeom prst="line">
-            <a:avLst/>
-          </a:prstGeom>
-        </p:spPr>
-        <p:style>
-          <a:lnRef idx="1">
-            <a:schemeClr val="accent1"/>
-          </a:lnRef>
-          <a:fillRef idx="0">
-            <a:schemeClr val="accent1"/>
-          </a:fillRef>
-          <a:effectRef idx="0">
-            <a:schemeClr val="accent1"/>
-          </a:effectRef>
-          <a:fontRef idx="minor">
-            <a:schemeClr val="tx1"/>
-          </a:fontRef>
-        </p:style>
-      </p:cxnSp>
-      <p:cxnSp>
-        <p:nvCxnSpPr>
-          <p:cNvPr id="36" name="Straight Connector 35"/>
-          <p:cNvCxnSpPr/>
-          <p:nvPr/>
-        </p:nvCxnSpPr>
-        <p:spPr>
-          <a:xfrm flipH="1" flipV="1">
-            <a:off x="8183880" y="2518869"/>
-            <a:ext cx="384048" cy="1219200"/>
-          </a:xfrm>
-          <a:prstGeom prst="line">
-            <a:avLst/>
-          </a:prstGeom>
-        </p:spPr>
-        <p:style>
-          <a:lnRef idx="1">
-            <a:schemeClr val="accent1"/>
-          </a:lnRef>
-          <a:fillRef idx="0">
-            <a:schemeClr val="accent1"/>
-          </a:fillRef>
-          <a:effectRef idx="0">
-            <a:schemeClr val="accent1"/>
-          </a:effectRef>
-          <a:fontRef idx="minor">
-            <a:schemeClr val="tx1"/>
-          </a:fontRef>
-        </p:style>
-      </p:cxnSp>
-      <p:cxnSp>
-        <p:nvCxnSpPr>
-          <p:cNvPr id="37" name="Straight Connector 36"/>
-          <p:cNvCxnSpPr/>
-          <p:nvPr/>
-        </p:nvCxnSpPr>
-        <p:spPr>
-          <a:xfrm>
-            <a:off x="8948928" y="2518869"/>
-            <a:ext cx="975360" cy="0"/>
-          </a:xfrm>
-          <a:prstGeom prst="line">
-            <a:avLst/>
-          </a:prstGeom>
-        </p:spPr>
-        <p:style>
-          <a:lnRef idx="1">
-            <a:schemeClr val="accent1"/>
-          </a:lnRef>
-          <a:fillRef idx="0">
-            <a:schemeClr val="accent1"/>
-          </a:fillRef>
-          <a:effectRef idx="0">
-            <a:schemeClr val="accent1"/>
-          </a:effectRef>
-          <a:fontRef idx="minor">
-            <a:schemeClr val="tx1"/>
-          </a:fontRef>
-        </p:style>
-      </p:cxnSp>
-      <p:cxnSp>
-        <p:nvCxnSpPr>
-          <p:cNvPr id="39" name="Straight Connector 38"/>
-          <p:cNvCxnSpPr/>
-          <p:nvPr/>
-        </p:nvCxnSpPr>
-        <p:spPr>
-          <a:xfrm flipH="1" flipV="1">
-            <a:off x="9921117" y="2518869"/>
-            <a:ext cx="192024" cy="603504"/>
-          </a:xfrm>
-          <a:prstGeom prst="line">
-            <a:avLst/>
-          </a:prstGeom>
-        </p:spPr>
-        <p:style>
-          <a:lnRef idx="1">
-            <a:schemeClr val="accent1"/>
-          </a:lnRef>
-          <a:fillRef idx="0">
-            <a:schemeClr val="accent1"/>
-          </a:fillRef>
-          <a:effectRef idx="0">
-            <a:schemeClr val="accent1"/>
-          </a:effectRef>
-          <a:fontRef idx="minor">
-            <a:schemeClr val="tx1"/>
-          </a:fontRef>
-        </p:style>
-      </p:cxnSp>
-      <p:cxnSp>
-        <p:nvCxnSpPr>
-          <p:cNvPr id="41" name="Straight Connector 40"/>
-          <p:cNvCxnSpPr/>
-          <p:nvPr/>
-        </p:nvCxnSpPr>
-        <p:spPr>
-          <a:xfrm flipV="1">
-            <a:off x="5230368" y="2671269"/>
-            <a:ext cx="384048" cy="609600"/>
-          </a:xfrm>
-          <a:prstGeom prst="line">
-            <a:avLst/>
-          </a:prstGeom>
-          <a:ln w="28575">
-            <a:solidFill>
-              <a:schemeClr val="tx1"/>
-            </a:solidFill>
-          </a:ln>
-        </p:spPr>
-        <p:style>
-          <a:lnRef idx="1">
-            <a:schemeClr val="accent1"/>
-          </a:lnRef>
-          <a:fillRef idx="0">
-            <a:schemeClr val="accent1"/>
-          </a:fillRef>
-          <a:effectRef idx="0">
-            <a:schemeClr val="accent1"/>
-          </a:effectRef>
-          <a:fontRef idx="minor">
-            <a:schemeClr val="tx1"/>
-          </a:fontRef>
-        </p:style>
-      </p:cxnSp>
-      <p:cxnSp>
-        <p:nvCxnSpPr>
-          <p:cNvPr id="42" name="Straight Connector 41"/>
-          <p:cNvCxnSpPr/>
-          <p:nvPr/>
-        </p:nvCxnSpPr>
-        <p:spPr>
-          <a:xfrm flipV="1">
-            <a:off x="5292852" y="2716990"/>
-            <a:ext cx="384048" cy="609600"/>
-          </a:xfrm>
-          <a:prstGeom prst="line">
-            <a:avLst/>
-          </a:prstGeom>
-          <a:ln w="28575">
-            <a:solidFill>
-              <a:schemeClr val="tx1"/>
-            </a:solidFill>
-          </a:ln>
-        </p:spPr>
-        <p:style>
-          <a:lnRef idx="1">
-            <a:schemeClr val="accent1"/>
-          </a:lnRef>
-          <a:fillRef idx="0">
-            <a:schemeClr val="accent1"/>
-          </a:fillRef>
-          <a:effectRef idx="0">
-            <a:schemeClr val="accent1"/>
-          </a:effectRef>
-          <a:fontRef idx="minor">
-            <a:schemeClr val="tx1"/>
-          </a:fontRef>
-        </p:style>
-      </p:cxnSp>
       <p:grpSp>
         <p:nvGrpSpPr>
-          <p:cNvPr id="64" name="Group 63"/>
+          <p:cNvPr id="11" name="Group 10"/>
           <p:cNvGrpSpPr/>
           <p:nvPr/>
         </p:nvGrpSpPr>
         <p:grpSpPr>
           <a:xfrm>
-            <a:off x="2493891" y="2482292"/>
-            <a:ext cx="987552" cy="73152"/>
-            <a:chOff x="2425446" y="1890727"/>
-            <a:chExt cx="985917" cy="73152"/>
+            <a:off x="2091737" y="1363303"/>
+            <a:ext cx="7941642" cy="4836844"/>
+            <a:chOff x="399411" y="1458839"/>
+            <a:chExt cx="7941642" cy="4836844"/>
           </a:xfrm>
         </p:grpSpPr>
+        <p:cxnSp>
+          <p:nvCxnSpPr>
+            <p:cNvPr id="19" name="Straight Connector 18"/>
+            <p:cNvCxnSpPr/>
+            <p:nvPr/>
+          </p:nvCxnSpPr>
+          <p:spPr>
+            <a:xfrm flipV="1">
+              <a:off x="2298819" y="2518869"/>
+              <a:ext cx="192024" cy="603504"/>
+            </a:xfrm>
+            <a:prstGeom prst="line">
+              <a:avLst/>
+            </a:prstGeom>
+            <a:ln w="3175">
+              <a:solidFill>
+                <a:schemeClr val="accent1">
+                  <a:alpha val="27000"/>
+                </a:schemeClr>
+              </a:solidFill>
+              <a:prstDash val="sysDot"/>
+            </a:ln>
+          </p:spPr>
+          <p:style>
+            <a:lnRef idx="1">
+              <a:schemeClr val="accent1"/>
+            </a:lnRef>
+            <a:fillRef idx="0">
+              <a:schemeClr val="accent1"/>
+            </a:fillRef>
+            <a:effectRef idx="0">
+              <a:schemeClr val="accent1"/>
+            </a:effectRef>
+            <a:fontRef idx="minor">
+              <a:schemeClr val="tx1"/>
+            </a:fontRef>
+          </p:style>
+        </p:cxnSp>
+        <p:cxnSp>
+          <p:nvCxnSpPr>
+            <p:cNvPr id="21" name="Straight Connector 20"/>
+            <p:cNvCxnSpPr/>
+            <p:nvPr/>
+          </p:nvCxnSpPr>
+          <p:spPr>
+            <a:xfrm>
+              <a:off x="2496939" y="2518869"/>
+              <a:ext cx="975360" cy="0"/>
+            </a:xfrm>
+            <a:prstGeom prst="line">
+              <a:avLst/>
+            </a:prstGeom>
+          </p:spPr>
+          <p:style>
+            <a:lnRef idx="1">
+              <a:schemeClr val="accent1"/>
+            </a:lnRef>
+            <a:fillRef idx="0">
+              <a:schemeClr val="accent1"/>
+            </a:fillRef>
+            <a:effectRef idx="0">
+              <a:schemeClr val="accent1"/>
+            </a:effectRef>
+            <a:fontRef idx="minor">
+              <a:schemeClr val="tx1"/>
+            </a:fontRef>
+          </p:style>
+        </p:cxnSp>
+        <p:cxnSp>
+          <p:nvCxnSpPr>
+            <p:cNvPr id="29" name="Straight Connector 28"/>
+            <p:cNvCxnSpPr/>
+            <p:nvPr/>
+          </p:nvCxnSpPr>
+          <p:spPr>
+            <a:xfrm flipV="1">
+              <a:off x="3858768" y="2518869"/>
+              <a:ext cx="381000" cy="1219200"/>
+            </a:xfrm>
+            <a:prstGeom prst="line">
+              <a:avLst/>
+            </a:prstGeom>
+          </p:spPr>
+          <p:style>
+            <a:lnRef idx="1">
+              <a:schemeClr val="accent1"/>
+            </a:lnRef>
+            <a:fillRef idx="0">
+              <a:schemeClr val="accent1"/>
+            </a:fillRef>
+            <a:effectRef idx="0">
+              <a:schemeClr val="accent1"/>
+            </a:effectRef>
+            <a:fontRef idx="minor">
+              <a:schemeClr val="tx1"/>
+            </a:fontRef>
+          </p:style>
+        </p:cxnSp>
+        <p:cxnSp>
+          <p:nvCxnSpPr>
+            <p:cNvPr id="30" name="Straight Connector 29"/>
+            <p:cNvCxnSpPr/>
+            <p:nvPr/>
+          </p:nvCxnSpPr>
+          <p:spPr>
+            <a:xfrm flipH="1" flipV="1">
+              <a:off x="3474720" y="2518869"/>
+              <a:ext cx="384048" cy="1219200"/>
+            </a:xfrm>
+            <a:prstGeom prst="line">
+              <a:avLst/>
+            </a:prstGeom>
+          </p:spPr>
+          <p:style>
+            <a:lnRef idx="1">
+              <a:schemeClr val="accent1"/>
+            </a:lnRef>
+            <a:fillRef idx="0">
+              <a:schemeClr val="accent1"/>
+            </a:fillRef>
+            <a:effectRef idx="0">
+              <a:schemeClr val="accent1"/>
+            </a:effectRef>
+            <a:fontRef idx="minor">
+              <a:schemeClr val="tx1"/>
+            </a:fontRef>
+          </p:style>
+        </p:cxnSp>
+        <p:cxnSp>
+          <p:nvCxnSpPr>
+            <p:cNvPr id="31" name="Straight Connector 30"/>
+            <p:cNvCxnSpPr/>
+            <p:nvPr/>
+          </p:nvCxnSpPr>
+          <p:spPr>
+            <a:xfrm>
+              <a:off x="4239768" y="2518869"/>
+              <a:ext cx="975360" cy="0"/>
+            </a:xfrm>
+            <a:prstGeom prst="line">
+              <a:avLst/>
+            </a:prstGeom>
+          </p:spPr>
+          <p:style>
+            <a:lnRef idx="1">
+              <a:schemeClr val="accent1"/>
+            </a:lnRef>
+            <a:fillRef idx="0">
+              <a:schemeClr val="accent1"/>
+            </a:fillRef>
+            <a:effectRef idx="0">
+              <a:schemeClr val="accent1"/>
+            </a:effectRef>
+            <a:fontRef idx="minor">
+              <a:schemeClr val="tx1"/>
+            </a:fontRef>
+          </p:style>
+        </p:cxnSp>
+        <p:cxnSp>
+          <p:nvCxnSpPr>
+            <p:cNvPr id="33" name="Straight Connector 32"/>
+            <p:cNvCxnSpPr/>
+            <p:nvPr/>
+          </p:nvCxnSpPr>
+          <p:spPr>
+            <a:xfrm flipH="1" flipV="1">
+              <a:off x="5221822" y="2518869"/>
+              <a:ext cx="192024" cy="603504"/>
+            </a:xfrm>
+            <a:prstGeom prst="line">
+              <a:avLst/>
+            </a:prstGeom>
+          </p:spPr>
+          <p:style>
+            <a:lnRef idx="1">
+              <a:schemeClr val="accent1"/>
+            </a:lnRef>
+            <a:fillRef idx="0">
+              <a:schemeClr val="accent1"/>
+            </a:fillRef>
+            <a:effectRef idx="0">
+              <a:schemeClr val="accent1"/>
+            </a:effectRef>
+            <a:fontRef idx="minor">
+              <a:schemeClr val="tx1"/>
+            </a:fontRef>
+          </p:style>
+        </p:cxnSp>
+        <p:cxnSp>
+          <p:nvCxnSpPr>
+            <p:cNvPr id="35" name="Straight Connector 34"/>
+            <p:cNvCxnSpPr/>
+            <p:nvPr/>
+          </p:nvCxnSpPr>
+          <p:spPr>
+            <a:xfrm flipV="1">
+              <a:off x="6643583" y="2518869"/>
+              <a:ext cx="381000" cy="1219200"/>
+            </a:xfrm>
+            <a:prstGeom prst="line">
+              <a:avLst/>
+            </a:prstGeom>
+          </p:spPr>
+          <p:style>
+            <a:lnRef idx="1">
+              <a:schemeClr val="accent1"/>
+            </a:lnRef>
+            <a:fillRef idx="0">
+              <a:schemeClr val="accent1"/>
+            </a:fillRef>
+            <a:effectRef idx="0">
+              <a:schemeClr val="accent1"/>
+            </a:effectRef>
+            <a:fontRef idx="minor">
+              <a:schemeClr val="tx1"/>
+            </a:fontRef>
+          </p:style>
+        </p:cxnSp>
+        <p:cxnSp>
+          <p:nvCxnSpPr>
+            <p:cNvPr id="36" name="Straight Connector 35"/>
+            <p:cNvCxnSpPr/>
+            <p:nvPr/>
+          </p:nvCxnSpPr>
+          <p:spPr>
+            <a:xfrm flipH="1" flipV="1">
+              <a:off x="6259535" y="2518869"/>
+              <a:ext cx="384048" cy="1219200"/>
+            </a:xfrm>
+            <a:prstGeom prst="line">
+              <a:avLst/>
+            </a:prstGeom>
+          </p:spPr>
+          <p:style>
+            <a:lnRef idx="1">
+              <a:schemeClr val="accent1"/>
+            </a:lnRef>
+            <a:fillRef idx="0">
+              <a:schemeClr val="accent1"/>
+            </a:fillRef>
+            <a:effectRef idx="0">
+              <a:schemeClr val="accent1"/>
+            </a:effectRef>
+            <a:fontRef idx="minor">
+              <a:schemeClr val="tx1"/>
+            </a:fontRef>
+          </p:style>
+        </p:cxnSp>
+        <p:cxnSp>
+          <p:nvCxnSpPr>
+            <p:cNvPr id="37" name="Straight Connector 36"/>
+            <p:cNvCxnSpPr/>
+            <p:nvPr/>
+          </p:nvCxnSpPr>
+          <p:spPr>
+            <a:xfrm>
+              <a:off x="7024583" y="2518869"/>
+              <a:ext cx="975360" cy="0"/>
+            </a:xfrm>
+            <a:prstGeom prst="line">
+              <a:avLst/>
+            </a:prstGeom>
+          </p:spPr>
+          <p:style>
+            <a:lnRef idx="1">
+              <a:schemeClr val="accent1"/>
+            </a:lnRef>
+            <a:fillRef idx="0">
+              <a:schemeClr val="accent1"/>
+            </a:fillRef>
+            <a:effectRef idx="0">
+              <a:schemeClr val="accent1"/>
+            </a:effectRef>
+            <a:fontRef idx="minor">
+              <a:schemeClr val="tx1"/>
+            </a:fontRef>
+          </p:style>
+        </p:cxnSp>
+        <p:cxnSp>
+          <p:nvCxnSpPr>
+            <p:cNvPr id="39" name="Straight Connector 38"/>
+            <p:cNvCxnSpPr/>
+            <p:nvPr/>
+          </p:nvCxnSpPr>
+          <p:spPr>
+            <a:xfrm flipH="1" flipV="1">
+              <a:off x="7996772" y="2518869"/>
+              <a:ext cx="192024" cy="603504"/>
+            </a:xfrm>
+            <a:prstGeom prst="line">
+              <a:avLst/>
+            </a:prstGeom>
+          </p:spPr>
+          <p:style>
+            <a:lnRef idx="1">
+              <a:schemeClr val="accent1"/>
+            </a:lnRef>
+            <a:fillRef idx="0">
+              <a:schemeClr val="accent1"/>
+            </a:fillRef>
+            <a:effectRef idx="0">
+              <a:schemeClr val="accent1"/>
+            </a:effectRef>
+            <a:fontRef idx="minor">
+              <a:schemeClr val="tx1"/>
+            </a:fontRef>
+          </p:style>
+        </p:cxnSp>
+        <p:cxnSp>
+          <p:nvCxnSpPr>
+            <p:cNvPr id="41" name="Straight Connector 40"/>
+            <p:cNvCxnSpPr/>
+            <p:nvPr/>
+          </p:nvCxnSpPr>
+          <p:spPr>
+            <a:xfrm flipV="1">
+              <a:off x="5216720" y="2794101"/>
+              <a:ext cx="384048" cy="609600"/>
+            </a:xfrm>
+            <a:prstGeom prst="line">
+              <a:avLst/>
+            </a:prstGeom>
+            <a:ln w="28575">
+              <a:solidFill>
+                <a:schemeClr val="tx1"/>
+              </a:solidFill>
+            </a:ln>
+          </p:spPr>
+          <p:style>
+            <a:lnRef idx="1">
+              <a:schemeClr val="accent1"/>
+            </a:lnRef>
+            <a:fillRef idx="0">
+              <a:schemeClr val="accent1"/>
+            </a:fillRef>
+            <a:effectRef idx="0">
+              <a:schemeClr val="accent1"/>
+            </a:effectRef>
+            <a:fontRef idx="minor">
+              <a:schemeClr val="tx1"/>
+            </a:fontRef>
+          </p:style>
+        </p:cxnSp>
+        <p:cxnSp>
+          <p:nvCxnSpPr>
+            <p:cNvPr id="42" name="Straight Connector 41"/>
+            <p:cNvCxnSpPr/>
+            <p:nvPr/>
+          </p:nvCxnSpPr>
+          <p:spPr>
+            <a:xfrm flipV="1">
+              <a:off x="5279204" y="2839822"/>
+              <a:ext cx="384048" cy="609600"/>
+            </a:xfrm>
+            <a:prstGeom prst="line">
+              <a:avLst/>
+            </a:prstGeom>
+            <a:ln w="28575">
+              <a:solidFill>
+                <a:schemeClr val="tx1"/>
+              </a:solidFill>
+            </a:ln>
+          </p:spPr>
+          <p:style>
+            <a:lnRef idx="1">
+              <a:schemeClr val="accent1"/>
+            </a:lnRef>
+            <a:fillRef idx="0">
+              <a:schemeClr val="accent1"/>
+            </a:fillRef>
+            <a:effectRef idx="0">
+              <a:schemeClr val="accent1"/>
+            </a:effectRef>
+            <a:fontRef idx="minor">
+              <a:schemeClr val="tx1"/>
+            </a:fontRef>
+          </p:style>
+        </p:cxnSp>
+        <p:grpSp>
+          <p:nvGrpSpPr>
+            <p:cNvPr id="64" name="Group 63"/>
+            <p:cNvGrpSpPr/>
+            <p:nvPr/>
+          </p:nvGrpSpPr>
+          <p:grpSpPr>
+            <a:xfrm>
+              <a:off x="2493891" y="2482292"/>
+              <a:ext cx="987552" cy="73152"/>
+              <a:chOff x="2425446" y="1890727"/>
+              <a:chExt cx="985917" cy="73152"/>
+            </a:xfrm>
+          </p:grpSpPr>
+          <p:sp>
+            <p:nvSpPr>
+              <p:cNvPr id="53" name="Oval 52"/>
+              <p:cNvSpPr/>
+              <p:nvPr/>
+            </p:nvSpPr>
+            <p:spPr>
+              <a:xfrm>
+                <a:off x="2425446" y="1890727"/>
+                <a:ext cx="73152" cy="73152"/>
+              </a:xfrm>
+              <a:prstGeom prst="ellipse">
+                <a:avLst/>
+              </a:prstGeom>
+              <a:solidFill>
+                <a:srgbClr val="FF2600"/>
+              </a:solidFill>
+              <a:ln>
+                <a:noFill/>
+              </a:ln>
+            </p:spPr>
+            <p:style>
+              <a:lnRef idx="2">
+                <a:schemeClr val="accent1">
+                  <a:shade val="50000"/>
+                </a:schemeClr>
+              </a:lnRef>
+              <a:fillRef idx="1">
+                <a:schemeClr val="accent1"/>
+              </a:fillRef>
+              <a:effectRef idx="0">
+                <a:schemeClr val="accent1"/>
+              </a:effectRef>
+              <a:fontRef idx="minor">
+                <a:schemeClr val="lt1"/>
+              </a:fontRef>
+            </p:style>
+            <p:txBody>
+              <a:bodyPr rtlCol="0" anchor="ctr"/>
+              <a:lstStyle/>
+              <a:p>
+                <a:pPr algn="ctr"/>
+                <a:endParaRPr lang="en-US"/>
+              </a:p>
+            </p:txBody>
+          </p:sp>
+          <p:sp>
+            <p:nvSpPr>
+              <p:cNvPr id="54" name="Oval 53"/>
+              <p:cNvSpPr/>
+              <p:nvPr/>
+            </p:nvSpPr>
+            <p:spPr>
+              <a:xfrm>
+                <a:off x="2556451" y="1890727"/>
+                <a:ext cx="73152" cy="73152"/>
+              </a:xfrm>
+              <a:prstGeom prst="ellipse">
+                <a:avLst/>
+              </a:prstGeom>
+              <a:solidFill>
+                <a:srgbClr val="FF2600"/>
+              </a:solidFill>
+              <a:ln>
+                <a:noFill/>
+              </a:ln>
+            </p:spPr>
+            <p:style>
+              <a:lnRef idx="2">
+                <a:schemeClr val="accent1">
+                  <a:shade val="50000"/>
+                </a:schemeClr>
+              </a:lnRef>
+              <a:fillRef idx="1">
+                <a:schemeClr val="accent1"/>
+              </a:fillRef>
+              <a:effectRef idx="0">
+                <a:schemeClr val="accent1"/>
+              </a:effectRef>
+              <a:fontRef idx="minor">
+                <a:schemeClr val="lt1"/>
+              </a:fontRef>
+            </p:style>
+            <p:txBody>
+              <a:bodyPr rtlCol="0" anchor="ctr"/>
+              <a:lstStyle/>
+              <a:p>
+                <a:pPr algn="ctr"/>
+                <a:endParaRPr lang="en-US"/>
+              </a:p>
+            </p:txBody>
+          </p:sp>
+          <p:sp>
+            <p:nvSpPr>
+              <p:cNvPr id="55" name="Oval 54"/>
+              <p:cNvSpPr/>
+              <p:nvPr/>
+            </p:nvSpPr>
+            <p:spPr>
+              <a:xfrm>
+                <a:off x="2687456" y="1890727"/>
+                <a:ext cx="73152" cy="73152"/>
+              </a:xfrm>
+              <a:prstGeom prst="ellipse">
+                <a:avLst/>
+              </a:prstGeom>
+              <a:solidFill>
+                <a:srgbClr val="FF2600"/>
+              </a:solidFill>
+              <a:ln>
+                <a:noFill/>
+              </a:ln>
+            </p:spPr>
+            <p:style>
+              <a:lnRef idx="2">
+                <a:schemeClr val="accent1">
+                  <a:shade val="50000"/>
+                </a:schemeClr>
+              </a:lnRef>
+              <a:fillRef idx="1">
+                <a:schemeClr val="accent1"/>
+              </a:fillRef>
+              <a:effectRef idx="0">
+                <a:schemeClr val="accent1"/>
+              </a:effectRef>
+              <a:fontRef idx="minor">
+                <a:schemeClr val="lt1"/>
+              </a:fontRef>
+            </p:style>
+            <p:txBody>
+              <a:bodyPr rtlCol="0" anchor="ctr"/>
+              <a:lstStyle/>
+              <a:p>
+                <a:pPr algn="ctr"/>
+                <a:endParaRPr lang="en-US"/>
+              </a:p>
+            </p:txBody>
+          </p:sp>
+          <p:sp>
+            <p:nvSpPr>
+              <p:cNvPr id="56" name="Oval 55"/>
+              <p:cNvSpPr/>
+              <p:nvPr/>
+            </p:nvSpPr>
+            <p:spPr>
+              <a:xfrm>
+                <a:off x="2818461" y="1890727"/>
+                <a:ext cx="73152" cy="73152"/>
+              </a:xfrm>
+              <a:prstGeom prst="ellipse">
+                <a:avLst/>
+              </a:prstGeom>
+              <a:solidFill>
+                <a:srgbClr val="FF2600"/>
+              </a:solidFill>
+              <a:ln>
+                <a:noFill/>
+              </a:ln>
+            </p:spPr>
+            <p:style>
+              <a:lnRef idx="2">
+                <a:schemeClr val="accent1">
+                  <a:shade val="50000"/>
+                </a:schemeClr>
+              </a:lnRef>
+              <a:fillRef idx="1">
+                <a:schemeClr val="accent1"/>
+              </a:fillRef>
+              <a:effectRef idx="0">
+                <a:schemeClr val="accent1"/>
+              </a:effectRef>
+              <a:fontRef idx="minor">
+                <a:schemeClr val="lt1"/>
+              </a:fontRef>
+            </p:style>
+            <p:txBody>
+              <a:bodyPr rtlCol="0" anchor="ctr"/>
+              <a:lstStyle/>
+              <a:p>
+                <a:pPr algn="ctr"/>
+                <a:endParaRPr lang="en-US"/>
+              </a:p>
+            </p:txBody>
+          </p:sp>
+          <p:sp>
+            <p:nvSpPr>
+              <p:cNvPr id="57" name="Oval 56"/>
+              <p:cNvSpPr/>
+              <p:nvPr/>
+            </p:nvSpPr>
+            <p:spPr>
+              <a:xfrm>
+                <a:off x="2949466" y="1890727"/>
+                <a:ext cx="73152" cy="73152"/>
+              </a:xfrm>
+              <a:prstGeom prst="ellipse">
+                <a:avLst/>
+              </a:prstGeom>
+              <a:solidFill>
+                <a:srgbClr val="FF2600"/>
+              </a:solidFill>
+              <a:ln>
+                <a:noFill/>
+              </a:ln>
+            </p:spPr>
+            <p:style>
+              <a:lnRef idx="2">
+                <a:schemeClr val="accent1">
+                  <a:shade val="50000"/>
+                </a:schemeClr>
+              </a:lnRef>
+              <a:fillRef idx="1">
+                <a:schemeClr val="accent1"/>
+              </a:fillRef>
+              <a:effectRef idx="0">
+                <a:schemeClr val="accent1"/>
+              </a:effectRef>
+              <a:fontRef idx="minor">
+                <a:schemeClr val="lt1"/>
+              </a:fontRef>
+            </p:style>
+            <p:txBody>
+              <a:bodyPr rtlCol="0" anchor="ctr"/>
+              <a:lstStyle/>
+              <a:p>
+                <a:pPr algn="ctr"/>
+                <a:endParaRPr lang="en-US"/>
+              </a:p>
+            </p:txBody>
+          </p:sp>
+          <p:sp>
+            <p:nvSpPr>
+              <p:cNvPr id="58" name="Oval 57"/>
+              <p:cNvSpPr/>
+              <p:nvPr/>
+            </p:nvSpPr>
+            <p:spPr>
+              <a:xfrm>
+                <a:off x="3076198" y="1890727"/>
+                <a:ext cx="73152" cy="73152"/>
+              </a:xfrm>
+              <a:prstGeom prst="ellipse">
+                <a:avLst/>
+              </a:prstGeom>
+              <a:solidFill>
+                <a:srgbClr val="FF2600"/>
+              </a:solidFill>
+              <a:ln>
+                <a:noFill/>
+              </a:ln>
+            </p:spPr>
+            <p:style>
+              <a:lnRef idx="2">
+                <a:schemeClr val="accent1">
+                  <a:shade val="50000"/>
+                </a:schemeClr>
+              </a:lnRef>
+              <a:fillRef idx="1">
+                <a:schemeClr val="accent1"/>
+              </a:fillRef>
+              <a:effectRef idx="0">
+                <a:schemeClr val="accent1"/>
+              </a:effectRef>
+              <a:fontRef idx="minor">
+                <a:schemeClr val="lt1"/>
+              </a:fontRef>
+            </p:style>
+            <p:txBody>
+              <a:bodyPr rtlCol="0" anchor="ctr"/>
+              <a:lstStyle/>
+              <a:p>
+                <a:pPr algn="ctr"/>
+                <a:endParaRPr lang="en-US"/>
+              </a:p>
+            </p:txBody>
+          </p:sp>
+          <p:sp>
+            <p:nvSpPr>
+              <p:cNvPr id="59" name="Oval 58"/>
+              <p:cNvSpPr/>
+              <p:nvPr/>
+            </p:nvSpPr>
+            <p:spPr>
+              <a:xfrm>
+                <a:off x="3207203" y="1890727"/>
+                <a:ext cx="73152" cy="73152"/>
+              </a:xfrm>
+              <a:prstGeom prst="ellipse">
+                <a:avLst/>
+              </a:prstGeom>
+              <a:solidFill>
+                <a:srgbClr val="FF2600"/>
+              </a:solidFill>
+              <a:ln>
+                <a:noFill/>
+              </a:ln>
+            </p:spPr>
+            <p:style>
+              <a:lnRef idx="2">
+                <a:schemeClr val="accent1">
+                  <a:shade val="50000"/>
+                </a:schemeClr>
+              </a:lnRef>
+              <a:fillRef idx="1">
+                <a:schemeClr val="accent1"/>
+              </a:fillRef>
+              <a:effectRef idx="0">
+                <a:schemeClr val="accent1"/>
+              </a:effectRef>
+              <a:fontRef idx="minor">
+                <a:schemeClr val="lt1"/>
+              </a:fontRef>
+            </p:style>
+            <p:txBody>
+              <a:bodyPr rtlCol="0" anchor="ctr"/>
+              <a:lstStyle/>
+              <a:p>
+                <a:pPr algn="ctr"/>
+                <a:endParaRPr lang="en-US"/>
+              </a:p>
+            </p:txBody>
+          </p:sp>
+          <p:sp>
+            <p:nvSpPr>
+              <p:cNvPr id="60" name="Oval 59"/>
+              <p:cNvSpPr/>
+              <p:nvPr/>
+            </p:nvSpPr>
+            <p:spPr>
+              <a:xfrm>
+                <a:off x="3338211" y="1890727"/>
+                <a:ext cx="73152" cy="73152"/>
+              </a:xfrm>
+              <a:prstGeom prst="ellipse">
+                <a:avLst/>
+              </a:prstGeom>
+              <a:solidFill>
+                <a:srgbClr val="FF2600"/>
+              </a:solidFill>
+              <a:ln>
+                <a:noFill/>
+              </a:ln>
+            </p:spPr>
+            <p:style>
+              <a:lnRef idx="2">
+                <a:schemeClr val="accent1">
+                  <a:shade val="50000"/>
+                </a:schemeClr>
+              </a:lnRef>
+              <a:fillRef idx="1">
+                <a:schemeClr val="accent1"/>
+              </a:fillRef>
+              <a:effectRef idx="0">
+                <a:schemeClr val="accent1"/>
+              </a:effectRef>
+              <a:fontRef idx="minor">
+                <a:schemeClr val="lt1"/>
+              </a:fontRef>
+            </p:style>
+            <p:txBody>
+              <a:bodyPr rtlCol="0" anchor="ctr"/>
+              <a:lstStyle/>
+              <a:p>
+                <a:pPr algn="ctr"/>
+                <a:endParaRPr lang="en-US"/>
+              </a:p>
+            </p:txBody>
+          </p:sp>
+        </p:grpSp>
         <p:sp>
           <p:nvSpPr>
-            <p:cNvPr id="53" name="Oval 52"/>
+            <p:cNvPr id="67" name="Oval 66"/>
             <p:cNvSpPr/>
             <p:nvPr/>
           </p:nvSpPr>
           <p:spPr>
             <a:xfrm>
-              <a:off x="2425446" y="1890727"/>
-              <a:ext cx="73152" cy="73152"/>
+              <a:off x="3556144" y="2858072"/>
+              <a:ext cx="73273" cy="73152"/>
             </a:xfrm>
             <a:prstGeom prst="ellipse">
               <a:avLst/>
@@ -3508,14 +3851,14 @@
         </p:sp>
         <p:sp>
           <p:nvSpPr>
-            <p:cNvPr id="54" name="Oval 53"/>
+            <p:cNvPr id="68" name="Oval 67"/>
             <p:cNvSpPr/>
             <p:nvPr/>
           </p:nvSpPr>
           <p:spPr>
             <a:xfrm>
-              <a:off x="2556451" y="1890727"/>
-              <a:ext cx="73152" cy="73152"/>
+              <a:off x="3687366" y="3265167"/>
+              <a:ext cx="73273" cy="73152"/>
             </a:xfrm>
             <a:prstGeom prst="ellipse">
               <a:avLst/>
@@ -3554,14 +3897,14 @@
         </p:sp>
         <p:sp>
           <p:nvSpPr>
-            <p:cNvPr id="55" name="Oval 54"/>
+            <p:cNvPr id="70" name="Oval 69"/>
             <p:cNvSpPr/>
             <p:nvPr/>
           </p:nvSpPr>
           <p:spPr>
             <a:xfrm>
-              <a:off x="2687456" y="1890727"/>
-              <a:ext cx="73152" cy="73152"/>
+              <a:off x="3949811" y="3309008"/>
+              <a:ext cx="73273" cy="73152"/>
             </a:xfrm>
             <a:prstGeom prst="ellipse">
               <a:avLst/>
@@ -3600,14 +3943,14 @@
         </p:sp>
         <p:sp>
           <p:nvSpPr>
-            <p:cNvPr id="56" name="Oval 55"/>
+            <p:cNvPr id="71" name="Oval 70"/>
             <p:cNvSpPr/>
             <p:nvPr/>
           </p:nvSpPr>
           <p:spPr>
             <a:xfrm>
-              <a:off x="2818461" y="1890727"/>
-              <a:ext cx="73152" cy="73152"/>
+              <a:off x="4081033" y="2883124"/>
+              <a:ext cx="73273" cy="73152"/>
             </a:xfrm>
             <a:prstGeom prst="ellipse">
               <a:avLst/>
@@ -3646,14 +3989,14 @@
         </p:sp>
         <p:sp>
           <p:nvSpPr>
-            <p:cNvPr id="57" name="Oval 56"/>
+            <p:cNvPr id="72" name="Oval 71"/>
             <p:cNvSpPr/>
             <p:nvPr/>
           </p:nvSpPr>
           <p:spPr>
             <a:xfrm>
-              <a:off x="2949466" y="1890727"/>
-              <a:ext cx="73152" cy="73152"/>
+              <a:off x="4233027" y="2482292"/>
+              <a:ext cx="73273" cy="73152"/>
             </a:xfrm>
             <a:prstGeom prst="ellipse">
               <a:avLst/>
@@ -3692,14 +4035,14 @@
         </p:sp>
         <p:sp>
           <p:nvSpPr>
-            <p:cNvPr id="58" name="Oval 57"/>
+            <p:cNvPr id="73" name="Oval 72"/>
             <p:cNvSpPr/>
             <p:nvPr/>
           </p:nvSpPr>
           <p:spPr>
             <a:xfrm>
-              <a:off x="3076198" y="1890727"/>
-              <a:ext cx="73152" cy="73152"/>
+              <a:off x="4364249" y="2482292"/>
+              <a:ext cx="73273" cy="73152"/>
             </a:xfrm>
             <a:prstGeom prst="ellipse">
               <a:avLst/>
@@ -3738,14 +4081,14 @@
         </p:sp>
         <p:sp>
           <p:nvSpPr>
-            <p:cNvPr id="59" name="Oval 58"/>
+            <p:cNvPr id="74" name="Oval 73"/>
             <p:cNvSpPr/>
             <p:nvPr/>
           </p:nvSpPr>
           <p:spPr>
             <a:xfrm>
-              <a:off x="3207203" y="1890727"/>
-              <a:ext cx="73152" cy="73152"/>
+              <a:off x="4495475" y="2482292"/>
+              <a:ext cx="73273" cy="73152"/>
             </a:xfrm>
             <a:prstGeom prst="ellipse">
               <a:avLst/>
@@ -3784,14 +4127,14 @@
         </p:sp>
         <p:sp>
           <p:nvSpPr>
-            <p:cNvPr id="60" name="Oval 59"/>
+            <p:cNvPr id="76" name="Oval 75"/>
             <p:cNvSpPr/>
             <p:nvPr/>
           </p:nvSpPr>
           <p:spPr>
             <a:xfrm>
-              <a:off x="3338211" y="1890727"/>
-              <a:ext cx="73152" cy="73152"/>
+              <a:off x="4628585" y="2482292"/>
+              <a:ext cx="73273" cy="73152"/>
             </a:xfrm>
             <a:prstGeom prst="ellipse">
               <a:avLst/>
@@ -3828,2263 +4171,1378 @@
             </a:p>
           </p:txBody>
         </p:sp>
-      </p:grpSp>
-      <p:sp>
-        <p:nvSpPr>
-          <p:cNvPr id="67" name="Oval 66"/>
-          <p:cNvSpPr/>
-          <p:nvPr/>
-        </p:nvSpPr>
-        <p:spPr>
-          <a:xfrm>
-            <a:off x="3556144" y="2858072"/>
-            <a:ext cx="73273" cy="73152"/>
-          </a:xfrm>
-          <a:prstGeom prst="ellipse">
-            <a:avLst/>
-          </a:prstGeom>
-          <a:solidFill>
-            <a:srgbClr val="FF2600"/>
-          </a:solidFill>
-          <a:ln>
+        <p:sp>
+          <p:nvSpPr>
+            <p:cNvPr id="77" name="Oval 76"/>
+            <p:cNvSpPr/>
+            <p:nvPr/>
+          </p:nvSpPr>
+          <p:spPr>
+            <a:xfrm>
+              <a:off x="4759807" y="2482292"/>
+              <a:ext cx="73273" cy="73152"/>
+            </a:xfrm>
+            <a:prstGeom prst="ellipse">
+              <a:avLst/>
+            </a:prstGeom>
+            <a:solidFill>
+              <a:srgbClr val="FF2600"/>
+            </a:solidFill>
+            <a:ln>
+              <a:noFill/>
+            </a:ln>
+          </p:spPr>
+          <p:style>
+            <a:lnRef idx="2">
+              <a:schemeClr val="accent1">
+                <a:shade val="50000"/>
+              </a:schemeClr>
+            </a:lnRef>
+            <a:fillRef idx="1">
+              <a:schemeClr val="accent1"/>
+            </a:fillRef>
+            <a:effectRef idx="0">
+              <a:schemeClr val="accent1"/>
+            </a:effectRef>
+            <a:fontRef idx="minor">
+              <a:schemeClr val="lt1"/>
+            </a:fontRef>
+          </p:style>
+          <p:txBody>
+            <a:bodyPr rtlCol="0" anchor="ctr"/>
+            <a:lstStyle/>
+            <a:p>
+              <a:pPr algn="ctr"/>
+              <a:endParaRPr lang="en-US"/>
+            </a:p>
+          </p:txBody>
+        </p:sp>
+        <p:sp>
+          <p:nvSpPr>
+            <p:cNvPr id="78" name="Oval 77"/>
+            <p:cNvSpPr/>
+            <p:nvPr/>
+          </p:nvSpPr>
+          <p:spPr>
+            <a:xfrm>
+              <a:off x="4891030" y="2482292"/>
+              <a:ext cx="73273" cy="73152"/>
+            </a:xfrm>
+            <a:prstGeom prst="ellipse">
+              <a:avLst/>
+            </a:prstGeom>
+            <a:solidFill>
+              <a:srgbClr val="FF2600"/>
+            </a:solidFill>
+            <a:ln>
+              <a:noFill/>
+            </a:ln>
+          </p:spPr>
+          <p:style>
+            <a:lnRef idx="2">
+              <a:schemeClr val="accent1">
+                <a:shade val="50000"/>
+              </a:schemeClr>
+            </a:lnRef>
+            <a:fillRef idx="1">
+              <a:schemeClr val="accent1"/>
+            </a:fillRef>
+            <a:effectRef idx="0">
+              <a:schemeClr val="accent1"/>
+            </a:effectRef>
+            <a:fontRef idx="minor">
+              <a:schemeClr val="lt1"/>
+            </a:fontRef>
+          </p:style>
+          <p:txBody>
+            <a:bodyPr rtlCol="0" anchor="ctr"/>
+            <a:lstStyle/>
+            <a:p>
+              <a:pPr algn="ctr"/>
+              <a:endParaRPr lang="en-US"/>
+            </a:p>
+          </p:txBody>
+        </p:sp>
+        <p:sp>
+          <p:nvSpPr>
+            <p:cNvPr id="79" name="Oval 78"/>
+            <p:cNvSpPr/>
+            <p:nvPr/>
+          </p:nvSpPr>
+          <p:spPr>
+            <a:xfrm>
+              <a:off x="5022252" y="2482292"/>
+              <a:ext cx="73273" cy="73152"/>
+            </a:xfrm>
+            <a:prstGeom prst="ellipse">
+              <a:avLst/>
+            </a:prstGeom>
+            <a:solidFill>
+              <a:srgbClr val="FF2600"/>
+            </a:solidFill>
+            <a:ln>
+              <a:noFill/>
+            </a:ln>
+          </p:spPr>
+          <p:style>
+            <a:lnRef idx="2">
+              <a:schemeClr val="accent1">
+                <a:shade val="50000"/>
+              </a:schemeClr>
+            </a:lnRef>
+            <a:fillRef idx="1">
+              <a:schemeClr val="accent1"/>
+            </a:fillRef>
+            <a:effectRef idx="0">
+              <a:schemeClr val="accent1"/>
+            </a:effectRef>
+            <a:fontRef idx="minor">
+              <a:schemeClr val="lt1"/>
+            </a:fontRef>
+          </p:style>
+          <p:txBody>
+            <a:bodyPr rtlCol="0" anchor="ctr"/>
+            <a:lstStyle/>
+            <a:p>
+              <a:pPr algn="ctr"/>
+              <a:endParaRPr lang="en-US"/>
+            </a:p>
+          </p:txBody>
+        </p:sp>
+        <p:sp>
+          <p:nvSpPr>
+            <p:cNvPr id="80" name="Oval 79"/>
+            <p:cNvSpPr/>
+            <p:nvPr/>
+          </p:nvSpPr>
+          <p:spPr>
+            <a:xfrm>
+              <a:off x="5153474" y="2482292"/>
+              <a:ext cx="73273" cy="73152"/>
+            </a:xfrm>
+            <a:prstGeom prst="ellipse">
+              <a:avLst/>
+            </a:prstGeom>
+            <a:solidFill>
+              <a:srgbClr val="FF2600"/>
+            </a:solidFill>
+            <a:ln>
+              <a:noFill/>
+            </a:ln>
+          </p:spPr>
+          <p:style>
+            <a:lnRef idx="2">
+              <a:schemeClr val="accent1">
+                <a:shade val="50000"/>
+              </a:schemeClr>
+            </a:lnRef>
+            <a:fillRef idx="1">
+              <a:schemeClr val="accent1"/>
+            </a:fillRef>
+            <a:effectRef idx="0">
+              <a:schemeClr val="accent1"/>
+            </a:effectRef>
+            <a:fontRef idx="minor">
+              <a:schemeClr val="lt1"/>
+            </a:fontRef>
+          </p:style>
+          <p:txBody>
+            <a:bodyPr rtlCol="0" anchor="ctr"/>
+            <a:lstStyle/>
+            <a:p>
+              <a:pPr algn="ctr"/>
+              <a:endParaRPr lang="en-US"/>
+            </a:p>
+          </p:txBody>
+        </p:sp>
+        <p:sp>
+          <p:nvSpPr>
+            <p:cNvPr id="81" name="Oval 80"/>
+            <p:cNvSpPr/>
+            <p:nvPr/>
+          </p:nvSpPr>
+          <p:spPr>
+            <a:xfrm>
+              <a:off x="5267890" y="2732812"/>
+              <a:ext cx="73273" cy="73152"/>
+            </a:xfrm>
+            <a:prstGeom prst="ellipse">
+              <a:avLst/>
+            </a:prstGeom>
+            <a:solidFill>
+              <a:srgbClr val="FF2600"/>
+            </a:solidFill>
+            <a:ln>
+              <a:noFill/>
+            </a:ln>
+          </p:spPr>
+          <p:style>
+            <a:lnRef idx="2">
+              <a:schemeClr val="accent1">
+                <a:shade val="50000"/>
+              </a:schemeClr>
+            </a:lnRef>
+            <a:fillRef idx="1">
+              <a:schemeClr val="accent1"/>
+            </a:fillRef>
+            <a:effectRef idx="0">
+              <a:schemeClr val="accent1"/>
+            </a:effectRef>
+            <a:fontRef idx="minor">
+              <a:schemeClr val="lt1"/>
+            </a:fontRef>
+          </p:style>
+          <p:txBody>
+            <a:bodyPr rtlCol="0" anchor="ctr"/>
+            <a:lstStyle/>
+            <a:p>
+              <a:pPr algn="ctr"/>
+              <a:endParaRPr lang="en-US"/>
+            </a:p>
+          </p:txBody>
+        </p:sp>
+        <p:sp>
+          <p:nvSpPr>
+            <p:cNvPr id="109" name="Oval 108"/>
+            <p:cNvSpPr/>
+            <p:nvPr/>
+          </p:nvSpPr>
+          <p:spPr>
+            <a:xfrm>
+              <a:off x="7016603" y="2482292"/>
+              <a:ext cx="73273" cy="73152"/>
+            </a:xfrm>
+            <a:prstGeom prst="ellipse">
+              <a:avLst/>
+            </a:prstGeom>
+            <a:solidFill>
+              <a:srgbClr val="FF2600"/>
+            </a:solidFill>
+            <a:ln>
+              <a:noFill/>
+            </a:ln>
+          </p:spPr>
+          <p:style>
+            <a:lnRef idx="2">
+              <a:schemeClr val="accent1">
+                <a:shade val="50000"/>
+              </a:schemeClr>
+            </a:lnRef>
+            <a:fillRef idx="1">
+              <a:schemeClr val="accent1"/>
+            </a:fillRef>
+            <a:effectRef idx="0">
+              <a:schemeClr val="accent1"/>
+            </a:effectRef>
+            <a:fontRef idx="minor">
+              <a:schemeClr val="lt1"/>
+            </a:fontRef>
+          </p:style>
+          <p:txBody>
+            <a:bodyPr rtlCol="0" anchor="ctr"/>
+            <a:lstStyle/>
+            <a:p>
+              <a:pPr algn="ctr"/>
+              <a:endParaRPr lang="en-US"/>
+            </a:p>
+          </p:txBody>
+        </p:sp>
+        <p:sp>
+          <p:nvSpPr>
+            <p:cNvPr id="110" name="Oval 109"/>
+            <p:cNvSpPr/>
+            <p:nvPr/>
+          </p:nvSpPr>
+          <p:spPr>
+            <a:xfrm>
+              <a:off x="7147825" y="2482292"/>
+              <a:ext cx="73273" cy="73152"/>
+            </a:xfrm>
+            <a:prstGeom prst="ellipse">
+              <a:avLst/>
+            </a:prstGeom>
+            <a:solidFill>
+              <a:srgbClr val="FF2600"/>
+            </a:solidFill>
+            <a:ln>
+              <a:noFill/>
+            </a:ln>
+          </p:spPr>
+          <p:style>
+            <a:lnRef idx="2">
+              <a:schemeClr val="accent1">
+                <a:shade val="50000"/>
+              </a:schemeClr>
+            </a:lnRef>
+            <a:fillRef idx="1">
+              <a:schemeClr val="accent1"/>
+            </a:fillRef>
+            <a:effectRef idx="0">
+              <a:schemeClr val="accent1"/>
+            </a:effectRef>
+            <a:fontRef idx="minor">
+              <a:schemeClr val="lt1"/>
+            </a:fontRef>
+          </p:style>
+          <p:txBody>
+            <a:bodyPr rtlCol="0" anchor="ctr"/>
+            <a:lstStyle/>
+            <a:p>
+              <a:pPr algn="ctr"/>
+              <a:endParaRPr lang="en-US"/>
+            </a:p>
+          </p:txBody>
+        </p:sp>
+        <p:sp>
+          <p:nvSpPr>
+            <p:cNvPr id="111" name="Oval 110"/>
+            <p:cNvSpPr/>
+            <p:nvPr/>
+          </p:nvSpPr>
+          <p:spPr>
+            <a:xfrm>
+              <a:off x="7279051" y="2482292"/>
+              <a:ext cx="73273" cy="73152"/>
+            </a:xfrm>
+            <a:prstGeom prst="ellipse">
+              <a:avLst/>
+            </a:prstGeom>
+            <a:solidFill>
+              <a:srgbClr val="FF2600"/>
+            </a:solidFill>
+            <a:ln>
+              <a:noFill/>
+            </a:ln>
+          </p:spPr>
+          <p:style>
+            <a:lnRef idx="2">
+              <a:schemeClr val="accent1">
+                <a:shade val="50000"/>
+              </a:schemeClr>
+            </a:lnRef>
+            <a:fillRef idx="1">
+              <a:schemeClr val="accent1"/>
+            </a:fillRef>
+            <a:effectRef idx="0">
+              <a:schemeClr val="accent1"/>
+            </a:effectRef>
+            <a:fontRef idx="minor">
+              <a:schemeClr val="lt1"/>
+            </a:fontRef>
+          </p:style>
+          <p:txBody>
+            <a:bodyPr rtlCol="0" anchor="ctr"/>
+            <a:lstStyle/>
+            <a:p>
+              <a:pPr algn="ctr"/>
+              <a:endParaRPr lang="en-US"/>
+            </a:p>
+          </p:txBody>
+        </p:sp>
+        <p:sp>
+          <p:nvSpPr>
+            <p:cNvPr id="113" name="Oval 112"/>
+            <p:cNvSpPr/>
+            <p:nvPr/>
+          </p:nvSpPr>
+          <p:spPr>
+            <a:xfrm>
+              <a:off x="7408959" y="2482292"/>
+              <a:ext cx="73273" cy="73152"/>
+            </a:xfrm>
+            <a:prstGeom prst="ellipse">
+              <a:avLst/>
+            </a:prstGeom>
+            <a:solidFill>
+              <a:srgbClr val="FF2600"/>
+            </a:solidFill>
+            <a:ln>
+              <a:noFill/>
+            </a:ln>
+          </p:spPr>
+          <p:style>
+            <a:lnRef idx="2">
+              <a:schemeClr val="accent1">
+                <a:shade val="50000"/>
+              </a:schemeClr>
+            </a:lnRef>
+            <a:fillRef idx="1">
+              <a:schemeClr val="accent1"/>
+            </a:fillRef>
+            <a:effectRef idx="0">
+              <a:schemeClr val="accent1"/>
+            </a:effectRef>
+            <a:fontRef idx="minor">
+              <a:schemeClr val="lt1"/>
+            </a:fontRef>
+          </p:style>
+          <p:txBody>
+            <a:bodyPr rtlCol="0" anchor="ctr"/>
+            <a:lstStyle/>
+            <a:p>
+              <a:pPr algn="ctr"/>
+              <a:endParaRPr lang="en-US"/>
+            </a:p>
+          </p:txBody>
+        </p:sp>
+        <p:sp>
+          <p:nvSpPr>
+            <p:cNvPr id="114" name="Oval 113"/>
+            <p:cNvSpPr/>
+            <p:nvPr/>
+          </p:nvSpPr>
+          <p:spPr>
+            <a:xfrm>
+              <a:off x="7540181" y="2482292"/>
+              <a:ext cx="73273" cy="73152"/>
+            </a:xfrm>
+            <a:prstGeom prst="ellipse">
+              <a:avLst/>
+            </a:prstGeom>
+            <a:solidFill>
+              <a:srgbClr val="FF2600"/>
+            </a:solidFill>
+            <a:ln>
+              <a:noFill/>
+            </a:ln>
+          </p:spPr>
+          <p:style>
+            <a:lnRef idx="2">
+              <a:schemeClr val="accent1">
+                <a:shade val="50000"/>
+              </a:schemeClr>
+            </a:lnRef>
+            <a:fillRef idx="1">
+              <a:schemeClr val="accent1"/>
+            </a:fillRef>
+            <a:effectRef idx="0">
+              <a:schemeClr val="accent1"/>
+            </a:effectRef>
+            <a:fontRef idx="minor">
+              <a:schemeClr val="lt1"/>
+            </a:fontRef>
+          </p:style>
+          <p:txBody>
+            <a:bodyPr rtlCol="0" anchor="ctr"/>
+            <a:lstStyle/>
+            <a:p>
+              <a:pPr algn="ctr"/>
+              <a:endParaRPr lang="en-US"/>
+            </a:p>
+          </p:txBody>
+        </p:sp>
+        <p:sp>
+          <p:nvSpPr>
+            <p:cNvPr id="115" name="Oval 114"/>
+            <p:cNvSpPr/>
+            <p:nvPr/>
+          </p:nvSpPr>
+          <p:spPr>
+            <a:xfrm>
+              <a:off x="7671404" y="2482292"/>
+              <a:ext cx="73273" cy="73152"/>
+            </a:xfrm>
+            <a:prstGeom prst="ellipse">
+              <a:avLst/>
+            </a:prstGeom>
+            <a:solidFill>
+              <a:srgbClr val="FF2600"/>
+            </a:solidFill>
+            <a:ln>
+              <a:noFill/>
+            </a:ln>
+          </p:spPr>
+          <p:style>
+            <a:lnRef idx="2">
+              <a:schemeClr val="accent1">
+                <a:shade val="50000"/>
+              </a:schemeClr>
+            </a:lnRef>
+            <a:fillRef idx="1">
+              <a:schemeClr val="accent1"/>
+            </a:fillRef>
+            <a:effectRef idx="0">
+              <a:schemeClr val="accent1"/>
+            </a:effectRef>
+            <a:fontRef idx="minor">
+              <a:schemeClr val="lt1"/>
+            </a:fontRef>
+          </p:style>
+          <p:txBody>
+            <a:bodyPr rtlCol="0" anchor="ctr"/>
+            <a:lstStyle/>
+            <a:p>
+              <a:pPr algn="ctr"/>
+              <a:endParaRPr lang="en-US"/>
+            </a:p>
+          </p:txBody>
+        </p:sp>
+        <p:sp>
+          <p:nvSpPr>
+            <p:cNvPr id="116" name="Oval 115"/>
+            <p:cNvSpPr/>
+            <p:nvPr/>
+          </p:nvSpPr>
+          <p:spPr>
+            <a:xfrm>
+              <a:off x="7802626" y="2482292"/>
+              <a:ext cx="73273" cy="73152"/>
+            </a:xfrm>
+            <a:prstGeom prst="ellipse">
+              <a:avLst/>
+            </a:prstGeom>
+            <a:solidFill>
+              <a:srgbClr val="FF2600"/>
+            </a:solidFill>
+            <a:ln>
+              <a:noFill/>
+            </a:ln>
+          </p:spPr>
+          <p:style>
+            <a:lnRef idx="2">
+              <a:schemeClr val="accent1">
+                <a:shade val="50000"/>
+              </a:schemeClr>
+            </a:lnRef>
+            <a:fillRef idx="1">
+              <a:schemeClr val="accent1"/>
+            </a:fillRef>
+            <a:effectRef idx="0">
+              <a:schemeClr val="accent1"/>
+            </a:effectRef>
+            <a:fontRef idx="minor">
+              <a:schemeClr val="lt1"/>
+            </a:fontRef>
+          </p:style>
+          <p:txBody>
+            <a:bodyPr rtlCol="0" anchor="ctr"/>
+            <a:lstStyle/>
+            <a:p>
+              <a:pPr algn="ctr"/>
+              <a:endParaRPr lang="en-US"/>
+            </a:p>
+          </p:txBody>
+        </p:sp>
+        <p:sp>
+          <p:nvSpPr>
+            <p:cNvPr id="117" name="Oval 116"/>
+            <p:cNvSpPr/>
+            <p:nvPr/>
+          </p:nvSpPr>
+          <p:spPr>
+            <a:xfrm>
+              <a:off x="7933848" y="2482292"/>
+              <a:ext cx="73273" cy="73152"/>
+            </a:xfrm>
+            <a:prstGeom prst="ellipse">
+              <a:avLst/>
+            </a:prstGeom>
+            <a:solidFill>
+              <a:srgbClr val="FF2600"/>
+            </a:solidFill>
+            <a:ln>
+              <a:noFill/>
+            </a:ln>
+          </p:spPr>
+          <p:style>
+            <a:lnRef idx="2">
+              <a:schemeClr val="accent1">
+                <a:shade val="50000"/>
+              </a:schemeClr>
+            </a:lnRef>
+            <a:fillRef idx="1">
+              <a:schemeClr val="accent1"/>
+            </a:fillRef>
+            <a:effectRef idx="0">
+              <a:schemeClr val="accent1"/>
+            </a:effectRef>
+            <a:fontRef idx="minor">
+              <a:schemeClr val="lt1"/>
+            </a:fontRef>
+          </p:style>
+          <p:txBody>
+            <a:bodyPr rtlCol="0" anchor="ctr"/>
+            <a:lstStyle/>
+            <a:p>
+              <a:pPr algn="ctr"/>
+              <a:endParaRPr lang="en-US"/>
+            </a:p>
+          </p:txBody>
+        </p:sp>
+        <p:sp>
+          <p:nvSpPr>
+            <p:cNvPr id="124" name="Oval 123"/>
+            <p:cNvSpPr/>
+            <p:nvPr/>
+          </p:nvSpPr>
+          <p:spPr>
+            <a:xfrm>
+              <a:off x="6341916" y="2844872"/>
+              <a:ext cx="73273" cy="73152"/>
+            </a:xfrm>
+            <a:prstGeom prst="ellipse">
+              <a:avLst/>
+            </a:prstGeom>
+            <a:solidFill>
+              <a:srgbClr val="FF2600"/>
+            </a:solidFill>
+            <a:ln>
+              <a:noFill/>
+            </a:ln>
+          </p:spPr>
+          <p:style>
+            <a:lnRef idx="2">
+              <a:schemeClr val="accent1">
+                <a:shade val="50000"/>
+              </a:schemeClr>
+            </a:lnRef>
+            <a:fillRef idx="1">
+              <a:schemeClr val="accent1"/>
+            </a:fillRef>
+            <a:effectRef idx="0">
+              <a:schemeClr val="accent1"/>
+            </a:effectRef>
+            <a:fontRef idx="minor">
+              <a:schemeClr val="lt1"/>
+            </a:fontRef>
+          </p:style>
+          <p:txBody>
+            <a:bodyPr rtlCol="0" anchor="ctr"/>
+            <a:lstStyle/>
+            <a:p>
+              <a:pPr algn="ctr"/>
+              <a:endParaRPr lang="en-US"/>
+            </a:p>
+          </p:txBody>
+        </p:sp>
+        <p:sp>
+          <p:nvSpPr>
+            <p:cNvPr id="125" name="Oval 124"/>
+            <p:cNvSpPr/>
+            <p:nvPr/>
+          </p:nvSpPr>
+          <p:spPr>
+            <a:xfrm>
+              <a:off x="6473138" y="3251967"/>
+              <a:ext cx="73273" cy="73152"/>
+            </a:xfrm>
+            <a:prstGeom prst="ellipse">
+              <a:avLst/>
+            </a:prstGeom>
+            <a:solidFill>
+              <a:srgbClr val="FF2600"/>
+            </a:solidFill>
+            <a:ln>
+              <a:noFill/>
+            </a:ln>
+          </p:spPr>
+          <p:style>
+            <a:lnRef idx="2">
+              <a:schemeClr val="accent1">
+                <a:shade val="50000"/>
+              </a:schemeClr>
+            </a:lnRef>
+            <a:fillRef idx="1">
+              <a:schemeClr val="accent1"/>
+            </a:fillRef>
+            <a:effectRef idx="0">
+              <a:schemeClr val="accent1"/>
+            </a:effectRef>
+            <a:fontRef idx="minor">
+              <a:schemeClr val="lt1"/>
+            </a:fontRef>
+          </p:style>
+          <p:txBody>
+            <a:bodyPr rtlCol="0" anchor="ctr"/>
+            <a:lstStyle/>
+            <a:p>
+              <a:pPr algn="ctr"/>
+              <a:endParaRPr lang="en-US"/>
+            </a:p>
+          </p:txBody>
+        </p:sp>
+        <p:sp>
+          <p:nvSpPr>
+            <p:cNvPr id="69" name="Oval 68"/>
+            <p:cNvSpPr/>
+            <p:nvPr/>
+          </p:nvSpPr>
+          <p:spPr>
+            <a:xfrm>
+              <a:off x="3818589" y="3692811"/>
+              <a:ext cx="73273" cy="73152"/>
+            </a:xfrm>
+            <a:prstGeom prst="ellipse">
+              <a:avLst/>
+            </a:prstGeom>
+            <a:solidFill>
+              <a:srgbClr val="FF2600"/>
+            </a:solidFill>
+            <a:ln>
+              <a:noFill/>
+            </a:ln>
+          </p:spPr>
+          <p:style>
+            <a:lnRef idx="2">
+              <a:schemeClr val="accent1">
+                <a:shade val="50000"/>
+              </a:schemeClr>
+            </a:lnRef>
+            <a:fillRef idx="1">
+              <a:schemeClr val="accent1"/>
+            </a:fillRef>
+            <a:effectRef idx="0">
+              <a:schemeClr val="accent1"/>
+            </a:effectRef>
+            <a:fontRef idx="minor">
+              <a:schemeClr val="lt1"/>
+            </a:fontRef>
+          </p:style>
+          <p:txBody>
+            <a:bodyPr rtlCol="0" anchor="ctr"/>
+            <a:lstStyle/>
+            <a:p>
+              <a:pPr algn="ctr"/>
+              <a:endParaRPr lang="en-US"/>
+            </a:p>
+          </p:txBody>
+        </p:sp>
+        <p:sp>
+          <p:nvSpPr>
+            <p:cNvPr id="126" name="Oval 125"/>
+            <p:cNvSpPr/>
+            <p:nvPr/>
+          </p:nvSpPr>
+          <p:spPr>
+            <a:xfrm>
+              <a:off x="6604361" y="3679611"/>
+              <a:ext cx="73273" cy="73152"/>
+            </a:xfrm>
+            <a:prstGeom prst="ellipse">
+              <a:avLst/>
+            </a:prstGeom>
+            <a:solidFill>
+              <a:srgbClr val="FF2600"/>
+            </a:solidFill>
+            <a:ln>
+              <a:noFill/>
+            </a:ln>
+          </p:spPr>
+          <p:style>
+            <a:lnRef idx="2">
+              <a:schemeClr val="accent1">
+                <a:shade val="50000"/>
+              </a:schemeClr>
+            </a:lnRef>
+            <a:fillRef idx="1">
+              <a:schemeClr val="accent1"/>
+            </a:fillRef>
+            <a:effectRef idx="0">
+              <a:schemeClr val="accent1"/>
+            </a:effectRef>
+            <a:fontRef idx="minor">
+              <a:schemeClr val="lt1"/>
+            </a:fontRef>
+          </p:style>
+          <p:txBody>
+            <a:bodyPr rtlCol="0" anchor="ctr"/>
+            <a:lstStyle/>
+            <a:p>
+              <a:pPr algn="ctr"/>
+              <a:endParaRPr lang="en-US"/>
+            </a:p>
+          </p:txBody>
+        </p:sp>
+        <p:sp>
+          <p:nvSpPr>
+            <p:cNvPr id="127" name="Oval 126"/>
+            <p:cNvSpPr/>
+            <p:nvPr/>
+          </p:nvSpPr>
+          <p:spPr>
+            <a:xfrm>
+              <a:off x="6735583" y="3295808"/>
+              <a:ext cx="73273" cy="73152"/>
+            </a:xfrm>
+            <a:prstGeom prst="ellipse">
+              <a:avLst/>
+            </a:prstGeom>
+            <a:solidFill>
+              <a:srgbClr val="FF2600"/>
+            </a:solidFill>
+            <a:ln>
+              <a:noFill/>
+            </a:ln>
+          </p:spPr>
+          <p:style>
+            <a:lnRef idx="2">
+              <a:schemeClr val="accent1">
+                <a:shade val="50000"/>
+              </a:schemeClr>
+            </a:lnRef>
+            <a:fillRef idx="1">
+              <a:schemeClr val="accent1"/>
+            </a:fillRef>
+            <a:effectRef idx="0">
+              <a:schemeClr val="accent1"/>
+            </a:effectRef>
+            <a:fontRef idx="minor">
+              <a:schemeClr val="lt1"/>
+            </a:fontRef>
+          </p:style>
+          <p:txBody>
+            <a:bodyPr rtlCol="0" anchor="ctr"/>
+            <a:lstStyle/>
+            <a:p>
+              <a:pPr algn="ctr"/>
+              <a:endParaRPr lang="en-US"/>
+            </a:p>
+          </p:txBody>
+        </p:sp>
+        <p:sp>
+          <p:nvSpPr>
+            <p:cNvPr id="128" name="Oval 127"/>
+            <p:cNvSpPr/>
+            <p:nvPr/>
+          </p:nvSpPr>
+          <p:spPr>
+            <a:xfrm>
+              <a:off x="6866805" y="2869924"/>
+              <a:ext cx="73273" cy="73152"/>
+            </a:xfrm>
+            <a:prstGeom prst="ellipse">
+              <a:avLst/>
+            </a:prstGeom>
+            <a:solidFill>
+              <a:srgbClr val="FF2600"/>
+            </a:solidFill>
+            <a:ln>
+              <a:noFill/>
+            </a:ln>
+          </p:spPr>
+          <p:style>
+            <a:lnRef idx="2">
+              <a:schemeClr val="accent1">
+                <a:shade val="50000"/>
+              </a:schemeClr>
+            </a:lnRef>
+            <a:fillRef idx="1">
+              <a:schemeClr val="accent1"/>
+            </a:fillRef>
+            <a:effectRef idx="0">
+              <a:schemeClr val="accent1"/>
+            </a:effectRef>
+            <a:fontRef idx="minor">
+              <a:schemeClr val="lt1"/>
+            </a:fontRef>
+          </p:style>
+          <p:txBody>
+            <a:bodyPr rtlCol="0" anchor="ctr"/>
+            <a:lstStyle/>
+            <a:p>
+              <a:pPr algn="ctr"/>
+              <a:endParaRPr lang="en-US"/>
+            </a:p>
+          </p:txBody>
+        </p:sp>
+        <p:cxnSp>
+          <p:nvCxnSpPr>
+            <p:cNvPr id="3" name="Straight Connector 2"/>
+            <p:cNvCxnSpPr/>
+            <p:nvPr/>
+          </p:nvCxnSpPr>
+          <p:spPr>
+            <a:xfrm flipV="1">
+              <a:off x="2214573" y="3106757"/>
+              <a:ext cx="6126480" cy="4336"/>
+            </a:xfrm>
+            <a:prstGeom prst="line">
+              <a:avLst/>
+            </a:prstGeom>
+            <a:ln>
+              <a:solidFill>
+                <a:schemeClr val="tx1"/>
+              </a:solidFill>
+            </a:ln>
+          </p:spPr>
+          <p:style>
+            <a:lnRef idx="1">
+              <a:schemeClr val="accent1"/>
+            </a:lnRef>
+            <a:fillRef idx="0">
+              <a:schemeClr val="accent1"/>
+            </a:fillRef>
+            <a:effectRef idx="0">
+              <a:schemeClr val="accent1"/>
+            </a:effectRef>
+            <a:fontRef idx="minor">
+              <a:schemeClr val="tx1"/>
+            </a:fontRef>
+          </p:style>
+        </p:cxnSp>
+        <p:sp>
+          <p:nvSpPr>
+            <p:cNvPr id="6" name="TextBox 5"/>
+            <p:cNvSpPr txBox="1"/>
+            <p:nvPr/>
+          </p:nvSpPr>
+          <p:spPr>
+            <a:xfrm>
+              <a:off x="1972447" y="2930370"/>
+              <a:ext cx="301686" cy="369332"/>
+            </a:xfrm>
+            <a:prstGeom prst="rect">
+              <a:avLst/>
+            </a:prstGeom>
             <a:noFill/>
-          </a:ln>
-        </p:spPr>
-        <p:style>
-          <a:lnRef idx="2">
-            <a:schemeClr val="accent1">
-              <a:shade val="50000"/>
-            </a:schemeClr>
-          </a:lnRef>
-          <a:fillRef idx="1">
-            <a:schemeClr val="accent1"/>
-          </a:fillRef>
-          <a:effectRef idx="0">
-            <a:schemeClr val="accent1"/>
-          </a:effectRef>
-          <a:fontRef idx="minor">
-            <a:schemeClr val="lt1"/>
-          </a:fontRef>
-        </p:style>
-        <p:txBody>
-          <a:bodyPr rtlCol="0" anchor="ctr"/>
-          <a:lstStyle/>
-          <a:p>
-            <a:pPr algn="ctr"/>
-            <a:endParaRPr lang="en-US"/>
-          </a:p>
-        </p:txBody>
-      </p:sp>
-      <p:sp>
-        <p:nvSpPr>
-          <p:cNvPr id="68" name="Oval 67"/>
-          <p:cNvSpPr/>
-          <p:nvPr/>
-        </p:nvSpPr>
-        <p:spPr>
-          <a:xfrm>
-            <a:off x="3687366" y="3265167"/>
-            <a:ext cx="73273" cy="73152"/>
-          </a:xfrm>
-          <a:prstGeom prst="ellipse">
-            <a:avLst/>
-          </a:prstGeom>
-          <a:solidFill>
-            <a:srgbClr val="FF2600"/>
-          </a:solidFill>
-          <a:ln>
+          </p:spPr>
+          <p:txBody>
+            <a:bodyPr wrap="none" rtlCol="0">
+              <a:spAutoFit/>
+            </a:bodyPr>
+            <a:lstStyle/>
+            <a:p>
+              <a:r>
+                <a:rPr lang="en-US" dirty="0" smtClean="0"/>
+                <a:t>0</a:t>
+              </a:r>
+              <a:endParaRPr lang="en-US" dirty="0"/>
+            </a:p>
+          </p:txBody>
+        </p:sp>
+        <p:cxnSp>
+          <p:nvCxnSpPr>
+            <p:cNvPr id="85" name="Straight Connector 84"/>
+            <p:cNvCxnSpPr/>
+            <p:nvPr/>
+          </p:nvCxnSpPr>
+          <p:spPr>
+            <a:xfrm flipV="1">
+              <a:off x="2411855" y="2487390"/>
+              <a:ext cx="87934" cy="285007"/>
+            </a:xfrm>
+            <a:prstGeom prst="line">
+              <a:avLst/>
+            </a:prstGeom>
+          </p:spPr>
+          <p:style>
+            <a:lnRef idx="1">
+              <a:schemeClr val="accent1"/>
+            </a:lnRef>
+            <a:fillRef idx="0">
+              <a:schemeClr val="accent1"/>
+            </a:fillRef>
+            <a:effectRef idx="0">
+              <a:schemeClr val="accent1"/>
+            </a:effectRef>
+            <a:fontRef idx="minor">
+              <a:schemeClr val="tx1"/>
+            </a:fontRef>
+          </p:style>
+        </p:cxnSp>
+        <p:sp>
+          <p:nvSpPr>
+            <p:cNvPr id="8" name="Left Brace 7"/>
+            <p:cNvSpPr/>
+            <p:nvPr/>
+          </p:nvSpPr>
+          <p:spPr>
+            <a:xfrm rot="16200000">
+              <a:off x="2270578" y="3207560"/>
+              <a:ext cx="169521" cy="113035"/>
+            </a:xfrm>
+            <a:prstGeom prst="leftBrace">
+              <a:avLst/>
+            </a:prstGeom>
+          </p:spPr>
+          <p:style>
+            <a:lnRef idx="1">
+              <a:schemeClr val="accent1"/>
+            </a:lnRef>
+            <a:fillRef idx="0">
+              <a:schemeClr val="accent1"/>
+            </a:fillRef>
+            <a:effectRef idx="0">
+              <a:schemeClr val="accent1"/>
+            </a:effectRef>
+            <a:fontRef idx="minor">
+              <a:schemeClr val="tx1"/>
+            </a:fontRef>
+          </p:style>
+          <p:txBody>
+            <a:bodyPr rtlCol="0" anchor="ctr"/>
+            <a:lstStyle/>
+            <a:p>
+              <a:pPr algn="ctr"/>
+              <a:endParaRPr lang="en-US"/>
+            </a:p>
+          </p:txBody>
+        </p:sp>
+        <p:sp>
+          <p:nvSpPr>
+            <p:cNvPr id="88" name="TextBox 87"/>
+            <p:cNvSpPr txBox="1"/>
+            <p:nvPr/>
+          </p:nvSpPr>
+          <p:spPr>
+            <a:xfrm rot="1917674">
+              <a:off x="2101904" y="3616811"/>
+              <a:ext cx="1463040" cy="415498"/>
+            </a:xfrm>
+            <a:prstGeom prst="rect">
+              <a:avLst/>
+            </a:prstGeom>
             <a:noFill/>
-          </a:ln>
-        </p:spPr>
-        <p:style>
-          <a:lnRef idx="2">
-            <a:schemeClr val="accent1">
-              <a:shade val="50000"/>
-            </a:schemeClr>
-          </a:lnRef>
-          <a:fillRef idx="1">
-            <a:schemeClr val="accent1"/>
-          </a:fillRef>
-          <a:effectRef idx="0">
-            <a:schemeClr val="accent1"/>
-          </a:effectRef>
-          <a:fontRef idx="minor">
-            <a:schemeClr val="lt1"/>
-          </a:fontRef>
-        </p:style>
-        <p:txBody>
-          <a:bodyPr rtlCol="0" anchor="ctr"/>
-          <a:lstStyle/>
-          <a:p>
-            <a:pPr algn="ctr"/>
-            <a:endParaRPr lang="en-US"/>
-          </a:p>
-        </p:txBody>
-      </p:sp>
-      <p:sp>
-        <p:nvSpPr>
-          <p:cNvPr id="70" name="Oval 69"/>
-          <p:cNvSpPr/>
-          <p:nvPr/>
-        </p:nvSpPr>
-        <p:spPr>
-          <a:xfrm>
-            <a:off x="3949811" y="3309008"/>
-            <a:ext cx="73273" cy="73152"/>
-          </a:xfrm>
-          <a:prstGeom prst="ellipse">
-            <a:avLst/>
-          </a:prstGeom>
-          <a:solidFill>
-            <a:srgbClr val="FF2600"/>
-          </a:solidFill>
-          <a:ln>
+          </p:spPr>
+          <p:txBody>
+            <a:bodyPr wrap="square" rtlCol="0">
+              <a:spAutoFit/>
+            </a:bodyPr>
+            <a:lstStyle/>
+            <a:p>
+              <a:r>
+                <a:rPr lang="en-US" sz="1050" b="1" dirty="0" err="1"/>
+                <a:t>a</a:t>
+              </a:r>
+              <a:r>
+                <a:rPr lang="en-US" sz="1050" b="1" dirty="0" err="1" smtClean="0"/>
+                <a:t>cquisition_delay_ms</a:t>
+              </a:r>
+              <a:endParaRPr lang="en-US" sz="1050" b="1" dirty="0"/>
+            </a:p>
+          </p:txBody>
+        </p:sp>
+        <p:sp>
+          <p:nvSpPr>
+            <p:cNvPr id="89" name="Left Brace 88"/>
+            <p:cNvSpPr/>
+            <p:nvPr/>
+          </p:nvSpPr>
+          <p:spPr>
+            <a:xfrm rot="5400000" flipV="1">
+              <a:off x="2908307" y="1714692"/>
+              <a:ext cx="147602" cy="980387"/>
+            </a:xfrm>
+            <a:prstGeom prst="leftBrace">
+              <a:avLst/>
+            </a:prstGeom>
+          </p:spPr>
+          <p:style>
+            <a:lnRef idx="1">
+              <a:schemeClr val="accent1"/>
+            </a:lnRef>
+            <a:fillRef idx="0">
+              <a:schemeClr val="accent1"/>
+            </a:fillRef>
+            <a:effectRef idx="0">
+              <a:schemeClr val="accent1"/>
+            </a:effectRef>
+            <a:fontRef idx="minor">
+              <a:schemeClr val="tx1"/>
+            </a:fontRef>
+          </p:style>
+          <p:txBody>
+            <a:bodyPr rtlCol="0" anchor="ctr"/>
+            <a:lstStyle/>
+            <a:p>
+              <a:pPr algn="ctr"/>
+              <a:endParaRPr lang="en-US"/>
+            </a:p>
+          </p:txBody>
+        </p:sp>
+        <p:sp>
+          <p:nvSpPr>
+            <p:cNvPr id="90" name="TextBox 89"/>
+            <p:cNvSpPr txBox="1"/>
+            <p:nvPr/>
+          </p:nvSpPr>
+          <p:spPr>
+            <a:xfrm rot="1918947">
+              <a:off x="1498711" y="1458839"/>
+              <a:ext cx="1737360" cy="415498"/>
+            </a:xfrm>
+            <a:prstGeom prst="rect">
+              <a:avLst/>
+            </a:prstGeom>
             <a:noFill/>
-          </a:ln>
-        </p:spPr>
-        <p:style>
-          <a:lnRef idx="2">
-            <a:schemeClr val="accent1">
-              <a:shade val="50000"/>
-            </a:schemeClr>
-          </a:lnRef>
-          <a:fillRef idx="1">
-            <a:schemeClr val="accent1"/>
-          </a:fillRef>
-          <a:effectRef idx="0">
-            <a:schemeClr val="accent1"/>
-          </a:effectRef>
-          <a:fontRef idx="minor">
-            <a:schemeClr val="lt1"/>
-          </a:fontRef>
-        </p:style>
-        <p:txBody>
-          <a:bodyPr rtlCol="0" anchor="ctr"/>
-          <a:lstStyle/>
-          <a:p>
-            <a:pPr algn="ctr"/>
-            <a:endParaRPr lang="en-US"/>
-          </a:p>
-        </p:txBody>
-      </p:sp>
-      <p:sp>
-        <p:nvSpPr>
-          <p:cNvPr id="71" name="Oval 70"/>
-          <p:cNvSpPr/>
-          <p:nvPr/>
-        </p:nvSpPr>
-        <p:spPr>
-          <a:xfrm>
-            <a:off x="4081033" y="2883124"/>
-            <a:ext cx="73273" cy="73152"/>
-          </a:xfrm>
-          <a:prstGeom prst="ellipse">
-            <a:avLst/>
-          </a:prstGeom>
-          <a:solidFill>
-            <a:srgbClr val="FF2600"/>
-          </a:solidFill>
-          <a:ln>
+          </p:spPr>
+          <p:txBody>
+            <a:bodyPr wrap="square" rtlCol="0">
+              <a:spAutoFit/>
+            </a:bodyPr>
+            <a:lstStyle/>
+            <a:p>
+              <a:pPr algn="ctr"/>
+              <a:r>
+                <a:rPr lang="en-US" sz="1050" b="1" dirty="0" err="1" smtClean="0"/>
+                <a:t>plateau_duration_odd_ms</a:t>
+              </a:r>
+              <a:endParaRPr lang="en-US" sz="1050" b="1" dirty="0"/>
+            </a:p>
+          </p:txBody>
+        </p:sp>
+        <p:sp>
+          <p:nvSpPr>
+            <p:cNvPr id="91" name="Left Brace 90"/>
+            <p:cNvSpPr/>
+            <p:nvPr/>
+          </p:nvSpPr>
+          <p:spPr>
+            <a:xfrm rot="5400000" flipV="1">
+              <a:off x="6541138" y="3811220"/>
+              <a:ext cx="185069" cy="131225"/>
+            </a:xfrm>
+            <a:prstGeom prst="leftBrace">
+              <a:avLst/>
+            </a:prstGeom>
+          </p:spPr>
+          <p:style>
+            <a:lnRef idx="1">
+              <a:schemeClr val="accent1"/>
+            </a:lnRef>
+            <a:fillRef idx="0">
+              <a:schemeClr val="accent1"/>
+            </a:fillRef>
+            <a:effectRef idx="0">
+              <a:schemeClr val="accent1"/>
+            </a:effectRef>
+            <a:fontRef idx="minor">
+              <a:schemeClr val="tx1"/>
+            </a:fontRef>
+          </p:style>
+          <p:txBody>
+            <a:bodyPr rtlCol="0" anchor="ctr"/>
+            <a:lstStyle/>
+            <a:p>
+              <a:pPr algn="ctr"/>
+              <a:endParaRPr lang="en-US"/>
+            </a:p>
+          </p:txBody>
+        </p:sp>
+        <p:sp>
+          <p:nvSpPr>
+            <p:cNvPr id="92" name="TextBox 91"/>
+            <p:cNvSpPr txBox="1"/>
+            <p:nvPr/>
+          </p:nvSpPr>
+          <p:spPr>
+            <a:xfrm rot="1917674">
+              <a:off x="6338695" y="4305750"/>
+              <a:ext cx="1737360" cy="415498"/>
+            </a:xfrm>
+            <a:prstGeom prst="rect">
+              <a:avLst/>
+            </a:prstGeom>
             <a:noFill/>
-          </a:ln>
-        </p:spPr>
-        <p:style>
-          <a:lnRef idx="2">
-            <a:schemeClr val="accent1">
-              <a:shade val="50000"/>
-            </a:schemeClr>
-          </a:lnRef>
-          <a:fillRef idx="1">
-            <a:schemeClr val="accent1"/>
-          </a:fillRef>
-          <a:effectRef idx="0">
-            <a:schemeClr val="accent1"/>
-          </a:effectRef>
-          <a:fontRef idx="minor">
-            <a:schemeClr val="lt1"/>
-          </a:fontRef>
-        </p:style>
-        <p:txBody>
-          <a:bodyPr rtlCol="0" anchor="ctr"/>
-          <a:lstStyle/>
-          <a:p>
-            <a:pPr algn="ctr"/>
-            <a:endParaRPr lang="en-US"/>
-          </a:p>
-        </p:txBody>
-      </p:sp>
-      <p:sp>
-        <p:nvSpPr>
-          <p:cNvPr id="72" name="Oval 71"/>
-          <p:cNvSpPr/>
-          <p:nvPr/>
-        </p:nvSpPr>
-        <p:spPr>
-          <a:xfrm>
-            <a:off x="4233027" y="2482292"/>
-            <a:ext cx="73273" cy="73152"/>
-          </a:xfrm>
-          <a:prstGeom prst="ellipse">
-            <a:avLst/>
-          </a:prstGeom>
-          <a:solidFill>
-            <a:srgbClr val="FF2600"/>
-          </a:solidFill>
-          <a:ln>
+          </p:spPr>
+          <p:txBody>
+            <a:bodyPr wrap="square" rtlCol="0">
+              <a:spAutoFit/>
+            </a:bodyPr>
+            <a:lstStyle/>
+            <a:p>
+              <a:pPr algn="ctr"/>
+              <a:r>
+                <a:rPr lang="en-US" sz="1050" b="1" dirty="0" err="1" smtClean="0"/>
+                <a:t>Plateau_duration_even_ms</a:t>
+              </a:r>
+              <a:r>
+                <a:rPr lang="en-US" sz="1050" b="1" dirty="0" smtClean="0"/>
+                <a:t> </a:t>
+              </a:r>
+              <a:r>
+                <a:rPr lang="en-US" sz="1050" b="1" dirty="0" smtClean="0"/>
+                <a:t>(duration = 0 here)</a:t>
+              </a:r>
+              <a:endParaRPr lang="en-US" sz="1050" b="1" dirty="0"/>
+            </a:p>
+          </p:txBody>
+        </p:sp>
+        <p:sp>
+          <p:nvSpPr>
+            <p:cNvPr id="103" name="Left Brace 102"/>
+            <p:cNvSpPr/>
+            <p:nvPr/>
+          </p:nvSpPr>
+          <p:spPr>
+            <a:xfrm rot="5400000" flipV="1">
+              <a:off x="3419955" y="2246421"/>
+              <a:ext cx="284441" cy="180559"/>
+            </a:xfrm>
+            <a:prstGeom prst="leftBrace">
+              <a:avLst/>
+            </a:prstGeom>
+          </p:spPr>
+          <p:style>
+            <a:lnRef idx="1">
+              <a:schemeClr val="accent1"/>
+            </a:lnRef>
+            <a:fillRef idx="0">
+              <a:schemeClr val="accent1"/>
+            </a:fillRef>
+            <a:effectRef idx="0">
+              <a:schemeClr val="accent1"/>
+            </a:effectRef>
+            <a:fontRef idx="minor">
+              <a:schemeClr val="tx1"/>
+            </a:fontRef>
+          </p:style>
+          <p:txBody>
+            <a:bodyPr rtlCol="0" anchor="ctr"/>
+            <a:lstStyle/>
+            <a:p>
+              <a:pPr algn="ctr"/>
+              <a:endParaRPr lang="en-US"/>
+            </a:p>
+          </p:txBody>
+        </p:sp>
+        <p:sp>
+          <p:nvSpPr>
+            <p:cNvPr id="104" name="TextBox 103"/>
+            <p:cNvSpPr txBox="1"/>
+            <p:nvPr/>
+          </p:nvSpPr>
+          <p:spPr>
+            <a:xfrm rot="1918947">
+              <a:off x="2291203" y="1550998"/>
+              <a:ext cx="1554480" cy="253916"/>
+            </a:xfrm>
+            <a:prstGeom prst="rect">
+              <a:avLst/>
+            </a:prstGeom>
             <a:noFill/>
-          </a:ln>
-        </p:spPr>
-        <p:style>
-          <a:lnRef idx="2">
-            <a:schemeClr val="accent1">
-              <a:shade val="50000"/>
-            </a:schemeClr>
-          </a:lnRef>
-          <a:fillRef idx="1">
-            <a:schemeClr val="accent1"/>
-          </a:fillRef>
-          <a:effectRef idx="0">
-            <a:schemeClr val="accent1"/>
-          </a:effectRef>
-          <a:fontRef idx="minor">
-            <a:schemeClr val="lt1"/>
-          </a:fontRef>
-        </p:style>
-        <p:txBody>
-          <a:bodyPr rtlCol="0" anchor="ctr"/>
-          <a:lstStyle/>
-          <a:p>
-            <a:pPr algn="ctr"/>
-            <a:endParaRPr lang="en-US"/>
-          </a:p>
-        </p:txBody>
-      </p:sp>
-      <p:sp>
-        <p:nvSpPr>
-          <p:cNvPr id="73" name="Oval 72"/>
-          <p:cNvSpPr/>
-          <p:nvPr/>
-        </p:nvSpPr>
-        <p:spPr>
-          <a:xfrm>
-            <a:off x="4364249" y="2482292"/>
-            <a:ext cx="73273" cy="73152"/>
-          </a:xfrm>
-          <a:prstGeom prst="ellipse">
-            <a:avLst/>
-          </a:prstGeom>
-          <a:solidFill>
-            <a:srgbClr val="FF2600"/>
-          </a:solidFill>
-          <a:ln>
+          </p:spPr>
+          <p:txBody>
+            <a:bodyPr wrap="square" rtlCol="0">
+              <a:spAutoFit/>
+            </a:bodyPr>
+            <a:lstStyle/>
+            <a:p>
+              <a:pPr algn="ctr"/>
+              <a:r>
+                <a:rPr lang="en-US" sz="1050" b="1" dirty="0" err="1" smtClean="0"/>
+                <a:t>ramp_duration_odd_ms</a:t>
+              </a:r>
+              <a:endParaRPr lang="en-US" sz="1050" b="1" dirty="0"/>
+            </a:p>
+          </p:txBody>
+        </p:sp>
+        <p:cxnSp>
+          <p:nvCxnSpPr>
+            <p:cNvPr id="12" name="Straight Connector 11"/>
+            <p:cNvCxnSpPr/>
+            <p:nvPr/>
+          </p:nvCxnSpPr>
+          <p:spPr>
+            <a:xfrm>
+              <a:off x="3652456" y="2540860"/>
+              <a:ext cx="0" cy="1097280"/>
+            </a:xfrm>
+            <a:prstGeom prst="line">
+              <a:avLst/>
+            </a:prstGeom>
+            <a:ln>
+              <a:solidFill>
+                <a:schemeClr val="tx1"/>
+              </a:solidFill>
+            </a:ln>
+          </p:spPr>
+          <p:style>
+            <a:lnRef idx="1">
+              <a:schemeClr val="accent1"/>
+            </a:lnRef>
+            <a:fillRef idx="0">
+              <a:schemeClr val="accent1"/>
+            </a:fillRef>
+            <a:effectRef idx="0">
+              <a:schemeClr val="accent1"/>
+            </a:effectRef>
+            <a:fontRef idx="minor">
+              <a:schemeClr val="tx1"/>
+            </a:fontRef>
+          </p:style>
+        </p:cxnSp>
+        <p:sp>
+          <p:nvSpPr>
+            <p:cNvPr id="105" name="Left Brace 104"/>
+            <p:cNvSpPr/>
+            <p:nvPr/>
+          </p:nvSpPr>
+          <p:spPr>
+            <a:xfrm rot="16200000">
+              <a:off x="3660550" y="3801026"/>
+              <a:ext cx="203490" cy="192950"/>
+            </a:xfrm>
+            <a:prstGeom prst="leftBrace">
+              <a:avLst/>
+            </a:prstGeom>
+          </p:spPr>
+          <p:style>
+            <a:lnRef idx="1">
+              <a:schemeClr val="accent1"/>
+            </a:lnRef>
+            <a:fillRef idx="0">
+              <a:schemeClr val="accent1"/>
+            </a:fillRef>
+            <a:effectRef idx="0">
+              <a:schemeClr val="accent1"/>
+            </a:effectRef>
+            <a:fontRef idx="minor">
+              <a:schemeClr val="tx1"/>
+            </a:fontRef>
+          </p:style>
+          <p:txBody>
+            <a:bodyPr rtlCol="0" anchor="ctr"/>
+            <a:lstStyle/>
+            <a:p>
+              <a:pPr algn="ctr"/>
+              <a:endParaRPr lang="en-US"/>
+            </a:p>
+          </p:txBody>
+        </p:sp>
+        <p:sp>
+          <p:nvSpPr>
+            <p:cNvPr id="106" name="TextBox 105"/>
+            <p:cNvSpPr txBox="1"/>
+            <p:nvPr/>
+          </p:nvSpPr>
+          <p:spPr>
+            <a:xfrm rot="1917674">
+              <a:off x="3440746" y="4305783"/>
+              <a:ext cx="1737360" cy="415498"/>
+            </a:xfrm>
+            <a:prstGeom prst="rect">
+              <a:avLst/>
+            </a:prstGeom>
             <a:noFill/>
-          </a:ln>
-        </p:spPr>
-        <p:style>
-          <a:lnRef idx="2">
-            <a:schemeClr val="accent1">
-              <a:shade val="50000"/>
-            </a:schemeClr>
-          </a:lnRef>
-          <a:fillRef idx="1">
-            <a:schemeClr val="accent1"/>
-          </a:fillRef>
-          <a:effectRef idx="0">
-            <a:schemeClr val="accent1"/>
-          </a:effectRef>
-          <a:fontRef idx="minor">
-            <a:schemeClr val="lt1"/>
-          </a:fontRef>
-        </p:style>
-        <p:txBody>
-          <a:bodyPr rtlCol="0" anchor="ctr"/>
-          <a:lstStyle/>
-          <a:p>
-            <a:pPr algn="ctr"/>
-            <a:endParaRPr lang="en-US"/>
-          </a:p>
-        </p:txBody>
-      </p:sp>
-      <p:sp>
-        <p:nvSpPr>
-          <p:cNvPr id="74" name="Oval 73"/>
-          <p:cNvSpPr/>
-          <p:nvPr/>
-        </p:nvSpPr>
-        <p:spPr>
-          <a:xfrm>
-            <a:off x="4495475" y="2482292"/>
-            <a:ext cx="73273" cy="73152"/>
-          </a:xfrm>
-          <a:prstGeom prst="ellipse">
-            <a:avLst/>
-          </a:prstGeom>
-          <a:solidFill>
-            <a:srgbClr val="FF2600"/>
-          </a:solidFill>
-          <a:ln>
-            <a:noFill/>
-          </a:ln>
-        </p:spPr>
-        <p:style>
-          <a:lnRef idx="2">
-            <a:schemeClr val="accent1">
-              <a:shade val="50000"/>
-            </a:schemeClr>
-          </a:lnRef>
-          <a:fillRef idx="1">
-            <a:schemeClr val="accent1"/>
-          </a:fillRef>
-          <a:effectRef idx="0">
-            <a:schemeClr val="accent1"/>
-          </a:effectRef>
-          <a:fontRef idx="minor">
-            <a:schemeClr val="lt1"/>
-          </a:fontRef>
-        </p:style>
-        <p:txBody>
-          <a:bodyPr rtlCol="0" anchor="ctr"/>
-          <a:lstStyle/>
-          <a:p>
-            <a:pPr algn="ctr"/>
-            <a:endParaRPr lang="en-US"/>
-          </a:p>
-        </p:txBody>
-      </p:sp>
-      <p:sp>
-        <p:nvSpPr>
-          <p:cNvPr id="76" name="Oval 75"/>
-          <p:cNvSpPr/>
-          <p:nvPr/>
-        </p:nvSpPr>
-        <p:spPr>
-          <a:xfrm>
-            <a:off x="4628585" y="2482292"/>
-            <a:ext cx="73273" cy="73152"/>
-          </a:xfrm>
-          <a:prstGeom prst="ellipse">
-            <a:avLst/>
-          </a:prstGeom>
-          <a:solidFill>
-            <a:srgbClr val="FF2600"/>
-          </a:solidFill>
-          <a:ln>
-            <a:noFill/>
-          </a:ln>
-        </p:spPr>
-        <p:style>
-          <a:lnRef idx="2">
-            <a:schemeClr val="accent1">
-              <a:shade val="50000"/>
-            </a:schemeClr>
-          </a:lnRef>
-          <a:fillRef idx="1">
-            <a:schemeClr val="accent1"/>
-          </a:fillRef>
-          <a:effectRef idx="0">
-            <a:schemeClr val="accent1"/>
-          </a:effectRef>
-          <a:fontRef idx="minor">
-            <a:schemeClr val="lt1"/>
-          </a:fontRef>
-        </p:style>
-        <p:txBody>
-          <a:bodyPr rtlCol="0" anchor="ctr"/>
-          <a:lstStyle/>
-          <a:p>
-            <a:pPr algn="ctr"/>
-            <a:endParaRPr lang="en-US"/>
-          </a:p>
-        </p:txBody>
-      </p:sp>
-      <p:sp>
-        <p:nvSpPr>
-          <p:cNvPr id="77" name="Oval 76"/>
-          <p:cNvSpPr/>
-          <p:nvPr/>
-        </p:nvSpPr>
-        <p:spPr>
-          <a:xfrm>
-            <a:off x="4759807" y="2482292"/>
-            <a:ext cx="73273" cy="73152"/>
-          </a:xfrm>
-          <a:prstGeom prst="ellipse">
-            <a:avLst/>
-          </a:prstGeom>
-          <a:solidFill>
-            <a:srgbClr val="FF2600"/>
-          </a:solidFill>
-          <a:ln>
-            <a:noFill/>
-          </a:ln>
-        </p:spPr>
-        <p:style>
-          <a:lnRef idx="2">
-            <a:schemeClr val="accent1">
-              <a:shade val="50000"/>
-            </a:schemeClr>
-          </a:lnRef>
-          <a:fillRef idx="1">
-            <a:schemeClr val="accent1"/>
-          </a:fillRef>
-          <a:effectRef idx="0">
-            <a:schemeClr val="accent1"/>
-          </a:effectRef>
-          <a:fontRef idx="minor">
-            <a:schemeClr val="lt1"/>
-          </a:fontRef>
-        </p:style>
-        <p:txBody>
-          <a:bodyPr rtlCol="0" anchor="ctr"/>
-          <a:lstStyle/>
-          <a:p>
-            <a:pPr algn="ctr"/>
-            <a:endParaRPr lang="en-US"/>
-          </a:p>
-        </p:txBody>
-      </p:sp>
-      <p:sp>
-        <p:nvSpPr>
-          <p:cNvPr id="78" name="Oval 77"/>
-          <p:cNvSpPr/>
-          <p:nvPr/>
-        </p:nvSpPr>
-        <p:spPr>
-          <a:xfrm>
-            <a:off x="4891030" y="2482292"/>
-            <a:ext cx="73273" cy="73152"/>
-          </a:xfrm>
-          <a:prstGeom prst="ellipse">
-            <a:avLst/>
-          </a:prstGeom>
-          <a:solidFill>
-            <a:srgbClr val="FF2600"/>
-          </a:solidFill>
-          <a:ln>
-            <a:noFill/>
-          </a:ln>
-        </p:spPr>
-        <p:style>
-          <a:lnRef idx="2">
-            <a:schemeClr val="accent1">
-              <a:shade val="50000"/>
-            </a:schemeClr>
-          </a:lnRef>
-          <a:fillRef idx="1">
-            <a:schemeClr val="accent1"/>
-          </a:fillRef>
-          <a:effectRef idx="0">
-            <a:schemeClr val="accent1"/>
-          </a:effectRef>
-          <a:fontRef idx="minor">
-            <a:schemeClr val="lt1"/>
-          </a:fontRef>
-        </p:style>
-        <p:txBody>
-          <a:bodyPr rtlCol="0" anchor="ctr"/>
-          <a:lstStyle/>
-          <a:p>
-            <a:pPr algn="ctr"/>
-            <a:endParaRPr lang="en-US"/>
-          </a:p>
-        </p:txBody>
-      </p:sp>
-      <p:sp>
-        <p:nvSpPr>
-          <p:cNvPr id="79" name="Oval 78"/>
-          <p:cNvSpPr/>
-          <p:nvPr/>
-        </p:nvSpPr>
-        <p:spPr>
-          <a:xfrm>
-            <a:off x="5022252" y="2482292"/>
-            <a:ext cx="73273" cy="73152"/>
-          </a:xfrm>
-          <a:prstGeom prst="ellipse">
-            <a:avLst/>
-          </a:prstGeom>
-          <a:solidFill>
-            <a:srgbClr val="FF2600"/>
-          </a:solidFill>
-          <a:ln>
-            <a:noFill/>
-          </a:ln>
-        </p:spPr>
-        <p:style>
-          <a:lnRef idx="2">
-            <a:schemeClr val="accent1">
-              <a:shade val="50000"/>
-            </a:schemeClr>
-          </a:lnRef>
-          <a:fillRef idx="1">
-            <a:schemeClr val="accent1"/>
-          </a:fillRef>
-          <a:effectRef idx="0">
-            <a:schemeClr val="accent1"/>
-          </a:effectRef>
-          <a:fontRef idx="minor">
-            <a:schemeClr val="lt1"/>
-          </a:fontRef>
-        </p:style>
-        <p:txBody>
-          <a:bodyPr rtlCol="0" anchor="ctr"/>
-          <a:lstStyle/>
-          <a:p>
-            <a:pPr algn="ctr"/>
-            <a:endParaRPr lang="en-US"/>
-          </a:p>
-        </p:txBody>
-      </p:sp>
-      <p:sp>
-        <p:nvSpPr>
-          <p:cNvPr id="80" name="Oval 79"/>
-          <p:cNvSpPr/>
-          <p:nvPr/>
-        </p:nvSpPr>
-        <p:spPr>
-          <a:xfrm>
-            <a:off x="5153474" y="2482292"/>
-            <a:ext cx="73273" cy="73152"/>
-          </a:xfrm>
-          <a:prstGeom prst="ellipse">
-            <a:avLst/>
-          </a:prstGeom>
-          <a:solidFill>
-            <a:srgbClr val="FF2600"/>
-          </a:solidFill>
-          <a:ln>
-            <a:noFill/>
-          </a:ln>
-        </p:spPr>
-        <p:style>
-          <a:lnRef idx="2">
-            <a:schemeClr val="accent1">
-              <a:shade val="50000"/>
-            </a:schemeClr>
-          </a:lnRef>
-          <a:fillRef idx="1">
-            <a:schemeClr val="accent1"/>
-          </a:fillRef>
-          <a:effectRef idx="0">
-            <a:schemeClr val="accent1"/>
-          </a:effectRef>
-          <a:fontRef idx="minor">
-            <a:schemeClr val="lt1"/>
-          </a:fontRef>
-        </p:style>
-        <p:txBody>
-          <a:bodyPr rtlCol="0" anchor="ctr"/>
-          <a:lstStyle/>
-          <a:p>
-            <a:pPr algn="ctr"/>
-            <a:endParaRPr lang="en-US"/>
-          </a:p>
-        </p:txBody>
-      </p:sp>
-      <p:sp>
-        <p:nvSpPr>
-          <p:cNvPr id="81" name="Oval 80"/>
-          <p:cNvSpPr/>
-          <p:nvPr/>
-        </p:nvSpPr>
-        <p:spPr>
-          <a:xfrm>
-            <a:off x="5267890" y="2732812"/>
-            <a:ext cx="73273" cy="73152"/>
-          </a:xfrm>
-          <a:prstGeom prst="ellipse">
-            <a:avLst/>
-          </a:prstGeom>
-          <a:solidFill>
-            <a:srgbClr val="FF2600"/>
-          </a:solidFill>
-          <a:ln>
-            <a:noFill/>
-          </a:ln>
-        </p:spPr>
-        <p:style>
-          <a:lnRef idx="2">
-            <a:schemeClr val="accent1">
-              <a:shade val="50000"/>
-            </a:schemeClr>
-          </a:lnRef>
-          <a:fillRef idx="1">
-            <a:schemeClr val="accent1"/>
-          </a:fillRef>
-          <a:effectRef idx="0">
-            <a:schemeClr val="accent1"/>
-          </a:effectRef>
-          <a:fontRef idx="minor">
-            <a:schemeClr val="lt1"/>
-          </a:fontRef>
-        </p:style>
-        <p:txBody>
-          <a:bodyPr rtlCol="0" anchor="ctr"/>
-          <a:lstStyle/>
-          <a:p>
-            <a:pPr algn="ctr"/>
-            <a:endParaRPr lang="en-US"/>
-          </a:p>
-        </p:txBody>
-      </p:sp>
-      <p:sp>
-        <p:nvSpPr>
-          <p:cNvPr id="95" name="Oval 94"/>
-          <p:cNvSpPr/>
-          <p:nvPr/>
-        </p:nvSpPr>
-        <p:spPr>
-          <a:xfrm>
-            <a:off x="7204357" y="2482292"/>
-            <a:ext cx="73273" cy="73152"/>
-          </a:xfrm>
-          <a:prstGeom prst="ellipse">
-            <a:avLst/>
-          </a:prstGeom>
-          <a:solidFill>
-            <a:srgbClr val="FF2600"/>
-          </a:solidFill>
-          <a:ln>
-            <a:noFill/>
-          </a:ln>
-        </p:spPr>
-        <p:style>
-          <a:lnRef idx="2">
-            <a:schemeClr val="accent1">
-              <a:shade val="50000"/>
-            </a:schemeClr>
-          </a:lnRef>
-          <a:fillRef idx="1">
-            <a:schemeClr val="accent1"/>
-          </a:fillRef>
-          <a:effectRef idx="0">
-            <a:schemeClr val="accent1"/>
-          </a:effectRef>
-          <a:fontRef idx="minor">
-            <a:schemeClr val="lt1"/>
-          </a:fontRef>
-        </p:style>
-        <p:txBody>
-          <a:bodyPr rtlCol="0" anchor="ctr"/>
-          <a:lstStyle/>
-          <a:p>
-            <a:pPr algn="ctr"/>
-            <a:endParaRPr lang="en-US"/>
-          </a:p>
-        </p:txBody>
-      </p:sp>
-      <p:sp>
-        <p:nvSpPr>
-          <p:cNvPr id="96" name="Oval 95"/>
-          <p:cNvSpPr/>
-          <p:nvPr/>
-        </p:nvSpPr>
-        <p:spPr>
-          <a:xfrm>
-            <a:off x="7335579" y="2482292"/>
-            <a:ext cx="73273" cy="73152"/>
-          </a:xfrm>
-          <a:prstGeom prst="ellipse">
-            <a:avLst/>
-          </a:prstGeom>
-          <a:solidFill>
-            <a:srgbClr val="FF2600"/>
-          </a:solidFill>
-          <a:ln>
-            <a:noFill/>
-          </a:ln>
-        </p:spPr>
-        <p:style>
-          <a:lnRef idx="2">
-            <a:schemeClr val="accent1">
-              <a:shade val="50000"/>
-            </a:schemeClr>
-          </a:lnRef>
-          <a:fillRef idx="1">
-            <a:schemeClr val="accent1"/>
-          </a:fillRef>
-          <a:effectRef idx="0">
-            <a:schemeClr val="accent1"/>
-          </a:effectRef>
-          <a:fontRef idx="minor">
-            <a:schemeClr val="lt1"/>
-          </a:fontRef>
-        </p:style>
-        <p:txBody>
-          <a:bodyPr rtlCol="0" anchor="ctr"/>
-          <a:lstStyle/>
-          <a:p>
-            <a:pPr algn="ctr"/>
-            <a:endParaRPr lang="en-US"/>
-          </a:p>
-        </p:txBody>
-      </p:sp>
-      <p:sp>
-        <p:nvSpPr>
-          <p:cNvPr id="97" name="Oval 96"/>
-          <p:cNvSpPr/>
-          <p:nvPr/>
-        </p:nvSpPr>
-        <p:spPr>
-          <a:xfrm>
-            <a:off x="7466802" y="2482292"/>
-            <a:ext cx="73273" cy="73152"/>
-          </a:xfrm>
-          <a:prstGeom prst="ellipse">
-            <a:avLst/>
-          </a:prstGeom>
-          <a:solidFill>
-            <a:srgbClr val="FF2600"/>
-          </a:solidFill>
-          <a:ln>
-            <a:noFill/>
-          </a:ln>
-        </p:spPr>
-        <p:style>
-          <a:lnRef idx="2">
-            <a:schemeClr val="accent1">
-              <a:shade val="50000"/>
-            </a:schemeClr>
-          </a:lnRef>
-          <a:fillRef idx="1">
-            <a:schemeClr val="accent1"/>
-          </a:fillRef>
-          <a:effectRef idx="0">
-            <a:schemeClr val="accent1"/>
-          </a:effectRef>
-          <a:fontRef idx="minor">
-            <a:schemeClr val="lt1"/>
-          </a:fontRef>
-        </p:style>
-        <p:txBody>
-          <a:bodyPr rtlCol="0" anchor="ctr"/>
-          <a:lstStyle/>
-          <a:p>
-            <a:pPr algn="ctr"/>
-            <a:endParaRPr lang="en-US"/>
-          </a:p>
-        </p:txBody>
-      </p:sp>
-      <p:sp>
-        <p:nvSpPr>
-          <p:cNvPr id="98" name="Oval 97"/>
-          <p:cNvSpPr/>
-          <p:nvPr/>
-        </p:nvSpPr>
-        <p:spPr>
-          <a:xfrm>
-            <a:off x="7598024" y="2482292"/>
-            <a:ext cx="73273" cy="73152"/>
-          </a:xfrm>
-          <a:prstGeom prst="ellipse">
-            <a:avLst/>
-          </a:prstGeom>
-          <a:solidFill>
-            <a:srgbClr val="FF2600"/>
-          </a:solidFill>
-          <a:ln>
-            <a:noFill/>
-          </a:ln>
-        </p:spPr>
-        <p:style>
-          <a:lnRef idx="2">
-            <a:schemeClr val="accent1">
-              <a:shade val="50000"/>
-            </a:schemeClr>
-          </a:lnRef>
-          <a:fillRef idx="1">
-            <a:schemeClr val="accent1"/>
-          </a:fillRef>
-          <a:effectRef idx="0">
-            <a:schemeClr val="accent1"/>
-          </a:effectRef>
-          <a:fontRef idx="minor">
-            <a:schemeClr val="lt1"/>
-          </a:fontRef>
-        </p:style>
-        <p:txBody>
-          <a:bodyPr rtlCol="0" anchor="ctr"/>
-          <a:lstStyle/>
-          <a:p>
-            <a:pPr algn="ctr"/>
-            <a:endParaRPr lang="en-US"/>
-          </a:p>
-        </p:txBody>
-      </p:sp>
-      <p:sp>
-        <p:nvSpPr>
-          <p:cNvPr id="99" name="Oval 98"/>
-          <p:cNvSpPr/>
-          <p:nvPr/>
-        </p:nvSpPr>
-        <p:spPr>
-          <a:xfrm>
-            <a:off x="7729246" y="2482292"/>
-            <a:ext cx="73273" cy="73152"/>
-          </a:xfrm>
-          <a:prstGeom prst="ellipse">
-            <a:avLst/>
-          </a:prstGeom>
-          <a:solidFill>
-            <a:srgbClr val="FF2600"/>
-          </a:solidFill>
-          <a:ln>
-            <a:noFill/>
-          </a:ln>
-        </p:spPr>
-        <p:style>
-          <a:lnRef idx="2">
-            <a:schemeClr val="accent1">
-              <a:shade val="50000"/>
-            </a:schemeClr>
-          </a:lnRef>
-          <a:fillRef idx="1">
-            <a:schemeClr val="accent1"/>
-          </a:fillRef>
-          <a:effectRef idx="0">
-            <a:schemeClr val="accent1"/>
-          </a:effectRef>
-          <a:fontRef idx="minor">
-            <a:schemeClr val="lt1"/>
-          </a:fontRef>
-        </p:style>
-        <p:txBody>
-          <a:bodyPr rtlCol="0" anchor="ctr"/>
-          <a:lstStyle/>
-          <a:p>
-            <a:pPr algn="ctr"/>
-            <a:endParaRPr lang="en-US"/>
-          </a:p>
-        </p:txBody>
-      </p:sp>
-      <p:sp>
-        <p:nvSpPr>
-          <p:cNvPr id="100" name="Oval 99"/>
-          <p:cNvSpPr/>
-          <p:nvPr/>
-        </p:nvSpPr>
-        <p:spPr>
-          <a:xfrm>
-            <a:off x="7856188" y="2482292"/>
-            <a:ext cx="73273" cy="73152"/>
-          </a:xfrm>
-          <a:prstGeom prst="ellipse">
-            <a:avLst/>
-          </a:prstGeom>
-          <a:solidFill>
-            <a:srgbClr val="FF2600"/>
-          </a:solidFill>
-          <a:ln>
-            <a:noFill/>
-          </a:ln>
-        </p:spPr>
-        <p:style>
-          <a:lnRef idx="2">
-            <a:schemeClr val="accent1">
-              <a:shade val="50000"/>
-            </a:schemeClr>
-          </a:lnRef>
-          <a:fillRef idx="1">
-            <a:schemeClr val="accent1"/>
-          </a:fillRef>
-          <a:effectRef idx="0">
-            <a:schemeClr val="accent1"/>
-          </a:effectRef>
-          <a:fontRef idx="minor">
-            <a:schemeClr val="lt1"/>
-          </a:fontRef>
-        </p:style>
-        <p:txBody>
-          <a:bodyPr rtlCol="0" anchor="ctr"/>
-          <a:lstStyle/>
-          <a:p>
-            <a:pPr algn="ctr"/>
-            <a:endParaRPr lang="en-US"/>
-          </a:p>
-        </p:txBody>
-      </p:sp>
-      <p:sp>
-        <p:nvSpPr>
-          <p:cNvPr id="101" name="Oval 100"/>
-          <p:cNvSpPr/>
-          <p:nvPr/>
-        </p:nvSpPr>
-        <p:spPr>
-          <a:xfrm>
-            <a:off x="7987410" y="2482292"/>
-            <a:ext cx="73273" cy="73152"/>
-          </a:xfrm>
-          <a:prstGeom prst="ellipse">
-            <a:avLst/>
-          </a:prstGeom>
-          <a:solidFill>
-            <a:srgbClr val="FF2600"/>
-          </a:solidFill>
-          <a:ln>
-            <a:noFill/>
-          </a:ln>
-        </p:spPr>
-        <p:style>
-          <a:lnRef idx="2">
-            <a:schemeClr val="accent1">
-              <a:shade val="50000"/>
-            </a:schemeClr>
-          </a:lnRef>
-          <a:fillRef idx="1">
-            <a:schemeClr val="accent1"/>
-          </a:fillRef>
-          <a:effectRef idx="0">
-            <a:schemeClr val="accent1"/>
-          </a:effectRef>
-          <a:fontRef idx="minor">
-            <a:schemeClr val="lt1"/>
-          </a:fontRef>
-        </p:style>
-        <p:txBody>
-          <a:bodyPr rtlCol="0" anchor="ctr"/>
-          <a:lstStyle/>
-          <a:p>
-            <a:pPr algn="ctr"/>
-            <a:endParaRPr lang="en-US"/>
-          </a:p>
-        </p:txBody>
-      </p:sp>
-      <p:sp>
-        <p:nvSpPr>
-          <p:cNvPr id="102" name="Oval 101"/>
-          <p:cNvSpPr/>
-          <p:nvPr/>
-        </p:nvSpPr>
-        <p:spPr>
-          <a:xfrm>
-            <a:off x="8118636" y="2482292"/>
-            <a:ext cx="73273" cy="73152"/>
-          </a:xfrm>
-          <a:prstGeom prst="ellipse">
-            <a:avLst/>
-          </a:prstGeom>
-          <a:solidFill>
-            <a:srgbClr val="FF2600"/>
-          </a:solidFill>
-          <a:ln>
-            <a:noFill/>
-          </a:ln>
-        </p:spPr>
-        <p:style>
-          <a:lnRef idx="2">
-            <a:schemeClr val="accent1">
-              <a:shade val="50000"/>
-            </a:schemeClr>
-          </a:lnRef>
-          <a:fillRef idx="1">
-            <a:schemeClr val="accent1"/>
-          </a:fillRef>
-          <a:effectRef idx="0">
-            <a:schemeClr val="accent1"/>
-          </a:effectRef>
-          <a:fontRef idx="minor">
-            <a:schemeClr val="lt1"/>
-          </a:fontRef>
-        </p:style>
-        <p:txBody>
-          <a:bodyPr rtlCol="0" anchor="ctr"/>
-          <a:lstStyle/>
-          <a:p>
-            <a:pPr algn="ctr"/>
-            <a:endParaRPr lang="en-US"/>
-          </a:p>
-        </p:txBody>
-      </p:sp>
-      <p:sp>
-        <p:nvSpPr>
-          <p:cNvPr id="109" name="Oval 108"/>
-          <p:cNvSpPr/>
-          <p:nvPr/>
-        </p:nvSpPr>
-        <p:spPr>
-          <a:xfrm>
-            <a:off x="8940948" y="2482292"/>
-            <a:ext cx="73273" cy="73152"/>
-          </a:xfrm>
-          <a:prstGeom prst="ellipse">
-            <a:avLst/>
-          </a:prstGeom>
-          <a:solidFill>
-            <a:srgbClr val="FF2600"/>
-          </a:solidFill>
-          <a:ln>
-            <a:noFill/>
-          </a:ln>
-        </p:spPr>
-        <p:style>
-          <a:lnRef idx="2">
-            <a:schemeClr val="accent1">
-              <a:shade val="50000"/>
-            </a:schemeClr>
-          </a:lnRef>
-          <a:fillRef idx="1">
-            <a:schemeClr val="accent1"/>
-          </a:fillRef>
-          <a:effectRef idx="0">
-            <a:schemeClr val="accent1"/>
-          </a:effectRef>
-          <a:fontRef idx="minor">
-            <a:schemeClr val="lt1"/>
-          </a:fontRef>
-        </p:style>
-        <p:txBody>
-          <a:bodyPr rtlCol="0" anchor="ctr"/>
-          <a:lstStyle/>
-          <a:p>
-            <a:pPr algn="ctr"/>
-            <a:endParaRPr lang="en-US"/>
-          </a:p>
-        </p:txBody>
-      </p:sp>
-      <p:sp>
-        <p:nvSpPr>
-          <p:cNvPr id="110" name="Oval 109"/>
-          <p:cNvSpPr/>
-          <p:nvPr/>
-        </p:nvSpPr>
-        <p:spPr>
-          <a:xfrm>
-            <a:off x="9072170" y="2482292"/>
-            <a:ext cx="73273" cy="73152"/>
-          </a:xfrm>
-          <a:prstGeom prst="ellipse">
-            <a:avLst/>
-          </a:prstGeom>
-          <a:solidFill>
-            <a:srgbClr val="FF2600"/>
-          </a:solidFill>
-          <a:ln>
-            <a:noFill/>
-          </a:ln>
-        </p:spPr>
-        <p:style>
-          <a:lnRef idx="2">
-            <a:schemeClr val="accent1">
-              <a:shade val="50000"/>
-            </a:schemeClr>
-          </a:lnRef>
-          <a:fillRef idx="1">
-            <a:schemeClr val="accent1"/>
-          </a:fillRef>
-          <a:effectRef idx="0">
-            <a:schemeClr val="accent1"/>
-          </a:effectRef>
-          <a:fontRef idx="minor">
-            <a:schemeClr val="lt1"/>
-          </a:fontRef>
-        </p:style>
-        <p:txBody>
-          <a:bodyPr rtlCol="0" anchor="ctr"/>
-          <a:lstStyle/>
-          <a:p>
-            <a:pPr algn="ctr"/>
-            <a:endParaRPr lang="en-US"/>
-          </a:p>
-        </p:txBody>
-      </p:sp>
-      <p:sp>
-        <p:nvSpPr>
-          <p:cNvPr id="111" name="Oval 110"/>
-          <p:cNvSpPr/>
-          <p:nvPr/>
-        </p:nvSpPr>
-        <p:spPr>
-          <a:xfrm>
-            <a:off x="9203396" y="2482292"/>
-            <a:ext cx="73273" cy="73152"/>
-          </a:xfrm>
-          <a:prstGeom prst="ellipse">
-            <a:avLst/>
-          </a:prstGeom>
-          <a:solidFill>
-            <a:srgbClr val="FF2600"/>
-          </a:solidFill>
-          <a:ln>
-            <a:noFill/>
-          </a:ln>
-        </p:spPr>
-        <p:style>
-          <a:lnRef idx="2">
-            <a:schemeClr val="accent1">
-              <a:shade val="50000"/>
-            </a:schemeClr>
-          </a:lnRef>
-          <a:fillRef idx="1">
-            <a:schemeClr val="accent1"/>
-          </a:fillRef>
-          <a:effectRef idx="0">
-            <a:schemeClr val="accent1"/>
-          </a:effectRef>
-          <a:fontRef idx="minor">
-            <a:schemeClr val="lt1"/>
-          </a:fontRef>
-        </p:style>
-        <p:txBody>
-          <a:bodyPr rtlCol="0" anchor="ctr"/>
-          <a:lstStyle/>
-          <a:p>
-            <a:pPr algn="ctr"/>
-            <a:endParaRPr lang="en-US"/>
-          </a:p>
-        </p:txBody>
-      </p:sp>
-      <p:sp>
-        <p:nvSpPr>
-          <p:cNvPr id="113" name="Oval 112"/>
-          <p:cNvSpPr/>
-          <p:nvPr/>
-        </p:nvSpPr>
-        <p:spPr>
-          <a:xfrm>
-            <a:off x="9333304" y="2482292"/>
-            <a:ext cx="73273" cy="73152"/>
-          </a:xfrm>
-          <a:prstGeom prst="ellipse">
-            <a:avLst/>
-          </a:prstGeom>
-          <a:solidFill>
-            <a:srgbClr val="FF2600"/>
-          </a:solidFill>
-          <a:ln>
-            <a:noFill/>
-          </a:ln>
-        </p:spPr>
-        <p:style>
-          <a:lnRef idx="2">
-            <a:schemeClr val="accent1">
-              <a:shade val="50000"/>
-            </a:schemeClr>
-          </a:lnRef>
-          <a:fillRef idx="1">
-            <a:schemeClr val="accent1"/>
-          </a:fillRef>
-          <a:effectRef idx="0">
-            <a:schemeClr val="accent1"/>
-          </a:effectRef>
-          <a:fontRef idx="minor">
-            <a:schemeClr val="lt1"/>
-          </a:fontRef>
-        </p:style>
-        <p:txBody>
-          <a:bodyPr rtlCol="0" anchor="ctr"/>
-          <a:lstStyle/>
-          <a:p>
-            <a:pPr algn="ctr"/>
-            <a:endParaRPr lang="en-US"/>
-          </a:p>
-        </p:txBody>
-      </p:sp>
-      <p:sp>
-        <p:nvSpPr>
-          <p:cNvPr id="114" name="Oval 113"/>
-          <p:cNvSpPr/>
-          <p:nvPr/>
-        </p:nvSpPr>
-        <p:spPr>
-          <a:xfrm>
-            <a:off x="9464526" y="2482292"/>
-            <a:ext cx="73273" cy="73152"/>
-          </a:xfrm>
-          <a:prstGeom prst="ellipse">
-            <a:avLst/>
-          </a:prstGeom>
-          <a:solidFill>
-            <a:srgbClr val="FF2600"/>
-          </a:solidFill>
-          <a:ln>
-            <a:noFill/>
-          </a:ln>
-        </p:spPr>
-        <p:style>
-          <a:lnRef idx="2">
-            <a:schemeClr val="accent1">
-              <a:shade val="50000"/>
-            </a:schemeClr>
-          </a:lnRef>
-          <a:fillRef idx="1">
-            <a:schemeClr val="accent1"/>
-          </a:fillRef>
-          <a:effectRef idx="0">
-            <a:schemeClr val="accent1"/>
-          </a:effectRef>
-          <a:fontRef idx="minor">
-            <a:schemeClr val="lt1"/>
-          </a:fontRef>
-        </p:style>
-        <p:txBody>
-          <a:bodyPr rtlCol="0" anchor="ctr"/>
-          <a:lstStyle/>
-          <a:p>
-            <a:pPr algn="ctr"/>
-            <a:endParaRPr lang="en-US"/>
-          </a:p>
-        </p:txBody>
-      </p:sp>
-      <p:sp>
-        <p:nvSpPr>
-          <p:cNvPr id="115" name="Oval 114"/>
-          <p:cNvSpPr/>
-          <p:nvPr/>
-        </p:nvSpPr>
-        <p:spPr>
-          <a:xfrm>
-            <a:off x="9595749" y="2482292"/>
-            <a:ext cx="73273" cy="73152"/>
-          </a:xfrm>
-          <a:prstGeom prst="ellipse">
-            <a:avLst/>
-          </a:prstGeom>
-          <a:solidFill>
-            <a:srgbClr val="FF2600"/>
-          </a:solidFill>
-          <a:ln>
-            <a:noFill/>
-          </a:ln>
-        </p:spPr>
-        <p:style>
-          <a:lnRef idx="2">
-            <a:schemeClr val="accent1">
-              <a:shade val="50000"/>
-            </a:schemeClr>
-          </a:lnRef>
-          <a:fillRef idx="1">
-            <a:schemeClr val="accent1"/>
-          </a:fillRef>
-          <a:effectRef idx="0">
-            <a:schemeClr val="accent1"/>
-          </a:effectRef>
-          <a:fontRef idx="minor">
-            <a:schemeClr val="lt1"/>
-          </a:fontRef>
-        </p:style>
-        <p:txBody>
-          <a:bodyPr rtlCol="0" anchor="ctr"/>
-          <a:lstStyle/>
-          <a:p>
-            <a:pPr algn="ctr"/>
-            <a:endParaRPr lang="en-US"/>
-          </a:p>
-        </p:txBody>
-      </p:sp>
-      <p:sp>
-        <p:nvSpPr>
-          <p:cNvPr id="116" name="Oval 115"/>
-          <p:cNvSpPr/>
-          <p:nvPr/>
-        </p:nvSpPr>
-        <p:spPr>
-          <a:xfrm>
-            <a:off x="9726971" y="2482292"/>
-            <a:ext cx="73273" cy="73152"/>
-          </a:xfrm>
-          <a:prstGeom prst="ellipse">
-            <a:avLst/>
-          </a:prstGeom>
-          <a:solidFill>
-            <a:srgbClr val="FF2600"/>
-          </a:solidFill>
-          <a:ln>
-            <a:noFill/>
-          </a:ln>
-        </p:spPr>
-        <p:style>
-          <a:lnRef idx="2">
-            <a:schemeClr val="accent1">
-              <a:shade val="50000"/>
-            </a:schemeClr>
-          </a:lnRef>
-          <a:fillRef idx="1">
-            <a:schemeClr val="accent1"/>
-          </a:fillRef>
-          <a:effectRef idx="0">
-            <a:schemeClr val="accent1"/>
-          </a:effectRef>
-          <a:fontRef idx="minor">
-            <a:schemeClr val="lt1"/>
-          </a:fontRef>
-        </p:style>
-        <p:txBody>
-          <a:bodyPr rtlCol="0" anchor="ctr"/>
-          <a:lstStyle/>
-          <a:p>
-            <a:pPr algn="ctr"/>
-            <a:endParaRPr lang="en-US"/>
-          </a:p>
-        </p:txBody>
-      </p:sp>
-      <p:sp>
-        <p:nvSpPr>
-          <p:cNvPr id="117" name="Oval 116"/>
-          <p:cNvSpPr/>
-          <p:nvPr/>
-        </p:nvSpPr>
-        <p:spPr>
-          <a:xfrm>
-            <a:off x="9858193" y="2482292"/>
-            <a:ext cx="73273" cy="73152"/>
-          </a:xfrm>
-          <a:prstGeom prst="ellipse">
-            <a:avLst/>
-          </a:prstGeom>
-          <a:solidFill>
-            <a:srgbClr val="FF2600"/>
-          </a:solidFill>
-          <a:ln>
-            <a:noFill/>
-          </a:ln>
-        </p:spPr>
-        <p:style>
-          <a:lnRef idx="2">
-            <a:schemeClr val="accent1">
-              <a:shade val="50000"/>
-            </a:schemeClr>
-          </a:lnRef>
-          <a:fillRef idx="1">
-            <a:schemeClr val="accent1"/>
-          </a:fillRef>
-          <a:effectRef idx="0">
-            <a:schemeClr val="accent1"/>
-          </a:effectRef>
-          <a:fontRef idx="minor">
-            <a:schemeClr val="lt1"/>
-          </a:fontRef>
-        </p:style>
-        <p:txBody>
-          <a:bodyPr rtlCol="0" anchor="ctr"/>
-          <a:lstStyle/>
-          <a:p>
-            <a:pPr algn="ctr"/>
-            <a:endParaRPr lang="en-US"/>
-          </a:p>
-        </p:txBody>
-      </p:sp>
-      <p:sp>
-        <p:nvSpPr>
-          <p:cNvPr id="122" name="Oval 121"/>
-          <p:cNvSpPr/>
-          <p:nvPr/>
-        </p:nvSpPr>
-        <p:spPr>
-          <a:xfrm>
-            <a:off x="6941948" y="3206192"/>
-            <a:ext cx="73273" cy="73152"/>
-          </a:xfrm>
-          <a:prstGeom prst="ellipse">
-            <a:avLst/>
-          </a:prstGeom>
-          <a:solidFill>
-            <a:srgbClr val="FF2600"/>
-          </a:solidFill>
-          <a:ln>
-            <a:noFill/>
-          </a:ln>
-        </p:spPr>
-        <p:style>
-          <a:lnRef idx="2">
-            <a:schemeClr val="accent1">
-              <a:shade val="50000"/>
-            </a:schemeClr>
-          </a:lnRef>
-          <a:fillRef idx="1">
-            <a:schemeClr val="accent1"/>
-          </a:fillRef>
-          <a:effectRef idx="0">
-            <a:schemeClr val="accent1"/>
-          </a:effectRef>
-          <a:fontRef idx="minor">
-            <a:schemeClr val="lt1"/>
-          </a:fontRef>
-        </p:style>
-        <p:txBody>
-          <a:bodyPr rtlCol="0" anchor="ctr"/>
-          <a:lstStyle/>
-          <a:p>
-            <a:pPr algn="ctr"/>
-            <a:endParaRPr lang="en-US"/>
-          </a:p>
-        </p:txBody>
-      </p:sp>
-      <p:sp>
-        <p:nvSpPr>
-          <p:cNvPr id="123" name="Oval 122"/>
-          <p:cNvSpPr/>
-          <p:nvPr/>
-        </p:nvSpPr>
-        <p:spPr>
-          <a:xfrm>
-            <a:off x="7073171" y="2771217"/>
-            <a:ext cx="73273" cy="73152"/>
-          </a:xfrm>
-          <a:prstGeom prst="ellipse">
-            <a:avLst/>
-          </a:prstGeom>
-          <a:solidFill>
-            <a:srgbClr val="FF2600"/>
-          </a:solidFill>
-          <a:ln>
-            <a:noFill/>
-          </a:ln>
-        </p:spPr>
-        <p:style>
-          <a:lnRef idx="2">
-            <a:schemeClr val="accent1">
-              <a:shade val="50000"/>
-            </a:schemeClr>
-          </a:lnRef>
-          <a:fillRef idx="1">
-            <a:schemeClr val="accent1"/>
-          </a:fillRef>
-          <a:effectRef idx="0">
-            <a:schemeClr val="accent1"/>
-          </a:effectRef>
-          <a:fontRef idx="minor">
-            <a:schemeClr val="lt1"/>
-          </a:fontRef>
-        </p:style>
-        <p:txBody>
-          <a:bodyPr rtlCol="0" anchor="ctr"/>
-          <a:lstStyle/>
-          <a:p>
-            <a:pPr algn="ctr"/>
-            <a:endParaRPr lang="en-US"/>
-          </a:p>
-        </p:txBody>
-      </p:sp>
-      <p:sp>
-        <p:nvSpPr>
-          <p:cNvPr id="124" name="Oval 123"/>
-          <p:cNvSpPr/>
-          <p:nvPr/>
-        </p:nvSpPr>
-        <p:spPr>
-          <a:xfrm>
-            <a:off x="8266261" y="2844872"/>
-            <a:ext cx="73273" cy="73152"/>
-          </a:xfrm>
-          <a:prstGeom prst="ellipse">
-            <a:avLst/>
-          </a:prstGeom>
-          <a:solidFill>
-            <a:srgbClr val="FF2600"/>
-          </a:solidFill>
-          <a:ln>
-            <a:noFill/>
-          </a:ln>
-        </p:spPr>
-        <p:style>
-          <a:lnRef idx="2">
-            <a:schemeClr val="accent1">
-              <a:shade val="50000"/>
-            </a:schemeClr>
-          </a:lnRef>
-          <a:fillRef idx="1">
-            <a:schemeClr val="accent1"/>
-          </a:fillRef>
-          <a:effectRef idx="0">
-            <a:schemeClr val="accent1"/>
-          </a:effectRef>
-          <a:fontRef idx="minor">
-            <a:schemeClr val="lt1"/>
-          </a:fontRef>
-        </p:style>
-        <p:txBody>
-          <a:bodyPr rtlCol="0" anchor="ctr"/>
-          <a:lstStyle/>
-          <a:p>
-            <a:pPr algn="ctr"/>
-            <a:endParaRPr lang="en-US"/>
-          </a:p>
-        </p:txBody>
-      </p:sp>
-      <p:sp>
-        <p:nvSpPr>
-          <p:cNvPr id="125" name="Oval 124"/>
-          <p:cNvSpPr/>
-          <p:nvPr/>
-        </p:nvSpPr>
-        <p:spPr>
-          <a:xfrm>
-            <a:off x="8397483" y="3251967"/>
-            <a:ext cx="73273" cy="73152"/>
-          </a:xfrm>
-          <a:prstGeom prst="ellipse">
-            <a:avLst/>
-          </a:prstGeom>
-          <a:solidFill>
-            <a:srgbClr val="FF2600"/>
-          </a:solidFill>
-          <a:ln>
-            <a:noFill/>
-          </a:ln>
-        </p:spPr>
-        <p:style>
-          <a:lnRef idx="2">
-            <a:schemeClr val="accent1">
-              <a:shade val="50000"/>
-            </a:schemeClr>
-          </a:lnRef>
-          <a:fillRef idx="1">
-            <a:schemeClr val="accent1"/>
-          </a:fillRef>
-          <a:effectRef idx="0">
-            <a:schemeClr val="accent1"/>
-          </a:effectRef>
-          <a:fontRef idx="minor">
-            <a:schemeClr val="lt1"/>
-          </a:fontRef>
-        </p:style>
-        <p:txBody>
-          <a:bodyPr rtlCol="0" anchor="ctr"/>
-          <a:lstStyle/>
-          <a:p>
-            <a:pPr algn="ctr"/>
-            <a:endParaRPr lang="en-US"/>
-          </a:p>
-        </p:txBody>
-      </p:sp>
-      <p:sp>
-        <p:nvSpPr>
-          <p:cNvPr id="69" name="Oval 68"/>
-          <p:cNvSpPr/>
-          <p:nvPr/>
-        </p:nvSpPr>
-        <p:spPr>
-          <a:xfrm>
-            <a:off x="3818589" y="3692811"/>
-            <a:ext cx="73273" cy="73152"/>
-          </a:xfrm>
-          <a:prstGeom prst="ellipse">
-            <a:avLst/>
-          </a:prstGeom>
-          <a:solidFill>
-            <a:srgbClr val="FF2600"/>
-          </a:solidFill>
-          <a:ln>
-            <a:noFill/>
-          </a:ln>
-        </p:spPr>
-        <p:style>
-          <a:lnRef idx="2">
-            <a:schemeClr val="accent1">
-              <a:shade val="50000"/>
-            </a:schemeClr>
-          </a:lnRef>
-          <a:fillRef idx="1">
-            <a:schemeClr val="accent1"/>
-          </a:fillRef>
-          <a:effectRef idx="0">
-            <a:schemeClr val="accent1"/>
-          </a:effectRef>
-          <a:fontRef idx="minor">
-            <a:schemeClr val="lt1"/>
-          </a:fontRef>
-        </p:style>
-        <p:txBody>
-          <a:bodyPr rtlCol="0" anchor="ctr"/>
-          <a:lstStyle/>
-          <a:p>
-            <a:pPr algn="ctr"/>
-            <a:endParaRPr lang="en-US"/>
-          </a:p>
-        </p:txBody>
-      </p:sp>
-      <p:sp>
-        <p:nvSpPr>
-          <p:cNvPr id="121" name="Oval 120"/>
-          <p:cNvSpPr/>
-          <p:nvPr/>
-        </p:nvSpPr>
-        <p:spPr>
-          <a:xfrm>
-            <a:off x="6810726" y="3652278"/>
-            <a:ext cx="73273" cy="73152"/>
-          </a:xfrm>
-          <a:prstGeom prst="ellipse">
-            <a:avLst/>
-          </a:prstGeom>
-          <a:solidFill>
-            <a:srgbClr val="FF2600"/>
-          </a:solidFill>
-          <a:ln>
-            <a:noFill/>
-          </a:ln>
-        </p:spPr>
-        <p:style>
-          <a:lnRef idx="2">
-            <a:schemeClr val="accent1">
-              <a:shade val="50000"/>
-            </a:schemeClr>
-          </a:lnRef>
-          <a:fillRef idx="1">
-            <a:schemeClr val="accent1"/>
-          </a:fillRef>
-          <a:effectRef idx="0">
-            <a:schemeClr val="accent1"/>
-          </a:effectRef>
-          <a:fontRef idx="minor">
-            <a:schemeClr val="lt1"/>
-          </a:fontRef>
-        </p:style>
-        <p:txBody>
-          <a:bodyPr rtlCol="0" anchor="ctr"/>
-          <a:lstStyle/>
-          <a:p>
-            <a:pPr algn="ctr"/>
-            <a:endParaRPr lang="en-US"/>
-          </a:p>
-        </p:txBody>
-      </p:sp>
-      <p:sp>
-        <p:nvSpPr>
-          <p:cNvPr id="126" name="Oval 125"/>
-          <p:cNvSpPr/>
-          <p:nvPr/>
-        </p:nvSpPr>
-        <p:spPr>
-          <a:xfrm>
-            <a:off x="8528706" y="3679611"/>
-            <a:ext cx="73273" cy="73152"/>
-          </a:xfrm>
-          <a:prstGeom prst="ellipse">
-            <a:avLst/>
-          </a:prstGeom>
-          <a:solidFill>
-            <a:srgbClr val="FF2600"/>
-          </a:solidFill>
-          <a:ln>
-            <a:noFill/>
-          </a:ln>
-        </p:spPr>
-        <p:style>
-          <a:lnRef idx="2">
-            <a:schemeClr val="accent1">
-              <a:shade val="50000"/>
-            </a:schemeClr>
-          </a:lnRef>
-          <a:fillRef idx="1">
-            <a:schemeClr val="accent1"/>
-          </a:fillRef>
-          <a:effectRef idx="0">
-            <a:schemeClr val="accent1"/>
-          </a:effectRef>
-          <a:fontRef idx="minor">
-            <a:schemeClr val="lt1"/>
-          </a:fontRef>
-        </p:style>
-        <p:txBody>
-          <a:bodyPr rtlCol="0" anchor="ctr"/>
-          <a:lstStyle/>
-          <a:p>
-            <a:pPr algn="ctr"/>
-            <a:endParaRPr lang="en-US"/>
-          </a:p>
-        </p:txBody>
-      </p:sp>
-      <p:sp>
-        <p:nvSpPr>
-          <p:cNvPr id="127" name="Oval 126"/>
-          <p:cNvSpPr/>
-          <p:nvPr/>
-        </p:nvSpPr>
-        <p:spPr>
-          <a:xfrm>
-            <a:off x="8659928" y="3295808"/>
-            <a:ext cx="73273" cy="73152"/>
-          </a:xfrm>
-          <a:prstGeom prst="ellipse">
-            <a:avLst/>
-          </a:prstGeom>
-          <a:solidFill>
-            <a:srgbClr val="FF2600"/>
-          </a:solidFill>
-          <a:ln>
-            <a:noFill/>
-          </a:ln>
-        </p:spPr>
-        <p:style>
-          <a:lnRef idx="2">
-            <a:schemeClr val="accent1">
-              <a:shade val="50000"/>
-            </a:schemeClr>
-          </a:lnRef>
-          <a:fillRef idx="1">
-            <a:schemeClr val="accent1"/>
-          </a:fillRef>
-          <a:effectRef idx="0">
-            <a:schemeClr val="accent1"/>
-          </a:effectRef>
-          <a:fontRef idx="minor">
-            <a:schemeClr val="lt1"/>
-          </a:fontRef>
-        </p:style>
-        <p:txBody>
-          <a:bodyPr rtlCol="0" anchor="ctr"/>
-          <a:lstStyle/>
-          <a:p>
-            <a:pPr algn="ctr"/>
-            <a:endParaRPr lang="en-US"/>
-          </a:p>
-        </p:txBody>
-      </p:sp>
-      <p:sp>
-        <p:nvSpPr>
-          <p:cNvPr id="128" name="Oval 127"/>
-          <p:cNvSpPr/>
-          <p:nvPr/>
-        </p:nvSpPr>
-        <p:spPr>
-          <a:xfrm>
-            <a:off x="8791150" y="2869924"/>
-            <a:ext cx="73273" cy="73152"/>
-          </a:xfrm>
-          <a:prstGeom prst="ellipse">
-            <a:avLst/>
-          </a:prstGeom>
-          <a:solidFill>
-            <a:srgbClr val="FF2600"/>
-          </a:solidFill>
-          <a:ln>
-            <a:noFill/>
-          </a:ln>
-        </p:spPr>
-        <p:style>
-          <a:lnRef idx="2">
-            <a:schemeClr val="accent1">
-              <a:shade val="50000"/>
-            </a:schemeClr>
-          </a:lnRef>
-          <a:fillRef idx="1">
-            <a:schemeClr val="accent1"/>
-          </a:fillRef>
-          <a:effectRef idx="0">
-            <a:schemeClr val="accent1"/>
-          </a:effectRef>
-          <a:fontRef idx="minor">
-            <a:schemeClr val="lt1"/>
-          </a:fontRef>
-        </p:style>
-        <p:txBody>
-          <a:bodyPr rtlCol="0" anchor="ctr"/>
-          <a:lstStyle/>
-          <a:p>
-            <a:pPr algn="ctr"/>
-            <a:endParaRPr lang="en-US"/>
-          </a:p>
-        </p:txBody>
-      </p:sp>
-      <p:cxnSp>
-        <p:nvCxnSpPr>
-          <p:cNvPr id="3" name="Straight Connector 2"/>
-          <p:cNvCxnSpPr/>
-          <p:nvPr/>
-        </p:nvCxnSpPr>
-        <p:spPr>
-          <a:xfrm flipV="1">
-            <a:off x="1436648" y="3106757"/>
-            <a:ext cx="9052560" cy="4336"/>
-          </a:xfrm>
-          <a:prstGeom prst="line">
-            <a:avLst/>
-          </a:prstGeom>
-          <a:ln>
-            <a:solidFill>
-              <a:schemeClr val="tx1"/>
-            </a:solidFill>
-          </a:ln>
-        </p:spPr>
-        <p:style>
-          <a:lnRef idx="1">
-            <a:schemeClr val="accent1"/>
-          </a:lnRef>
-          <a:fillRef idx="0">
-            <a:schemeClr val="accent1"/>
-          </a:fillRef>
-          <a:effectRef idx="0">
-            <a:schemeClr val="accent1"/>
-          </a:effectRef>
-          <a:fontRef idx="minor">
-            <a:schemeClr val="tx1"/>
-          </a:fontRef>
-        </p:style>
-      </p:cxnSp>
-      <p:sp>
-        <p:nvSpPr>
-          <p:cNvPr id="6" name="TextBox 5"/>
-          <p:cNvSpPr txBox="1"/>
-          <p:nvPr/>
-        </p:nvSpPr>
-        <p:spPr>
-          <a:xfrm>
-            <a:off x="10488647" y="2902652"/>
-            <a:ext cx="301686" cy="369332"/>
-          </a:xfrm>
-          <a:prstGeom prst="rect">
-            <a:avLst/>
-          </a:prstGeom>
-          <a:noFill/>
-        </p:spPr>
-        <p:txBody>
-          <a:bodyPr wrap="none" rtlCol="0">
-            <a:spAutoFit/>
-          </a:bodyPr>
-          <a:lstStyle/>
-          <a:p>
-            <a:r>
-              <a:rPr lang="en-US" dirty="0" smtClean="0"/>
-              <a:t>0</a:t>
-            </a:r>
-            <a:endParaRPr lang="en-US" dirty="0"/>
-          </a:p>
-        </p:txBody>
-      </p:sp>
-      <p:cxnSp>
-        <p:nvCxnSpPr>
-          <p:cNvPr id="85" name="Straight Connector 84"/>
-          <p:cNvCxnSpPr/>
-          <p:nvPr/>
-        </p:nvCxnSpPr>
-        <p:spPr>
-          <a:xfrm flipV="1">
-            <a:off x="2411855" y="2487390"/>
-            <a:ext cx="87934" cy="285007"/>
-          </a:xfrm>
-          <a:prstGeom prst="line">
-            <a:avLst/>
-          </a:prstGeom>
-        </p:spPr>
-        <p:style>
-          <a:lnRef idx="1">
-            <a:schemeClr val="accent1"/>
-          </a:lnRef>
-          <a:fillRef idx="0">
-            <a:schemeClr val="accent1"/>
-          </a:fillRef>
-          <a:effectRef idx="0">
-            <a:schemeClr val="accent1"/>
-          </a:effectRef>
-          <a:fontRef idx="minor">
-            <a:schemeClr val="tx1"/>
-          </a:fontRef>
-        </p:style>
-      </p:cxnSp>
-      <p:sp>
-        <p:nvSpPr>
-          <p:cNvPr id="8" name="Left Brace 7"/>
-          <p:cNvSpPr/>
-          <p:nvPr/>
-        </p:nvSpPr>
-        <p:spPr>
-          <a:xfrm rot="16200000">
-            <a:off x="2270578" y="3207560"/>
-            <a:ext cx="169521" cy="113035"/>
-          </a:xfrm>
-          <a:prstGeom prst="leftBrace">
-            <a:avLst/>
-          </a:prstGeom>
-        </p:spPr>
-        <p:style>
-          <a:lnRef idx="1">
-            <a:schemeClr val="accent1"/>
-          </a:lnRef>
-          <a:fillRef idx="0">
-            <a:schemeClr val="accent1"/>
-          </a:fillRef>
-          <a:effectRef idx="0">
-            <a:schemeClr val="accent1"/>
-          </a:effectRef>
-          <a:fontRef idx="minor">
-            <a:schemeClr val="tx1"/>
-          </a:fontRef>
-        </p:style>
-        <p:txBody>
-          <a:bodyPr rtlCol="0" anchor="ctr"/>
-          <a:lstStyle/>
-          <a:p>
-            <a:pPr algn="ctr"/>
-            <a:endParaRPr lang="en-US"/>
-          </a:p>
-        </p:txBody>
-      </p:sp>
-      <p:sp>
-        <p:nvSpPr>
-          <p:cNvPr id="88" name="TextBox 87"/>
-          <p:cNvSpPr txBox="1"/>
-          <p:nvPr/>
-        </p:nvSpPr>
-        <p:spPr>
-          <a:xfrm rot="5400000">
-            <a:off x="1728707" y="3811100"/>
-            <a:ext cx="1271268" cy="230832"/>
-          </a:xfrm>
-          <a:prstGeom prst="rect">
-            <a:avLst/>
-          </a:prstGeom>
-          <a:noFill/>
-        </p:spPr>
-        <p:txBody>
-          <a:bodyPr wrap="square" rtlCol="0">
-            <a:spAutoFit/>
-          </a:bodyPr>
-          <a:lstStyle/>
-          <a:p>
-            <a:r>
-              <a:rPr lang="en-US" sz="900" dirty="0" err="1"/>
-              <a:t>a</a:t>
-            </a:r>
-            <a:r>
-              <a:rPr lang="en-US" sz="900" dirty="0" err="1" smtClean="0"/>
-              <a:t>cquisition_delay_ms</a:t>
-            </a:r>
-            <a:endParaRPr lang="en-US" sz="900" dirty="0"/>
-          </a:p>
-        </p:txBody>
-      </p:sp>
-      <p:sp>
-        <p:nvSpPr>
-          <p:cNvPr id="89" name="Left Brace 88"/>
-          <p:cNvSpPr/>
-          <p:nvPr/>
-        </p:nvSpPr>
-        <p:spPr>
-          <a:xfrm rot="5400000" flipV="1">
-            <a:off x="2908307" y="1714692"/>
-            <a:ext cx="147602" cy="980387"/>
-          </a:xfrm>
-          <a:prstGeom prst="leftBrace">
-            <a:avLst/>
-          </a:prstGeom>
-        </p:spPr>
-        <p:style>
-          <a:lnRef idx="1">
-            <a:schemeClr val="accent1"/>
-          </a:lnRef>
-          <a:fillRef idx="0">
-            <a:schemeClr val="accent1"/>
-          </a:fillRef>
-          <a:effectRef idx="0">
-            <a:schemeClr val="accent1"/>
-          </a:effectRef>
-          <a:fontRef idx="minor">
-            <a:schemeClr val="tx1"/>
-          </a:fontRef>
-        </p:style>
-        <p:txBody>
-          <a:bodyPr rtlCol="0" anchor="ctr"/>
-          <a:lstStyle/>
-          <a:p>
-            <a:pPr algn="ctr"/>
-            <a:endParaRPr lang="en-US"/>
-          </a:p>
-        </p:txBody>
-      </p:sp>
-      <p:sp>
-        <p:nvSpPr>
-          <p:cNvPr id="90" name="TextBox 89"/>
-          <p:cNvSpPr txBox="1"/>
-          <p:nvPr/>
-        </p:nvSpPr>
-        <p:spPr>
-          <a:xfrm rot="5400000">
-            <a:off x="2258261" y="1369734"/>
-            <a:ext cx="1497378" cy="230832"/>
-          </a:xfrm>
-          <a:prstGeom prst="rect">
-            <a:avLst/>
-          </a:prstGeom>
-          <a:noFill/>
-        </p:spPr>
-        <p:txBody>
-          <a:bodyPr wrap="square" rtlCol="0">
-            <a:spAutoFit/>
-          </a:bodyPr>
-          <a:lstStyle/>
-          <a:p>
-            <a:pPr algn="ctr"/>
-            <a:r>
-              <a:rPr lang="en-US" sz="900" smtClean="0"/>
-              <a:t>plateau_duration_odd_ms</a:t>
-            </a:r>
-            <a:endParaRPr lang="en-US" sz="900" dirty="0"/>
-          </a:p>
-        </p:txBody>
-      </p:sp>
-      <p:sp>
-        <p:nvSpPr>
-          <p:cNvPr id="91" name="Left Brace 90"/>
-          <p:cNvSpPr/>
-          <p:nvPr/>
-        </p:nvSpPr>
-        <p:spPr>
-          <a:xfrm rot="5400000" flipV="1">
-            <a:off x="8465483" y="3811220"/>
-            <a:ext cx="185069" cy="131225"/>
-          </a:xfrm>
-          <a:prstGeom prst="leftBrace">
-            <a:avLst/>
-          </a:prstGeom>
-        </p:spPr>
-        <p:style>
-          <a:lnRef idx="1">
-            <a:schemeClr val="accent1"/>
-          </a:lnRef>
-          <a:fillRef idx="0">
-            <a:schemeClr val="accent1"/>
-          </a:fillRef>
-          <a:effectRef idx="0">
-            <a:schemeClr val="accent1"/>
-          </a:effectRef>
-          <a:fontRef idx="minor">
-            <a:schemeClr val="tx1"/>
-          </a:fontRef>
-        </p:style>
-        <p:txBody>
-          <a:bodyPr rtlCol="0" anchor="ctr"/>
-          <a:lstStyle/>
-          <a:p>
-            <a:pPr algn="ctr"/>
-            <a:endParaRPr lang="en-US"/>
-          </a:p>
-        </p:txBody>
-      </p:sp>
-      <p:sp>
-        <p:nvSpPr>
-          <p:cNvPr id="92" name="TextBox 91"/>
-          <p:cNvSpPr txBox="1"/>
-          <p:nvPr/>
-        </p:nvSpPr>
-        <p:spPr>
-          <a:xfrm rot="5400000">
-            <a:off x="7830562" y="4447220"/>
-            <a:ext cx="1469547" cy="369332"/>
-          </a:xfrm>
-          <a:prstGeom prst="rect">
-            <a:avLst/>
-          </a:prstGeom>
-          <a:noFill/>
-        </p:spPr>
-        <p:txBody>
-          <a:bodyPr wrap="square" rtlCol="0">
-            <a:spAutoFit/>
-          </a:bodyPr>
-          <a:lstStyle/>
-          <a:p>
-            <a:pPr algn="ctr"/>
-            <a:r>
-              <a:rPr lang="en-US" sz="900" smtClean="0"/>
-              <a:t>Plateau_duration_even_ms</a:t>
-            </a:r>
-            <a:r>
-              <a:rPr lang="en-US" sz="900" dirty="0" smtClean="0"/>
-              <a:t> (duration = 0 here)</a:t>
-            </a:r>
-            <a:endParaRPr lang="en-US" sz="900" dirty="0"/>
-          </a:p>
-        </p:txBody>
-      </p:sp>
-      <p:sp>
-        <p:nvSpPr>
-          <p:cNvPr id="103" name="Left Brace 102"/>
-          <p:cNvSpPr/>
-          <p:nvPr/>
-        </p:nvSpPr>
-        <p:spPr>
-          <a:xfrm rot="5400000" flipV="1">
-            <a:off x="3419955" y="2246421"/>
-            <a:ext cx="284441" cy="180559"/>
-          </a:xfrm>
-          <a:prstGeom prst="leftBrace">
-            <a:avLst/>
-          </a:prstGeom>
-        </p:spPr>
-        <p:style>
-          <a:lnRef idx="1">
-            <a:schemeClr val="accent1"/>
-          </a:lnRef>
-          <a:fillRef idx="0">
-            <a:schemeClr val="accent1"/>
-          </a:fillRef>
-          <a:effectRef idx="0">
-            <a:schemeClr val="accent1"/>
-          </a:effectRef>
-          <a:fontRef idx="minor">
-            <a:schemeClr val="tx1"/>
-          </a:fontRef>
-        </p:style>
-        <p:txBody>
-          <a:bodyPr rtlCol="0" anchor="ctr"/>
-          <a:lstStyle/>
-          <a:p>
-            <a:pPr algn="ctr"/>
-            <a:endParaRPr lang="en-US"/>
-          </a:p>
-        </p:txBody>
-      </p:sp>
-      <p:sp>
-        <p:nvSpPr>
-          <p:cNvPr id="104" name="TextBox 103"/>
-          <p:cNvSpPr txBox="1"/>
-          <p:nvPr/>
-        </p:nvSpPr>
-        <p:spPr>
-          <a:xfrm rot="5400000">
-            <a:off x="2920750" y="1466354"/>
-            <a:ext cx="1362021" cy="230832"/>
-          </a:xfrm>
-          <a:prstGeom prst="rect">
-            <a:avLst/>
-          </a:prstGeom>
-          <a:noFill/>
-        </p:spPr>
-        <p:txBody>
-          <a:bodyPr wrap="square" rtlCol="0">
-            <a:spAutoFit/>
-          </a:bodyPr>
-          <a:lstStyle/>
-          <a:p>
-            <a:pPr algn="ctr"/>
-            <a:r>
-              <a:rPr lang="en-US" sz="900" dirty="0" err="1" smtClean="0"/>
-              <a:t>ramp_duration_odd_ms</a:t>
-            </a:r>
-            <a:endParaRPr lang="en-US" sz="900" dirty="0"/>
-          </a:p>
-        </p:txBody>
-      </p:sp>
-      <p:cxnSp>
-        <p:nvCxnSpPr>
-          <p:cNvPr id="12" name="Straight Connector 11"/>
-          <p:cNvCxnSpPr/>
-          <p:nvPr/>
-        </p:nvCxnSpPr>
-        <p:spPr>
-          <a:xfrm>
-            <a:off x="3652456" y="2540860"/>
-            <a:ext cx="0" cy="1097280"/>
-          </a:xfrm>
-          <a:prstGeom prst="line">
-            <a:avLst/>
-          </a:prstGeom>
-          <a:ln>
-            <a:solidFill>
-              <a:schemeClr val="tx1"/>
-            </a:solidFill>
-          </a:ln>
-        </p:spPr>
-        <p:style>
-          <a:lnRef idx="1">
-            <a:schemeClr val="accent1"/>
-          </a:lnRef>
-          <a:fillRef idx="0">
-            <a:schemeClr val="accent1"/>
-          </a:fillRef>
-          <a:effectRef idx="0">
-            <a:schemeClr val="accent1"/>
-          </a:effectRef>
-          <a:fontRef idx="minor">
-            <a:schemeClr val="tx1"/>
-          </a:fontRef>
-        </p:style>
-      </p:cxnSp>
-      <p:sp>
-        <p:nvSpPr>
-          <p:cNvPr id="105" name="Left Brace 104"/>
-          <p:cNvSpPr/>
-          <p:nvPr/>
-        </p:nvSpPr>
-        <p:spPr>
-          <a:xfrm rot="16200000">
-            <a:off x="3660550" y="3801026"/>
-            <a:ext cx="203490" cy="192950"/>
-          </a:xfrm>
-          <a:prstGeom prst="leftBrace">
-            <a:avLst/>
-          </a:prstGeom>
-        </p:spPr>
-        <p:style>
-          <a:lnRef idx="1">
-            <a:schemeClr val="accent1"/>
-          </a:lnRef>
-          <a:fillRef idx="0">
-            <a:schemeClr val="accent1"/>
-          </a:fillRef>
-          <a:effectRef idx="0">
-            <a:schemeClr val="accent1"/>
-          </a:effectRef>
-          <a:fontRef idx="minor">
-            <a:schemeClr val="tx1"/>
-          </a:fontRef>
-        </p:style>
-        <p:txBody>
-          <a:bodyPr rtlCol="0" anchor="ctr"/>
-          <a:lstStyle/>
-          <a:p>
-            <a:pPr algn="ctr"/>
-            <a:endParaRPr lang="en-US"/>
-          </a:p>
-        </p:txBody>
-      </p:sp>
-      <p:sp>
-        <p:nvSpPr>
-          <p:cNvPr id="106" name="TextBox 105"/>
-          <p:cNvSpPr txBox="1"/>
-          <p:nvPr/>
-        </p:nvSpPr>
-        <p:spPr>
-          <a:xfrm rot="5400000">
-            <a:off x="3115536" y="4498038"/>
-            <a:ext cx="1369932" cy="230832"/>
-          </a:xfrm>
-          <a:prstGeom prst="rect">
-            <a:avLst/>
-          </a:prstGeom>
-          <a:noFill/>
-        </p:spPr>
-        <p:txBody>
-          <a:bodyPr wrap="square" rtlCol="0">
-            <a:spAutoFit/>
-          </a:bodyPr>
-          <a:lstStyle/>
-          <a:p>
-            <a:pPr algn="ctr"/>
-            <a:r>
-              <a:rPr lang="en-US" sz="900" smtClean="0"/>
-              <a:t>ramp_duration_even_ms</a:t>
-            </a:r>
-            <a:endParaRPr lang="en-US" sz="900" dirty="0"/>
-          </a:p>
-        </p:txBody>
-      </p:sp>
-      <p:grpSp>
-        <p:nvGrpSpPr>
-          <p:cNvPr id="14" name="Group 13"/>
-          <p:cNvGrpSpPr/>
-          <p:nvPr/>
-        </p:nvGrpSpPr>
-        <p:grpSpPr>
-          <a:xfrm>
-            <a:off x="1192724" y="5339361"/>
-            <a:ext cx="9168414" cy="432013"/>
-            <a:chOff x="1192724" y="4008269"/>
-            <a:chExt cx="9168414" cy="432013"/>
-          </a:xfrm>
-        </p:grpSpPr>
+          </p:spPr>
+          <p:txBody>
+            <a:bodyPr wrap="square" rtlCol="0">
+              <a:spAutoFit/>
+            </a:bodyPr>
+            <a:lstStyle/>
+            <a:p>
+              <a:pPr algn="ctr"/>
+              <a:r>
+                <a:rPr lang="en-US" sz="1050" b="1" smtClean="0"/>
+                <a:t>ramp_duration_even_ms</a:t>
+              </a:r>
+              <a:endParaRPr lang="en-US" sz="1050" b="1" dirty="0"/>
+            </a:p>
+          </p:txBody>
+        </p:sp>
         <p:grpSp>
           <p:nvGrpSpPr>
-            <p:cNvPr id="10" name="Group 9"/>
+            <p:cNvPr id="5" name="Group 4"/>
             <p:cNvGrpSpPr/>
             <p:nvPr/>
           </p:nvGrpSpPr>
           <p:grpSpPr>
             <a:xfrm>
-              <a:off x="1192724" y="4008269"/>
-              <a:ext cx="8376292" cy="369332"/>
-              <a:chOff x="1192724" y="4136861"/>
-              <a:chExt cx="8376292" cy="369332"/>
+              <a:off x="1192724" y="5044330"/>
+              <a:ext cx="6610913" cy="276999"/>
+              <a:chOff x="1192724" y="5385528"/>
+              <a:chExt cx="6610913" cy="276999"/>
             </a:xfrm>
           </p:grpSpPr>
           <p:sp>
@@ -6095,7 +5553,7 @@
             </p:nvSpPr>
             <p:spPr>
               <a:xfrm>
-                <a:off x="2820957" y="4136861"/>
+                <a:off x="2820957" y="5385528"/>
                 <a:ext cx="263214" cy="276999"/>
               </a:xfrm>
               <a:prstGeom prst="rect">
@@ -6125,7 +5583,7 @@
             </p:nvSpPr>
             <p:spPr>
               <a:xfrm>
-                <a:off x="4576605" y="4136861"/>
+                <a:off x="4576605" y="5385528"/>
                 <a:ext cx="263214" cy="276999"/>
               </a:xfrm>
               <a:prstGeom prst="rect">
@@ -6155,7 +5613,7 @@
             </p:nvSpPr>
             <p:spPr>
               <a:xfrm>
-                <a:off x="7530117" y="4136861"/>
+                <a:off x="7461877" y="5385528"/>
                 <a:ext cx="341760" cy="276999"/>
               </a:xfrm>
               <a:prstGeom prst="rect">
@@ -6171,36 +5629,6 @@
               <a:p>
                 <a:r>
                   <a:rPr lang="en-US" sz="1200" b="1" smtClean="0"/>
-                  <a:t>58</a:t>
-                </a:r>
-                <a:endParaRPr lang="en-US" sz="1200" b="1" dirty="0"/>
-              </a:p>
-            </p:txBody>
-          </p:sp>
-          <p:sp>
-            <p:nvSpPr>
-              <p:cNvPr id="46" name="TextBox 45"/>
-              <p:cNvSpPr txBox="1"/>
-              <p:nvPr/>
-            </p:nvSpPr>
-            <p:spPr>
-              <a:xfrm>
-                <a:off x="9227256" y="4136861"/>
-                <a:ext cx="341760" cy="276999"/>
-              </a:xfrm>
-              <a:prstGeom prst="rect">
-                <a:avLst/>
-              </a:prstGeom>
-              <a:noFill/>
-            </p:spPr>
-            <p:txBody>
-              <a:bodyPr wrap="none" rtlCol="0">
-                <a:spAutoFit/>
-              </a:bodyPr>
-              <a:lstStyle/>
-              <a:p>
-                <a:r>
-                  <a:rPr lang="en-US" sz="1200" b="1" dirty="0" smtClean="0"/>
                   <a:t>59</a:t>
                 </a:r>
                 <a:endParaRPr lang="en-US" sz="1200" b="1" dirty="0"/>
@@ -6215,7 +5643,7 @@
             </p:nvSpPr>
             <p:spPr>
               <a:xfrm>
-                <a:off x="5829496" y="4136861"/>
+                <a:off x="5859355" y="5385528"/>
                 <a:ext cx="415498" cy="276999"/>
               </a:xfrm>
               <a:prstGeom prst="rect">
@@ -6245,7 +5673,7 @@
             </p:nvSpPr>
             <p:spPr>
               <a:xfrm>
-                <a:off x="1192724" y="4229194"/>
+                <a:off x="1192724" y="5385528"/>
                 <a:ext cx="1646678" cy="276999"/>
               </a:xfrm>
               <a:prstGeom prst="rect">
@@ -6271,62 +5699,18 @@
             </p:txBody>
           </p:sp>
         </p:grpSp>
-        <p:sp>
-          <p:nvSpPr>
-            <p:cNvPr id="107" name="Rectangle 106"/>
-            <p:cNvSpPr/>
-            <p:nvPr/>
-          </p:nvSpPr>
-          <p:spPr>
-            <a:xfrm>
-              <a:off x="8714460" y="4163283"/>
-              <a:ext cx="1646678" cy="276999"/>
-            </a:xfrm>
-            <a:prstGeom prst="rect">
-              <a:avLst/>
-            </a:prstGeom>
-          </p:spPr>
-          <p:txBody>
-            <a:bodyPr wrap="square">
-              <a:spAutoFit/>
-            </a:bodyPr>
-            <a:lstStyle/>
-            <a:p>
-              <a:r>
-                <a:rPr lang="en-US" sz="1200" b="1" dirty="0" err="1" smtClean="0"/>
-                <a:t>num_lobes_odd</a:t>
-              </a:r>
-              <a:endParaRPr lang="en-US" sz="1200" b="1" dirty="0"/>
-            </a:p>
-          </p:txBody>
-        </p:sp>
-      </p:grpSp>
-      <p:grpSp>
-        <p:nvGrpSpPr>
-          <p:cNvPr id="112" name="Group 111"/>
-          <p:cNvGrpSpPr/>
-          <p:nvPr/>
-        </p:nvGrpSpPr>
-        <p:grpSpPr>
-          <a:xfrm>
-            <a:off x="1182934" y="5831031"/>
-            <a:ext cx="8459320" cy="439748"/>
-            <a:chOff x="334203" y="3991090"/>
-            <a:chExt cx="8459320" cy="439748"/>
-          </a:xfrm>
-        </p:grpSpPr>
         <p:grpSp>
           <p:nvGrpSpPr>
-            <p:cNvPr id="118" name="Group 117"/>
+            <p:cNvPr id="7" name="Group 6"/>
             <p:cNvGrpSpPr/>
             <p:nvPr/>
           </p:nvGrpSpPr>
           <p:grpSpPr>
             <a:xfrm>
-              <a:off x="334203" y="3991090"/>
-              <a:ext cx="7537674" cy="294178"/>
-              <a:chOff x="334203" y="4119682"/>
-              <a:chExt cx="7537674" cy="294178"/>
+              <a:off x="1182934" y="5531507"/>
+              <a:ext cx="5681565" cy="276999"/>
+              <a:chOff x="1182934" y="5839621"/>
+              <a:chExt cx="5681565" cy="276999"/>
             </a:xfrm>
           </p:grpSpPr>
           <p:sp>
@@ -6337,7 +5721,7 @@
             </p:nvSpPr>
             <p:spPr>
               <a:xfrm>
-                <a:off x="2820957" y="4136861"/>
+                <a:off x="3669688" y="5839621"/>
                 <a:ext cx="263214" cy="276999"/>
               </a:xfrm>
               <a:prstGeom prst="rect">
@@ -6367,7 +5751,7 @@
             </p:nvSpPr>
             <p:spPr>
               <a:xfrm>
-                <a:off x="4576605" y="4136861"/>
+                <a:off x="5425336" y="5839621"/>
                 <a:ext cx="263214" cy="276999"/>
               </a:xfrm>
               <a:prstGeom prst="rect">
@@ -6397,7 +5781,7 @@
             </p:nvSpPr>
             <p:spPr>
               <a:xfrm>
-                <a:off x="7530117" y="4136861"/>
+                <a:off x="6522739" y="5839621"/>
                 <a:ext cx="341760" cy="276999"/>
               </a:xfrm>
               <a:prstGeom prst="rect">
@@ -6412,7 +5796,7 @@
               <a:lstStyle/>
               <a:p>
                 <a:r>
-                  <a:rPr lang="en-US" sz="1200" b="1" smtClean="0"/>
+                  <a:rPr lang="en-US" sz="1200" b="1" dirty="0" smtClean="0"/>
                   <a:t>58</a:t>
                 </a:r>
                 <a:endParaRPr lang="en-US" sz="1200" b="1" dirty="0"/>
@@ -6427,7 +5811,7 @@
             </p:nvSpPr>
             <p:spPr>
               <a:xfrm>
-                <a:off x="5829496" y="4136861"/>
+                <a:off x="5859355" y="5839621"/>
                 <a:ext cx="415498" cy="276999"/>
               </a:xfrm>
               <a:prstGeom prst="rect">
@@ -6457,7 +5841,7 @@
             </p:nvSpPr>
             <p:spPr>
               <a:xfrm>
-                <a:off x="334203" y="4119682"/>
+                <a:off x="1182934" y="5839621"/>
                 <a:ext cx="1646678" cy="276999"/>
               </a:xfrm>
               <a:prstGeom prst="rect">
@@ -6485,280 +5869,484 @@
         </p:grpSp>
         <p:sp>
           <p:nvSpPr>
-            <p:cNvPr id="119" name="Rectangle 118"/>
+            <p:cNvPr id="139" name="Left Brace 138"/>
             <p:cNvSpPr/>
             <p:nvPr/>
           </p:nvSpPr>
           <p:spPr>
             <a:xfrm>
-              <a:off x="7146845" y="4153839"/>
-              <a:ext cx="1646678" cy="276999"/>
+              <a:off x="1759764" y="2518868"/>
+              <a:ext cx="202154" cy="587887"/>
+            </a:xfrm>
+            <a:prstGeom prst="leftBrace">
+              <a:avLst/>
+            </a:prstGeom>
+          </p:spPr>
+          <p:style>
+            <a:lnRef idx="1">
+              <a:schemeClr val="accent1"/>
+            </a:lnRef>
+            <a:fillRef idx="0">
+              <a:schemeClr val="accent1"/>
+            </a:fillRef>
+            <a:effectRef idx="0">
+              <a:schemeClr val="accent1"/>
+            </a:effectRef>
+            <a:fontRef idx="minor">
+              <a:schemeClr val="tx1"/>
+            </a:fontRef>
+          </p:style>
+          <p:txBody>
+            <a:bodyPr rtlCol="0" anchor="ctr"/>
+            <a:lstStyle/>
+            <a:p>
+              <a:pPr algn="ctr"/>
+              <a:endParaRPr lang="en-US"/>
+            </a:p>
+          </p:txBody>
+        </p:sp>
+        <p:sp>
+          <p:nvSpPr>
+            <p:cNvPr id="140" name="TextBox 139"/>
+            <p:cNvSpPr txBox="1"/>
+            <p:nvPr/>
+          </p:nvSpPr>
+          <p:spPr>
+            <a:xfrm>
+              <a:off x="399411" y="2671228"/>
+              <a:ext cx="1316386" cy="415498"/>
             </a:xfrm>
             <a:prstGeom prst="rect">
               <a:avLst/>
             </a:prstGeom>
+            <a:noFill/>
           </p:spPr>
           <p:txBody>
-            <a:bodyPr wrap="square">
+            <a:bodyPr wrap="none" rtlCol="0">
+              <a:spAutoFit/>
+            </a:bodyPr>
+            <a:lstStyle/>
+            <a:p>
+              <a:pPr algn="r"/>
+              <a:r>
+                <a:rPr lang="en-US" sz="1050" b="1" dirty="0" err="1" smtClean="0"/>
+                <a:t>Gradient_amplitude</a:t>
+              </a:r>
+              <a:endParaRPr lang="en-US" sz="1050" b="1" dirty="0" smtClean="0"/>
+            </a:p>
+            <a:p>
+              <a:pPr algn="ctr"/>
+              <a:r>
+                <a:rPr lang="en-US" sz="1050" b="1" dirty="0" smtClean="0"/>
+                <a:t>odd</a:t>
+              </a:r>
+              <a:endParaRPr lang="en-US" sz="1050" b="1" dirty="0"/>
+            </a:p>
+          </p:txBody>
+        </p:sp>
+        <p:sp>
+          <p:nvSpPr>
+            <p:cNvPr id="141" name="Left Brace 140"/>
+            <p:cNvSpPr/>
+            <p:nvPr/>
+          </p:nvSpPr>
+          <p:spPr>
+            <a:xfrm>
+              <a:off x="1762526" y="3119478"/>
+              <a:ext cx="202154" cy="587887"/>
+            </a:xfrm>
+            <a:prstGeom prst="leftBrace">
+              <a:avLst/>
+            </a:prstGeom>
+          </p:spPr>
+          <p:style>
+            <a:lnRef idx="1">
+              <a:schemeClr val="accent1"/>
+            </a:lnRef>
+            <a:fillRef idx="0">
+              <a:schemeClr val="accent1"/>
+            </a:fillRef>
+            <a:effectRef idx="0">
+              <a:schemeClr val="accent1"/>
+            </a:effectRef>
+            <a:fontRef idx="minor">
+              <a:schemeClr val="tx1"/>
+            </a:fontRef>
+          </p:style>
+          <p:txBody>
+            <a:bodyPr rtlCol="0" anchor="ctr"/>
+            <a:lstStyle/>
+            <a:p>
+              <a:pPr algn="ctr"/>
+              <a:endParaRPr lang="en-US"/>
+            </a:p>
+          </p:txBody>
+        </p:sp>
+        <p:sp>
+          <p:nvSpPr>
+            <p:cNvPr id="142" name="TextBox 141"/>
+            <p:cNvSpPr txBox="1"/>
+            <p:nvPr/>
+          </p:nvSpPr>
+          <p:spPr>
+            <a:xfrm>
+              <a:off x="402173" y="3271838"/>
+              <a:ext cx="1316386" cy="415498"/>
+            </a:xfrm>
+            <a:prstGeom prst="rect">
+              <a:avLst/>
+            </a:prstGeom>
+            <a:noFill/>
+          </p:spPr>
+          <p:txBody>
+            <a:bodyPr wrap="none" rtlCol="0">
+              <a:spAutoFit/>
+            </a:bodyPr>
+            <a:lstStyle/>
+            <a:p>
+              <a:pPr algn="r"/>
+              <a:r>
+                <a:rPr lang="en-US" sz="1050" b="1" dirty="0" err="1" smtClean="0"/>
+                <a:t>Gradient_amplitude</a:t>
+              </a:r>
+              <a:endParaRPr lang="en-US" sz="1050" b="1" dirty="0" smtClean="0"/>
+            </a:p>
+            <a:p>
+              <a:pPr algn="ctr"/>
+              <a:r>
+                <a:rPr lang="en-US" sz="1050" b="1" dirty="0" smtClean="0"/>
+                <a:t>even</a:t>
+              </a:r>
+              <a:endParaRPr lang="en-US" sz="1050" b="1" dirty="0"/>
+            </a:p>
+          </p:txBody>
+        </p:sp>
+        <p:sp>
+          <p:nvSpPr>
+            <p:cNvPr id="143" name="TextBox 142"/>
+            <p:cNvSpPr txBox="1"/>
+            <p:nvPr/>
+          </p:nvSpPr>
+          <p:spPr>
+            <a:xfrm rot="1918947">
+              <a:off x="5603557" y="1512161"/>
+              <a:ext cx="1784463" cy="253916"/>
+            </a:xfrm>
+            <a:prstGeom prst="rect">
+              <a:avLst/>
+            </a:prstGeom>
+            <a:noFill/>
+          </p:spPr>
+          <p:txBody>
+            <a:bodyPr wrap="none" rtlCol="0">
               <a:spAutoFit/>
             </a:bodyPr>
             <a:lstStyle/>
             <a:p>
               <a:r>
-                <a:rPr lang="en-US" sz="1200" b="1" dirty="0" err="1" smtClean="0"/>
-                <a:t>num_lobes_even</a:t>
+                <a:rPr lang="en-US" sz="1050" b="1" dirty="0"/>
+                <a:t>s</a:t>
               </a:r>
-              <a:endParaRPr lang="en-US" sz="1200" b="1" dirty="0"/>
+              <a:r>
+                <a:rPr lang="en-US" sz="1050" b="1" dirty="0" smtClean="0"/>
+                <a:t>ample </a:t>
+              </a:r>
+              <a:r>
+                <a:rPr lang="en-US" sz="1050" b="1" dirty="0" err="1" smtClean="0"/>
+                <a:t>spacing_time_ms</a:t>
+              </a:r>
+              <a:r>
+                <a:rPr lang="en-US" sz="1050" b="1" dirty="0" smtClean="0"/>
+                <a:t>, </a:t>
+              </a:r>
+              <a:r>
+                <a:rPr lang="en-US" sz="1050" b="1" dirty="0" smtClean="0">
+                  <a:latin typeface="Symbol" charset="2"/>
+                  <a:ea typeface="Symbol" charset="2"/>
+                  <a:cs typeface="Symbol" charset="2"/>
+                </a:rPr>
+                <a:t>D</a:t>
+              </a:r>
+              <a:r>
+                <a:rPr lang="en-US" sz="1050" b="1" dirty="0" smtClean="0"/>
+                <a:t>t</a:t>
+              </a:r>
+              <a:endParaRPr lang="en-US" sz="1050" b="1" dirty="0"/>
             </a:p>
           </p:txBody>
         </p:sp>
+        <p:sp>
+          <p:nvSpPr>
+            <p:cNvPr id="144" name="Left Brace 143"/>
+            <p:cNvSpPr/>
+            <p:nvPr/>
+          </p:nvSpPr>
+          <p:spPr>
+            <a:xfrm rot="5400000" flipV="1">
+              <a:off x="6968335" y="2232770"/>
+              <a:ext cx="290332" cy="123242"/>
+            </a:xfrm>
+            <a:prstGeom prst="leftBrace">
+              <a:avLst/>
+            </a:prstGeom>
+          </p:spPr>
+          <p:style>
+            <a:lnRef idx="1">
+              <a:schemeClr val="accent1"/>
+            </a:lnRef>
+            <a:fillRef idx="0">
+              <a:schemeClr val="accent1"/>
+            </a:fillRef>
+            <a:effectRef idx="0">
+              <a:schemeClr val="accent1"/>
+            </a:effectRef>
+            <a:fontRef idx="minor">
+              <a:schemeClr val="tx1"/>
+            </a:fontRef>
+          </p:style>
+          <p:txBody>
+            <a:bodyPr rtlCol="0" anchor="ctr"/>
+            <a:lstStyle/>
+            <a:p>
+              <a:pPr algn="ctr"/>
+              <a:endParaRPr lang="en-US"/>
+            </a:p>
+          </p:txBody>
+        </p:sp>
+        <p:grpSp>
+          <p:nvGrpSpPr>
+            <p:cNvPr id="9" name="Group 8"/>
+            <p:cNvGrpSpPr/>
+            <p:nvPr/>
+          </p:nvGrpSpPr>
+          <p:grpSpPr>
+            <a:xfrm>
+              <a:off x="1184186" y="6018684"/>
+              <a:ext cx="5090667" cy="276999"/>
+              <a:chOff x="1184186" y="6359882"/>
+              <a:chExt cx="5090667" cy="276999"/>
+            </a:xfrm>
+          </p:grpSpPr>
+          <p:sp>
+            <p:nvSpPr>
+              <p:cNvPr id="132" name="TextBox 131"/>
+              <p:cNvSpPr txBox="1"/>
+              <p:nvPr/>
+            </p:nvSpPr>
+            <p:spPr>
+              <a:xfrm>
+                <a:off x="3670940" y="6359882"/>
+                <a:ext cx="263214" cy="276999"/>
+              </a:xfrm>
+              <a:prstGeom prst="rect">
+                <a:avLst/>
+              </a:prstGeom>
+              <a:noFill/>
+            </p:spPr>
+            <p:txBody>
+              <a:bodyPr wrap="none" rtlCol="0">
+                <a:spAutoFit/>
+              </a:bodyPr>
+              <a:lstStyle/>
+              <a:p>
+                <a:r>
+                  <a:rPr lang="en-US" sz="1200" b="1" dirty="0" smtClean="0"/>
+                  <a:t>2</a:t>
+                </a:r>
+                <a:endParaRPr lang="en-US" sz="1200" b="1" dirty="0"/>
+              </a:p>
+            </p:txBody>
+          </p:sp>
+          <p:sp>
+            <p:nvSpPr>
+              <p:cNvPr id="134" name="TextBox 133"/>
+              <p:cNvSpPr txBox="1"/>
+              <p:nvPr/>
+            </p:nvSpPr>
+            <p:spPr>
+              <a:xfrm>
+                <a:off x="5425336" y="6359882"/>
+                <a:ext cx="263214" cy="276999"/>
+              </a:xfrm>
+              <a:prstGeom prst="rect">
+                <a:avLst/>
+              </a:prstGeom>
+              <a:noFill/>
+            </p:spPr>
+            <p:txBody>
+              <a:bodyPr wrap="none" rtlCol="0">
+                <a:spAutoFit/>
+              </a:bodyPr>
+              <a:lstStyle/>
+              <a:p>
+                <a:r>
+                  <a:rPr lang="en-US" sz="1200" b="1" dirty="0"/>
+                  <a:t>4</a:t>
+                </a:r>
+                <a:endParaRPr lang="en-US" sz="1200" b="1" dirty="0"/>
+              </a:p>
+            </p:txBody>
+          </p:sp>
+          <p:sp>
+            <p:nvSpPr>
+              <p:cNvPr id="137" name="TextBox 136"/>
+              <p:cNvSpPr txBox="1"/>
+              <p:nvPr/>
+            </p:nvSpPr>
+            <p:spPr>
+              <a:xfrm>
+                <a:off x="5859355" y="6359882"/>
+                <a:ext cx="415498" cy="276999"/>
+              </a:xfrm>
+              <a:prstGeom prst="rect">
+                <a:avLst/>
+              </a:prstGeom>
+              <a:noFill/>
+            </p:spPr>
+            <p:txBody>
+              <a:bodyPr wrap="none" rtlCol="0">
+                <a:spAutoFit/>
+              </a:bodyPr>
+              <a:lstStyle/>
+              <a:p>
+                <a:r>
+                  <a:rPr lang="en-US" sz="1200" b="1" dirty="0" smtClean="0"/>
+                  <a:t>. . . </a:t>
+                </a:r>
+                <a:endParaRPr lang="en-US" sz="1200" b="1" dirty="0"/>
+              </a:p>
+            </p:txBody>
+          </p:sp>
+          <p:sp>
+            <p:nvSpPr>
+              <p:cNvPr id="145" name="Rectangle 144"/>
+              <p:cNvSpPr/>
+              <p:nvPr/>
+            </p:nvSpPr>
+            <p:spPr>
+              <a:xfrm>
+                <a:off x="1184186" y="6359882"/>
+                <a:ext cx="1646678" cy="276999"/>
+              </a:xfrm>
+              <a:prstGeom prst="rect">
+                <a:avLst/>
+              </a:prstGeom>
+            </p:spPr>
+            <p:txBody>
+              <a:bodyPr wrap="square">
+                <a:spAutoFit/>
+              </a:bodyPr>
+              <a:lstStyle/>
+              <a:p>
+                <a:r>
+                  <a:rPr lang="en-US" sz="1200" b="1" dirty="0" smtClean="0"/>
+                  <a:t>lobe </a:t>
+                </a:r>
+                <a:r>
+                  <a:rPr lang="en-US" sz="1200" b="1" dirty="0" smtClean="0"/>
+                  <a:t>#</a:t>
+                </a:r>
+                <a:endParaRPr lang="en-US" sz="1200" b="1" dirty="0"/>
+              </a:p>
+            </p:txBody>
+          </p:sp>
+          <p:sp>
+            <p:nvSpPr>
+              <p:cNvPr id="146" name="TextBox 145"/>
+              <p:cNvSpPr txBox="1"/>
+              <p:nvPr/>
+            </p:nvSpPr>
+            <p:spPr>
+              <a:xfrm>
+                <a:off x="2840403" y="6359882"/>
+                <a:ext cx="263214" cy="276999"/>
+              </a:xfrm>
+              <a:prstGeom prst="rect">
+                <a:avLst/>
+              </a:prstGeom>
+              <a:noFill/>
+            </p:spPr>
+            <p:txBody>
+              <a:bodyPr wrap="none" rtlCol="0">
+                <a:spAutoFit/>
+              </a:bodyPr>
+              <a:lstStyle/>
+              <a:p>
+                <a:r>
+                  <a:rPr lang="en-US" sz="1200" b="1" dirty="0" smtClean="0"/>
+                  <a:t>1</a:t>
+                </a:r>
+                <a:endParaRPr lang="en-US" sz="1200" b="1" dirty="0"/>
+              </a:p>
+            </p:txBody>
+          </p:sp>
+          <p:sp>
+            <p:nvSpPr>
+              <p:cNvPr id="147" name="TextBox 146"/>
+              <p:cNvSpPr txBox="1"/>
+              <p:nvPr/>
+            </p:nvSpPr>
+            <p:spPr>
+              <a:xfrm>
+                <a:off x="4596051" y="6359882"/>
+                <a:ext cx="263214" cy="276999"/>
+              </a:xfrm>
+              <a:prstGeom prst="rect">
+                <a:avLst/>
+              </a:prstGeom>
+              <a:noFill/>
+            </p:spPr>
+            <p:txBody>
+              <a:bodyPr wrap="none" rtlCol="0">
+                <a:spAutoFit/>
+              </a:bodyPr>
+              <a:lstStyle/>
+              <a:p>
+                <a:r>
+                  <a:rPr lang="en-US" sz="1200" b="1" dirty="0"/>
+                  <a:t>3</a:t>
+                </a:r>
+                <a:endParaRPr lang="en-US" sz="1200" b="1" dirty="0"/>
+              </a:p>
+            </p:txBody>
+          </p:sp>
+        </p:grpSp>
+        <p:cxnSp>
+          <p:nvCxnSpPr>
+            <p:cNvPr id="148" name="Straight Connector 147"/>
+            <p:cNvCxnSpPr/>
+            <p:nvPr/>
+          </p:nvCxnSpPr>
+          <p:spPr>
+            <a:xfrm flipH="1">
+              <a:off x="2209229" y="2175392"/>
+              <a:ext cx="0" cy="1730336"/>
+            </a:xfrm>
+            <a:prstGeom prst="line">
+              <a:avLst/>
+            </a:prstGeom>
+            <a:ln>
+              <a:solidFill>
+                <a:schemeClr val="tx1"/>
+              </a:solidFill>
+            </a:ln>
+          </p:spPr>
+          <p:style>
+            <a:lnRef idx="1">
+              <a:schemeClr val="accent1"/>
+            </a:lnRef>
+            <a:fillRef idx="0">
+              <a:schemeClr val="accent1"/>
+            </a:fillRef>
+            <a:effectRef idx="0">
+              <a:schemeClr val="accent1"/>
+            </a:effectRef>
+            <a:fontRef idx="minor">
+              <a:schemeClr val="tx1"/>
+            </a:fontRef>
+          </p:style>
+        </p:cxnSp>
       </p:grpSp>
-      <p:sp>
-        <p:nvSpPr>
-          <p:cNvPr id="139" name="Left Brace 138"/>
-          <p:cNvSpPr/>
-          <p:nvPr/>
-        </p:nvSpPr>
-        <p:spPr>
-          <a:xfrm>
-            <a:off x="1759764" y="2518868"/>
-            <a:ext cx="202154" cy="587887"/>
-          </a:xfrm>
-          <a:prstGeom prst="leftBrace">
-            <a:avLst/>
-          </a:prstGeom>
-        </p:spPr>
-        <p:style>
-          <a:lnRef idx="1">
-            <a:schemeClr val="accent1"/>
-          </a:lnRef>
-          <a:fillRef idx="0">
-            <a:schemeClr val="accent1"/>
-          </a:fillRef>
-          <a:effectRef idx="0">
-            <a:schemeClr val="accent1"/>
-          </a:effectRef>
-          <a:fontRef idx="minor">
-            <a:schemeClr val="tx1"/>
-          </a:fontRef>
-        </p:style>
-        <p:txBody>
-          <a:bodyPr rtlCol="0" anchor="ctr"/>
-          <a:lstStyle/>
-          <a:p>
-            <a:pPr algn="ctr"/>
-            <a:endParaRPr lang="en-US"/>
-          </a:p>
-        </p:txBody>
-      </p:sp>
-      <p:sp>
-        <p:nvSpPr>
-          <p:cNvPr id="140" name="TextBox 139"/>
-          <p:cNvSpPr txBox="1"/>
-          <p:nvPr/>
-        </p:nvSpPr>
-        <p:spPr>
-          <a:xfrm>
-            <a:off x="580550" y="2671228"/>
-            <a:ext cx="1135247" cy="369332"/>
-          </a:xfrm>
-          <a:prstGeom prst="rect">
-            <a:avLst/>
-          </a:prstGeom>
-          <a:noFill/>
-        </p:spPr>
-        <p:txBody>
-          <a:bodyPr wrap="none" rtlCol="0">
-            <a:spAutoFit/>
-          </a:bodyPr>
-          <a:lstStyle/>
-          <a:p>
-            <a:pPr algn="r"/>
-            <a:r>
-              <a:rPr lang="en-US" sz="900" dirty="0" err="1" smtClean="0"/>
-              <a:t>Gradient_amplitude</a:t>
-            </a:r>
-            <a:endParaRPr lang="en-US" sz="900" dirty="0" smtClean="0"/>
-          </a:p>
-          <a:p>
-            <a:pPr algn="ctr"/>
-            <a:r>
-              <a:rPr lang="en-US" sz="900" dirty="0" smtClean="0"/>
-              <a:t>odd</a:t>
-            </a:r>
-            <a:endParaRPr lang="en-US" sz="900" dirty="0"/>
-          </a:p>
-        </p:txBody>
-      </p:sp>
-      <p:sp>
-        <p:nvSpPr>
-          <p:cNvPr id="141" name="Left Brace 140"/>
-          <p:cNvSpPr/>
-          <p:nvPr/>
-        </p:nvSpPr>
-        <p:spPr>
-          <a:xfrm>
-            <a:off x="1762526" y="3119478"/>
-            <a:ext cx="202154" cy="587887"/>
-          </a:xfrm>
-          <a:prstGeom prst="leftBrace">
-            <a:avLst/>
-          </a:prstGeom>
-        </p:spPr>
-        <p:style>
-          <a:lnRef idx="1">
-            <a:schemeClr val="accent1"/>
-          </a:lnRef>
-          <a:fillRef idx="0">
-            <a:schemeClr val="accent1"/>
-          </a:fillRef>
-          <a:effectRef idx="0">
-            <a:schemeClr val="accent1"/>
-          </a:effectRef>
-          <a:fontRef idx="minor">
-            <a:schemeClr val="tx1"/>
-          </a:fontRef>
-        </p:style>
-        <p:txBody>
-          <a:bodyPr rtlCol="0" anchor="ctr"/>
-          <a:lstStyle/>
-          <a:p>
-            <a:pPr algn="ctr"/>
-            <a:endParaRPr lang="en-US"/>
-          </a:p>
-        </p:txBody>
-      </p:sp>
-      <p:sp>
-        <p:nvSpPr>
-          <p:cNvPr id="142" name="TextBox 141"/>
-          <p:cNvSpPr txBox="1"/>
-          <p:nvPr/>
-        </p:nvSpPr>
-        <p:spPr>
-          <a:xfrm>
-            <a:off x="583312" y="3271838"/>
-            <a:ext cx="1135247" cy="369332"/>
-          </a:xfrm>
-          <a:prstGeom prst="rect">
-            <a:avLst/>
-          </a:prstGeom>
-          <a:noFill/>
-        </p:spPr>
-        <p:txBody>
-          <a:bodyPr wrap="none" rtlCol="0">
-            <a:spAutoFit/>
-          </a:bodyPr>
-          <a:lstStyle/>
-          <a:p>
-            <a:pPr algn="r"/>
-            <a:r>
-              <a:rPr lang="en-US" sz="900" dirty="0" err="1" smtClean="0"/>
-              <a:t>Gradient_amplitude</a:t>
-            </a:r>
-            <a:endParaRPr lang="en-US" sz="900" dirty="0" smtClean="0"/>
-          </a:p>
-          <a:p>
-            <a:pPr algn="ctr"/>
-            <a:r>
-              <a:rPr lang="en-US" sz="900" dirty="0" smtClean="0"/>
-              <a:t>even</a:t>
-            </a:r>
-            <a:endParaRPr lang="en-US" sz="900" dirty="0"/>
-          </a:p>
-        </p:txBody>
-      </p:sp>
-      <p:sp>
-        <p:nvSpPr>
-          <p:cNvPr id="143" name="TextBox 142"/>
-          <p:cNvSpPr txBox="1"/>
-          <p:nvPr/>
-        </p:nvSpPr>
-        <p:spPr>
-          <a:xfrm rot="5400000">
-            <a:off x="8334087" y="1314980"/>
-            <a:ext cx="1369286" cy="369332"/>
-          </a:xfrm>
-          <a:prstGeom prst="rect">
-            <a:avLst/>
-          </a:prstGeom>
-          <a:noFill/>
-        </p:spPr>
-        <p:txBody>
-          <a:bodyPr wrap="none" rtlCol="0">
-            <a:spAutoFit/>
-          </a:bodyPr>
-          <a:lstStyle/>
-          <a:p>
-            <a:r>
-              <a:rPr lang="en-US" sz="900" dirty="0"/>
-              <a:t>s</a:t>
-            </a:r>
-            <a:r>
-              <a:rPr lang="en-US" sz="900" dirty="0" smtClean="0"/>
-              <a:t>ample </a:t>
-            </a:r>
-            <a:r>
-              <a:rPr lang="en-US" sz="900" dirty="0" err="1" smtClean="0"/>
-              <a:t>spacing_time_ms</a:t>
-            </a:r>
-            <a:endParaRPr lang="en-US" sz="900" dirty="0" smtClean="0"/>
-          </a:p>
-          <a:p>
-            <a:pPr algn="ctr"/>
-            <a:r>
-              <a:rPr lang="en-US" sz="900" dirty="0" smtClean="0">
-                <a:latin typeface="Symbol" charset="2"/>
-                <a:ea typeface="Symbol" charset="2"/>
-                <a:cs typeface="Symbol" charset="2"/>
-              </a:rPr>
-              <a:t>D</a:t>
-            </a:r>
-            <a:r>
-              <a:rPr lang="en-US" sz="900" dirty="0" smtClean="0"/>
-              <a:t>t</a:t>
-            </a:r>
-            <a:endParaRPr lang="en-US" sz="900" dirty="0"/>
-          </a:p>
-        </p:txBody>
-      </p:sp>
-      <p:sp>
-        <p:nvSpPr>
-          <p:cNvPr id="144" name="Left Brace 143"/>
-          <p:cNvSpPr/>
-          <p:nvPr/>
-        </p:nvSpPr>
-        <p:spPr>
-          <a:xfrm rot="5400000" flipV="1">
-            <a:off x="8892680" y="2232770"/>
-            <a:ext cx="290332" cy="123242"/>
-          </a:xfrm>
-          <a:prstGeom prst="leftBrace">
-            <a:avLst/>
-          </a:prstGeom>
-        </p:spPr>
-        <p:style>
-          <a:lnRef idx="1">
-            <a:schemeClr val="accent1"/>
-          </a:lnRef>
-          <a:fillRef idx="0">
-            <a:schemeClr val="accent1"/>
-          </a:fillRef>
-          <a:effectRef idx="0">
-            <a:schemeClr val="accent1"/>
-          </a:effectRef>
-          <a:fontRef idx="minor">
-            <a:schemeClr val="tx1"/>
-          </a:fontRef>
-        </p:style>
-        <p:txBody>
-          <a:bodyPr rtlCol="0" anchor="ctr"/>
-          <a:lstStyle/>
-          <a:p>
-            <a:pPr algn="ctr"/>
-            <a:endParaRPr lang="en-US"/>
-          </a:p>
-        </p:txBody>
-      </p:sp>
     </p:spTree>
     <p:extLst>
       <p:ext uri="{BB962C8B-B14F-4D97-AF65-F5344CB8AC3E}">

--- a/docs/DAD/EPSI_DAD.pptx
+++ b/docs/DAD/EPSI_DAD.pptx
@@ -4,6 +4,9 @@
   <p:sldMasterIdLst>
     <p:sldMasterId id="2147483648" r:id="rId1"/>
   </p:sldMasterIdLst>
+  <p:notesMasterIdLst>
+    <p:notesMasterId r:id="rId5"/>
+  </p:notesMasterIdLst>
   <p:sldIdLst>
     <p:sldId id="257" r:id="rId2"/>
     <p:sldId id="258" r:id="rId3"/>
@@ -112,6 +115,356 @@
     </p:ext>
   </p:extLst>
 </p:presentation>
+</file>
+
+<file path=ppt/notesMasters/notesMaster1.xml><?xml version="1.0" encoding="utf-8"?>
+<p:notesMaster xmlns:a="http://schemas.openxmlformats.org/drawingml/2006/main" xmlns:r="http://schemas.openxmlformats.org/officeDocument/2006/relationships" xmlns:p="http://schemas.openxmlformats.org/presentationml/2006/main">
+  <p:cSld>
+    <p:bg>
+      <p:bgRef idx="1001">
+        <a:schemeClr val="bg1"/>
+      </p:bgRef>
+    </p:bg>
+    <p:spTree>
+      <p:nvGrpSpPr>
+        <p:cNvPr id="1" name=""/>
+        <p:cNvGrpSpPr/>
+        <p:nvPr/>
+      </p:nvGrpSpPr>
+      <p:grpSpPr>
+        <a:xfrm>
+          <a:off x="0" y="0"/>
+          <a:ext cx="0" cy="0"/>
+          <a:chOff x="0" y="0"/>
+          <a:chExt cx="0" cy="0"/>
+        </a:xfrm>
+      </p:grpSpPr>
+      <p:sp>
+        <p:nvSpPr>
+          <p:cNvPr id="2" name="Header Placeholder 1"/>
+          <p:cNvSpPr>
+            <a:spLocks noGrp="1"/>
+          </p:cNvSpPr>
+          <p:nvPr>
+            <p:ph type="hdr" sz="quarter"/>
+          </p:nvPr>
+        </p:nvSpPr>
+        <p:spPr>
+          <a:xfrm>
+            <a:off x="0" y="0"/>
+            <a:ext cx="2971800" cy="458788"/>
+          </a:xfrm>
+          <a:prstGeom prst="rect">
+            <a:avLst/>
+          </a:prstGeom>
+        </p:spPr>
+        <p:txBody>
+          <a:bodyPr vert="horz" lIns="91440" tIns="45720" rIns="91440" bIns="45720" rtlCol="0"/>
+          <a:lstStyle>
+            <a:lvl1pPr algn="l">
+              <a:defRPr sz="1200"/>
+            </a:lvl1pPr>
+          </a:lstStyle>
+          <a:p>
+            <a:endParaRPr lang="en-US"/>
+          </a:p>
+        </p:txBody>
+      </p:sp>
+      <p:sp>
+        <p:nvSpPr>
+          <p:cNvPr id="3" name="Date Placeholder 2"/>
+          <p:cNvSpPr>
+            <a:spLocks noGrp="1"/>
+          </p:cNvSpPr>
+          <p:nvPr>
+            <p:ph type="dt" idx="1"/>
+          </p:nvPr>
+        </p:nvSpPr>
+        <p:spPr>
+          <a:xfrm>
+            <a:off x="3884613" y="0"/>
+            <a:ext cx="2971800" cy="458788"/>
+          </a:xfrm>
+          <a:prstGeom prst="rect">
+            <a:avLst/>
+          </a:prstGeom>
+        </p:spPr>
+        <p:txBody>
+          <a:bodyPr vert="horz" lIns="91440" tIns="45720" rIns="91440" bIns="45720" rtlCol="0"/>
+          <a:lstStyle>
+            <a:lvl1pPr algn="r">
+              <a:defRPr sz="1200"/>
+            </a:lvl1pPr>
+          </a:lstStyle>
+          <a:p>
+            <a:fld id="{39FE029F-23C1-954B-92EA-F4066CDA6A7D}" type="datetimeFigureOut">
+              <a:rPr lang="en-US" smtClean="0"/>
+              <a:t>3/11/18</a:t>
+            </a:fld>
+            <a:endParaRPr lang="en-US"/>
+          </a:p>
+        </p:txBody>
+      </p:sp>
+      <p:sp>
+        <p:nvSpPr>
+          <p:cNvPr id="4" name="Slide Image Placeholder 3"/>
+          <p:cNvSpPr>
+            <a:spLocks noGrp="1" noRot="1" noChangeAspect="1"/>
+          </p:cNvSpPr>
+          <p:nvPr>
+            <p:ph type="sldImg" idx="2"/>
+          </p:nvPr>
+        </p:nvSpPr>
+        <p:spPr>
+          <a:xfrm>
+            <a:off x="685800" y="1143000"/>
+            <a:ext cx="5486400" cy="3086100"/>
+          </a:xfrm>
+          <a:prstGeom prst="rect">
+            <a:avLst/>
+          </a:prstGeom>
+          <a:noFill/>
+          <a:ln w="12700">
+            <a:solidFill>
+              <a:prstClr val="black"/>
+            </a:solidFill>
+          </a:ln>
+        </p:spPr>
+        <p:txBody>
+          <a:bodyPr vert="horz" lIns="91440" tIns="45720" rIns="91440" bIns="45720" rtlCol="0" anchor="ctr"/>
+          <a:lstStyle/>
+          <a:p>
+            <a:endParaRPr lang="en-US"/>
+          </a:p>
+        </p:txBody>
+      </p:sp>
+      <p:sp>
+        <p:nvSpPr>
+          <p:cNvPr id="5" name="Notes Placeholder 4"/>
+          <p:cNvSpPr>
+            <a:spLocks noGrp="1"/>
+          </p:cNvSpPr>
+          <p:nvPr>
+            <p:ph type="body" sz="quarter" idx="3"/>
+          </p:nvPr>
+        </p:nvSpPr>
+        <p:spPr>
+          <a:xfrm>
+            <a:off x="685800" y="4400550"/>
+            <a:ext cx="5486400" cy="3600450"/>
+          </a:xfrm>
+          <a:prstGeom prst="rect">
+            <a:avLst/>
+          </a:prstGeom>
+        </p:spPr>
+        <p:txBody>
+          <a:bodyPr vert="horz" lIns="91440" tIns="45720" rIns="91440" bIns="45720" rtlCol="0"/>
+          <a:lstStyle/>
+          <a:p>
+            <a:pPr lvl="0"/>
+            <a:r>
+              <a:rPr lang="en-US" smtClean="0"/>
+              <a:t>Click to edit Master text styles</a:t>
+            </a:r>
+          </a:p>
+          <a:p>
+            <a:pPr lvl="1"/>
+            <a:r>
+              <a:rPr lang="en-US" smtClean="0"/>
+              <a:t>Second level</a:t>
+            </a:r>
+          </a:p>
+          <a:p>
+            <a:pPr lvl="2"/>
+            <a:r>
+              <a:rPr lang="en-US" smtClean="0"/>
+              <a:t>Third level</a:t>
+            </a:r>
+          </a:p>
+          <a:p>
+            <a:pPr lvl="3"/>
+            <a:r>
+              <a:rPr lang="en-US" smtClean="0"/>
+              <a:t>Fourth level</a:t>
+            </a:r>
+          </a:p>
+          <a:p>
+            <a:pPr lvl="4"/>
+            <a:r>
+              <a:rPr lang="en-US" smtClean="0"/>
+              <a:t>Fifth level</a:t>
+            </a:r>
+            <a:endParaRPr lang="en-US"/>
+          </a:p>
+        </p:txBody>
+      </p:sp>
+      <p:sp>
+        <p:nvSpPr>
+          <p:cNvPr id="6" name="Footer Placeholder 5"/>
+          <p:cNvSpPr>
+            <a:spLocks noGrp="1"/>
+          </p:cNvSpPr>
+          <p:nvPr>
+            <p:ph type="ftr" sz="quarter" idx="4"/>
+          </p:nvPr>
+        </p:nvSpPr>
+        <p:spPr>
+          <a:xfrm>
+            <a:off x="0" y="8685213"/>
+            <a:ext cx="2971800" cy="458787"/>
+          </a:xfrm>
+          <a:prstGeom prst="rect">
+            <a:avLst/>
+          </a:prstGeom>
+        </p:spPr>
+        <p:txBody>
+          <a:bodyPr vert="horz" lIns="91440" tIns="45720" rIns="91440" bIns="45720" rtlCol="0" anchor="b"/>
+          <a:lstStyle>
+            <a:lvl1pPr algn="l">
+              <a:defRPr sz="1200"/>
+            </a:lvl1pPr>
+          </a:lstStyle>
+          <a:p>
+            <a:endParaRPr lang="en-US"/>
+          </a:p>
+        </p:txBody>
+      </p:sp>
+      <p:sp>
+        <p:nvSpPr>
+          <p:cNvPr id="7" name="Slide Number Placeholder 6"/>
+          <p:cNvSpPr>
+            <a:spLocks noGrp="1"/>
+          </p:cNvSpPr>
+          <p:nvPr>
+            <p:ph type="sldNum" sz="quarter" idx="5"/>
+          </p:nvPr>
+        </p:nvSpPr>
+        <p:spPr>
+          <a:xfrm>
+            <a:off x="3884613" y="8685213"/>
+            <a:ext cx="2971800" cy="458787"/>
+          </a:xfrm>
+          <a:prstGeom prst="rect">
+            <a:avLst/>
+          </a:prstGeom>
+        </p:spPr>
+        <p:txBody>
+          <a:bodyPr vert="horz" lIns="91440" tIns="45720" rIns="91440" bIns="45720" rtlCol="0" anchor="b"/>
+          <a:lstStyle>
+            <a:lvl1pPr algn="r">
+              <a:defRPr sz="1200"/>
+            </a:lvl1pPr>
+          </a:lstStyle>
+          <a:p>
+            <a:fld id="{CBC3BE72-C976-A34D-9E77-760238DCEDF3}" type="slidenum">
+              <a:rPr lang="en-US" smtClean="0"/>
+              <a:t>‹#›</a:t>
+            </a:fld>
+            <a:endParaRPr lang="en-US"/>
+          </a:p>
+        </p:txBody>
+      </p:sp>
+    </p:spTree>
+    <p:extLst>
+      <p:ext uri="{BB962C8B-B14F-4D97-AF65-F5344CB8AC3E}">
+        <p14:creationId xmlns:p14="http://schemas.microsoft.com/office/powerpoint/2010/main" val="1778726277"/>
+      </p:ext>
+    </p:extLst>
+  </p:cSld>
+  <p:clrMap bg1="lt1" tx1="dk1" bg2="lt2" tx2="dk2" accent1="accent1" accent2="accent2" accent3="accent3" accent4="accent4" accent5="accent5" accent6="accent6" hlink="hlink" folHlink="folHlink"/>
+  <p:notesStyle>
+    <a:lvl1pPr marL="0" algn="l" defTabSz="914400" rtl="0" eaLnBrk="1" latinLnBrk="0" hangingPunct="1">
+      <a:defRPr sz="1200" kern="1200">
+        <a:solidFill>
+          <a:schemeClr val="tx1"/>
+        </a:solidFill>
+        <a:latin typeface="+mn-lt"/>
+        <a:ea typeface="+mn-ea"/>
+        <a:cs typeface="+mn-cs"/>
+      </a:defRPr>
+    </a:lvl1pPr>
+    <a:lvl2pPr marL="457200" algn="l" defTabSz="914400" rtl="0" eaLnBrk="1" latinLnBrk="0" hangingPunct="1">
+      <a:defRPr sz="1200" kern="1200">
+        <a:solidFill>
+          <a:schemeClr val="tx1"/>
+        </a:solidFill>
+        <a:latin typeface="+mn-lt"/>
+        <a:ea typeface="+mn-ea"/>
+        <a:cs typeface="+mn-cs"/>
+      </a:defRPr>
+    </a:lvl2pPr>
+    <a:lvl3pPr marL="914400" algn="l" defTabSz="914400" rtl="0" eaLnBrk="1" latinLnBrk="0" hangingPunct="1">
+      <a:defRPr sz="1200" kern="1200">
+        <a:solidFill>
+          <a:schemeClr val="tx1"/>
+        </a:solidFill>
+        <a:latin typeface="+mn-lt"/>
+        <a:ea typeface="+mn-ea"/>
+        <a:cs typeface="+mn-cs"/>
+      </a:defRPr>
+    </a:lvl3pPr>
+    <a:lvl4pPr marL="1371600" algn="l" defTabSz="914400" rtl="0" eaLnBrk="1" latinLnBrk="0" hangingPunct="1">
+      <a:defRPr sz="1200" kern="1200">
+        <a:solidFill>
+          <a:schemeClr val="tx1"/>
+        </a:solidFill>
+        <a:latin typeface="+mn-lt"/>
+        <a:ea typeface="+mn-ea"/>
+        <a:cs typeface="+mn-cs"/>
+      </a:defRPr>
+    </a:lvl4pPr>
+    <a:lvl5pPr marL="1828800" algn="l" defTabSz="914400" rtl="0" eaLnBrk="1" latinLnBrk="0" hangingPunct="1">
+      <a:defRPr sz="1200" kern="1200">
+        <a:solidFill>
+          <a:schemeClr val="tx1"/>
+        </a:solidFill>
+        <a:latin typeface="+mn-lt"/>
+        <a:ea typeface="+mn-ea"/>
+        <a:cs typeface="+mn-cs"/>
+      </a:defRPr>
+    </a:lvl5pPr>
+    <a:lvl6pPr marL="2286000" algn="l" defTabSz="914400" rtl="0" eaLnBrk="1" latinLnBrk="0" hangingPunct="1">
+      <a:defRPr sz="1200" kern="1200">
+        <a:solidFill>
+          <a:schemeClr val="tx1"/>
+        </a:solidFill>
+        <a:latin typeface="+mn-lt"/>
+        <a:ea typeface="+mn-ea"/>
+        <a:cs typeface="+mn-cs"/>
+      </a:defRPr>
+    </a:lvl6pPr>
+    <a:lvl7pPr marL="2743200" algn="l" defTabSz="914400" rtl="0" eaLnBrk="1" latinLnBrk="0" hangingPunct="1">
+      <a:defRPr sz="1200" kern="1200">
+        <a:solidFill>
+          <a:schemeClr val="tx1"/>
+        </a:solidFill>
+        <a:latin typeface="+mn-lt"/>
+        <a:ea typeface="+mn-ea"/>
+        <a:cs typeface="+mn-cs"/>
+      </a:defRPr>
+    </a:lvl7pPr>
+    <a:lvl8pPr marL="3200400" algn="l" defTabSz="914400" rtl="0" eaLnBrk="1" latinLnBrk="0" hangingPunct="1">
+      <a:defRPr sz="1200" kern="1200">
+        <a:solidFill>
+          <a:schemeClr val="tx1"/>
+        </a:solidFill>
+        <a:latin typeface="+mn-lt"/>
+        <a:ea typeface="+mn-ea"/>
+        <a:cs typeface="+mn-cs"/>
+      </a:defRPr>
+    </a:lvl8pPr>
+    <a:lvl9pPr marL="3657600" algn="l" defTabSz="914400" rtl="0" eaLnBrk="1" latinLnBrk="0" hangingPunct="1">
+      <a:defRPr sz="1200" kern="1200">
+        <a:solidFill>
+          <a:schemeClr val="tx1"/>
+        </a:solidFill>
+        <a:latin typeface="+mn-lt"/>
+        <a:ea typeface="+mn-ea"/>
+        <a:cs typeface="+mn-cs"/>
+      </a:defRPr>
+    </a:lvl9pPr>
+  </p:notesStyle>
+</p:notesMaster>
 </file>
 
 <file path=ppt/slideLayouts/slideLayout1.xml><?xml version="1.0" encoding="utf-8"?>
@@ -7297,4 +7650,265 @@
     </a:ext>
   </a:extLst>
 </a:theme>
+</file>
+
+<file path=ppt/theme/theme2.xml><?xml version="1.0" encoding="utf-8"?>
+<a:theme xmlns:a="http://schemas.openxmlformats.org/drawingml/2006/main" name="Office Theme">
+  <a:themeElements>
+    <a:clrScheme name="Office">
+      <a:dk1>
+        <a:sysClr val="windowText" lastClr="000000"/>
+      </a:dk1>
+      <a:lt1>
+        <a:sysClr val="window" lastClr="FFFFFF"/>
+      </a:lt1>
+      <a:dk2>
+        <a:srgbClr val="44546A"/>
+      </a:dk2>
+      <a:lt2>
+        <a:srgbClr val="E7E6E6"/>
+      </a:lt2>
+      <a:accent1>
+        <a:srgbClr val="4472C4"/>
+      </a:accent1>
+      <a:accent2>
+        <a:srgbClr val="ED7D31"/>
+      </a:accent2>
+      <a:accent3>
+        <a:srgbClr val="A5A5A5"/>
+      </a:accent3>
+      <a:accent4>
+        <a:srgbClr val="FFC000"/>
+      </a:accent4>
+      <a:accent5>
+        <a:srgbClr val="5B9BD5"/>
+      </a:accent5>
+      <a:accent6>
+        <a:srgbClr val="70AD47"/>
+      </a:accent6>
+      <a:hlink>
+        <a:srgbClr val="0563C1"/>
+      </a:hlink>
+      <a:folHlink>
+        <a:srgbClr val="954F72"/>
+      </a:folHlink>
+    </a:clrScheme>
+    <a:fontScheme name="Office">
+      <a:majorFont>
+        <a:latin typeface="Calibri Light" panose="020F0302020204030204"/>
+        <a:ea typeface=""/>
+        <a:cs typeface=""/>
+        <a:font script="Jpan" typeface="Yu Gothic Light"/>
+        <a:font script="Hang" typeface="맑은 고딕"/>
+        <a:font script="Hans" typeface="DengXian Light"/>
+        <a:font script="Hant" typeface="新細明體"/>
+        <a:font script="Arab" typeface="Times New Roman"/>
+        <a:font script="Hebr" typeface="Times New Roman"/>
+        <a:font script="Thai" typeface="Angsana New"/>
+        <a:font script="Ethi" typeface="Nyala"/>
+        <a:font script="Beng" typeface="Vrinda"/>
+        <a:font script="Gujr" typeface="Shruti"/>
+        <a:font script="Khmr" typeface="MoolBoran"/>
+        <a:font script="Knda" typeface="Tunga"/>
+        <a:font script="Guru" typeface="Raavi"/>
+        <a:font script="Cans" typeface="Euphemia"/>
+        <a:font script="Cher" typeface="Plantagenet Cherokee"/>
+        <a:font script="Yiii" typeface="Microsoft Yi Baiti"/>
+        <a:font script="Tibt" typeface="Microsoft Himalaya"/>
+        <a:font script="Thaa" typeface="MV Boli"/>
+        <a:font script="Deva" typeface="Mangal"/>
+        <a:font script="Telu" typeface="Gautami"/>
+        <a:font script="Taml" typeface="Latha"/>
+        <a:font script="Syrc" typeface="Estrangelo Edessa"/>
+        <a:font script="Orya" typeface="Kalinga"/>
+        <a:font script="Mlym" typeface="Kartika"/>
+        <a:font script="Laoo" typeface="DokChampa"/>
+        <a:font script="Sinh" typeface="Iskoola Pota"/>
+        <a:font script="Mong" typeface="Mongolian Baiti"/>
+        <a:font script="Viet" typeface="Times New Roman"/>
+        <a:font script="Uigh" typeface="Microsoft Uighur"/>
+        <a:font script="Geor" typeface="Sylfaen"/>
+      </a:majorFont>
+      <a:minorFont>
+        <a:latin typeface="Calibri" panose="020F0502020204030204"/>
+        <a:ea typeface=""/>
+        <a:cs typeface=""/>
+        <a:font script="Jpan" typeface="Yu Gothic"/>
+        <a:font script="Hang" typeface="맑은 고딕"/>
+        <a:font script="Hans" typeface="DengXian"/>
+        <a:font script="Hant" typeface="新細明體"/>
+        <a:font script="Arab" typeface="Arial"/>
+        <a:font script="Hebr" typeface="Arial"/>
+        <a:font script="Thai" typeface="Cordia New"/>
+        <a:font script="Ethi" typeface="Nyala"/>
+        <a:font script="Beng" typeface="Vrinda"/>
+        <a:font script="Gujr" typeface="Shruti"/>
+        <a:font script="Khmr" typeface="DaunPenh"/>
+        <a:font script="Knda" typeface="Tunga"/>
+        <a:font script="Guru" typeface="Raavi"/>
+        <a:font script="Cans" typeface="Euphemia"/>
+        <a:font script="Cher" typeface="Plantagenet Cherokee"/>
+        <a:font script="Yiii" typeface="Microsoft Yi Baiti"/>
+        <a:font script="Tibt" typeface="Microsoft Himalaya"/>
+        <a:font script="Thaa" typeface="MV Boli"/>
+        <a:font script="Deva" typeface="Mangal"/>
+        <a:font script="Telu" typeface="Gautami"/>
+        <a:font script="Taml" typeface="Latha"/>
+        <a:font script="Syrc" typeface="Estrangelo Edessa"/>
+        <a:font script="Orya" typeface="Kalinga"/>
+        <a:font script="Mlym" typeface="Kartika"/>
+        <a:font script="Laoo" typeface="DokChampa"/>
+        <a:font script="Sinh" typeface="Iskoola Pota"/>
+        <a:font script="Mong" typeface="Mongolian Baiti"/>
+        <a:font script="Viet" typeface="Arial"/>
+        <a:font script="Uigh" typeface="Microsoft Uighur"/>
+        <a:font script="Geor" typeface="Sylfaen"/>
+      </a:minorFont>
+    </a:fontScheme>
+    <a:fmtScheme name="Office">
+      <a:fillStyleLst>
+        <a:solidFill>
+          <a:schemeClr val="phClr"/>
+        </a:solidFill>
+        <a:gradFill rotWithShape="1">
+          <a:gsLst>
+            <a:gs pos="0">
+              <a:schemeClr val="phClr">
+                <a:lumMod val="110000"/>
+                <a:satMod val="105000"/>
+                <a:tint val="67000"/>
+              </a:schemeClr>
+            </a:gs>
+            <a:gs pos="50000">
+              <a:schemeClr val="phClr">
+                <a:lumMod val="105000"/>
+                <a:satMod val="103000"/>
+                <a:tint val="73000"/>
+              </a:schemeClr>
+            </a:gs>
+            <a:gs pos="100000">
+              <a:schemeClr val="phClr">
+                <a:lumMod val="105000"/>
+                <a:satMod val="109000"/>
+                <a:tint val="81000"/>
+              </a:schemeClr>
+            </a:gs>
+          </a:gsLst>
+          <a:lin ang="5400000" scaled="0"/>
+        </a:gradFill>
+        <a:gradFill rotWithShape="1">
+          <a:gsLst>
+            <a:gs pos="0">
+              <a:schemeClr val="phClr">
+                <a:satMod val="103000"/>
+                <a:lumMod val="102000"/>
+                <a:tint val="94000"/>
+              </a:schemeClr>
+            </a:gs>
+            <a:gs pos="50000">
+              <a:schemeClr val="phClr">
+                <a:satMod val="110000"/>
+                <a:lumMod val="100000"/>
+                <a:shade val="100000"/>
+              </a:schemeClr>
+            </a:gs>
+            <a:gs pos="100000">
+              <a:schemeClr val="phClr">
+                <a:lumMod val="99000"/>
+                <a:satMod val="120000"/>
+                <a:shade val="78000"/>
+              </a:schemeClr>
+            </a:gs>
+          </a:gsLst>
+          <a:lin ang="5400000" scaled="0"/>
+        </a:gradFill>
+      </a:fillStyleLst>
+      <a:lnStyleLst>
+        <a:ln w="6350" cap="flat" cmpd="sng" algn="ctr">
+          <a:solidFill>
+            <a:schemeClr val="phClr"/>
+          </a:solidFill>
+          <a:prstDash val="solid"/>
+          <a:miter lim="800000"/>
+        </a:ln>
+        <a:ln w="12700" cap="flat" cmpd="sng" algn="ctr">
+          <a:solidFill>
+            <a:schemeClr val="phClr"/>
+          </a:solidFill>
+          <a:prstDash val="solid"/>
+          <a:miter lim="800000"/>
+        </a:ln>
+        <a:ln w="19050" cap="flat" cmpd="sng" algn="ctr">
+          <a:solidFill>
+            <a:schemeClr val="phClr"/>
+          </a:solidFill>
+          <a:prstDash val="solid"/>
+          <a:miter lim="800000"/>
+        </a:ln>
+      </a:lnStyleLst>
+      <a:effectStyleLst>
+        <a:effectStyle>
+          <a:effectLst/>
+        </a:effectStyle>
+        <a:effectStyle>
+          <a:effectLst/>
+        </a:effectStyle>
+        <a:effectStyle>
+          <a:effectLst>
+            <a:outerShdw blurRad="57150" dist="19050" dir="5400000" algn="ctr" rotWithShape="0">
+              <a:srgbClr val="000000">
+                <a:alpha val="63000"/>
+              </a:srgbClr>
+            </a:outerShdw>
+          </a:effectLst>
+        </a:effectStyle>
+      </a:effectStyleLst>
+      <a:bgFillStyleLst>
+        <a:solidFill>
+          <a:schemeClr val="phClr"/>
+        </a:solidFill>
+        <a:solidFill>
+          <a:schemeClr val="phClr">
+            <a:tint val="95000"/>
+            <a:satMod val="170000"/>
+          </a:schemeClr>
+        </a:solidFill>
+        <a:gradFill rotWithShape="1">
+          <a:gsLst>
+            <a:gs pos="0">
+              <a:schemeClr val="phClr">
+                <a:tint val="93000"/>
+                <a:satMod val="150000"/>
+                <a:shade val="98000"/>
+                <a:lumMod val="102000"/>
+              </a:schemeClr>
+            </a:gs>
+            <a:gs pos="50000">
+              <a:schemeClr val="phClr">
+                <a:tint val="98000"/>
+                <a:satMod val="130000"/>
+                <a:shade val="90000"/>
+                <a:lumMod val="103000"/>
+              </a:schemeClr>
+            </a:gs>
+            <a:gs pos="100000">
+              <a:schemeClr val="phClr">
+                <a:shade val="63000"/>
+                <a:satMod val="120000"/>
+              </a:schemeClr>
+            </a:gs>
+          </a:gsLst>
+          <a:lin ang="5400000" scaled="0"/>
+        </a:gradFill>
+      </a:bgFillStyleLst>
+    </a:fmtScheme>
+  </a:themeElements>
+  <a:objectDefaults/>
+  <a:extraClrSchemeLst/>
+  <a:extLst>
+    <a:ext uri="{05A4C25C-085E-4340-85A3-A5531E510DB2}">
+      <thm15:themeFamily xmlns:thm15="http://schemas.microsoft.com/office/thememl/2012/main" name="Office Theme" id="{62F939B6-93AF-4DB8-9C6B-D6C7DFDC589F}" vid="{4A3C46E8-61CC-4603-A589-7422A47A8E4A}"/>
+    </a:ext>
+  </a:extLst>
+</a:theme>
 </file>